--- a/1. Project/DTNPL/Weekly Report/DTN_SBC-USRT-속도 변경의 건.pptx
+++ b/1. Project/DTNPL/Weekly Report/DTN_SBC-USRT-속도 변경의 건.pptx
@@ -12,10 +12,10 @@
   </p:handoutMasterIdLst>
   <p:sldIdLst>
     <p:sldId id="423" r:id="rId2"/>
-    <p:sldId id="812" r:id="rId3"/>
-    <p:sldId id="1102" r:id="rId4"/>
-    <p:sldId id="1103" r:id="rId5"/>
-    <p:sldId id="1104" r:id="rId6"/>
+    <p:sldId id="1102" r:id="rId3"/>
+    <p:sldId id="1104" r:id="rId4"/>
+    <p:sldId id="1105" r:id="rId5"/>
+    <p:sldId id="1103" r:id="rId6"/>
   </p:sldIdLst>
   <p:sldSz cx="9144000" cy="6858000" type="screen4x3"/>
   <p:notesSz cx="7104063" cy="10234613"/>
@@ -1193,67 +1193,6 @@
     <p:extLst>
       <p:ext uri="{BB962C8B-B14F-4D97-AF65-F5344CB8AC3E}">
         <p14:creationId xmlns:p14="http://schemas.microsoft.com/office/powerpoint/2010/main" val="3075593368"/>
-      </p:ext>
-    </p:extLst>
-  </p:cSld>
-  <p:clrMapOvr>
-    <a:masterClrMapping/>
-  </p:clrMapOvr>
-</p:notes>
-</file>
-
-<file path=ppt/notesSlides/notesSlide2.xml><?xml version="1.0" encoding="utf-8"?>
-<p:notes xmlns:a="http://schemas.openxmlformats.org/drawingml/2006/main" xmlns:r="http://schemas.openxmlformats.org/officeDocument/2006/relationships" xmlns:p="http://schemas.openxmlformats.org/presentationml/2006/main">
-  <p:cSld>
-    <p:spTree>
-      <p:nvGrpSpPr>
-        <p:cNvPr id="1" name=""/>
-        <p:cNvGrpSpPr/>
-        <p:nvPr/>
-      </p:nvGrpSpPr>
-      <p:grpSpPr>
-        <a:xfrm>
-          <a:off x="0" y="0"/>
-          <a:ext cx="0" cy="0"/>
-          <a:chOff x="0" y="0"/>
-          <a:chExt cx="0" cy="0"/>
-        </a:xfrm>
-      </p:grpSpPr>
-      <p:sp>
-        <p:nvSpPr>
-          <p:cNvPr id="2" name="슬라이드 이미지 개체 틀 1"/>
-          <p:cNvSpPr>
-            <a:spLocks noGrp="1" noRot="1" noChangeAspect="1"/>
-          </p:cNvSpPr>
-          <p:nvPr>
-            <p:ph type="sldImg"/>
-          </p:nvPr>
-        </p:nvSpPr>
-        <p:spPr/>
-      </p:sp>
-      <p:sp>
-        <p:nvSpPr>
-          <p:cNvPr id="3" name="슬라이드 노트 개체 틀 2"/>
-          <p:cNvSpPr>
-            <a:spLocks noGrp="1"/>
-          </p:cNvSpPr>
-          <p:nvPr>
-            <p:ph type="body" idx="1"/>
-          </p:nvPr>
-        </p:nvSpPr>
-        <p:spPr/>
-        <p:txBody>
-          <a:bodyPr/>
-          <a:lstStyle/>
-          <a:p>
-            <a:endParaRPr lang="ko-KR" altLang="en-US"/>
-          </a:p>
-        </p:txBody>
-      </p:sp>
-    </p:spTree>
-    <p:extLst>
-      <p:ext uri="{BB962C8B-B14F-4D97-AF65-F5344CB8AC3E}">
-        <p14:creationId xmlns:p14="http://schemas.microsoft.com/office/powerpoint/2010/main" val="431188125"/>
       </p:ext>
     </p:extLst>
   </p:cSld>
@@ -5049,20 +4988,13 @@
           <a:lstStyle/>
           <a:p>
             <a:r>
-              <a:rPr lang="en-US" altLang="ko-KR" sz="3600" dirty="0"/>
-              <a:t>Weekly Progress Report </a:t>
-            </a:r>
-            <a:r>
-              <a:rPr lang="en-US" altLang="ko-KR" sz="3200" b="0" dirty="0"/>
-              <a:t>(WPR_2020.07.30)</a:t>
-            </a:r>
-            <a:r>
-              <a:rPr lang="en-US" altLang="ko-KR" sz="3200" dirty="0"/>
-              <a:t/>
-            </a:r>
-            <a:br>
-              <a:rPr lang="en-US" altLang="ko-KR" sz="3200" dirty="0"/>
-            </a:br>
+              <a:rPr lang="en-US" altLang="ko-KR" sz="3600" dirty="0" smtClean="0"/>
+              <a:t>USRT </a:t>
+            </a:r>
+            <a:r>
+              <a:rPr lang="ko-KR" altLang="en-US" sz="3600" dirty="0" smtClean="0"/>
+              <a:t>전송 속도 기술 검토</a:t>
+            </a:r>
             <a:r>
               <a:rPr lang="en-US" altLang="ko-KR" sz="3600" dirty="0"/>
               <a:t/>
@@ -5085,8 +5017,12 @@
               <a:rPr lang="en-US" altLang="ko-KR" sz="3600" dirty="0"/>
             </a:br>
             <a:r>
+              <a:rPr lang="en-US" altLang="ko-KR" sz="2400" b="0" dirty="0" smtClean="0"/>
+              <a:t>’20.09.01</a:t>
+            </a:r>
+            <a:r>
               <a:rPr lang="en-US" altLang="ko-KR" sz="2400" b="0" dirty="0"/>
-              <a:t>’20.07.30</a:t>
+              <a:t/>
             </a:r>
             <a:br>
               <a:rPr lang="en-US" altLang="ko-KR" sz="2400" b="0" dirty="0"/>
@@ -5253,17 +5189,27 @@
           <a:lstStyle/>
           <a:p>
             <a:r>
-              <a:rPr lang="en-US" altLang="ko-KR" dirty="0">
-                <a:latin typeface="맑은 고딕" panose="020B0503020000020004" pitchFamily="50" charset="-127"/>
-              </a:rPr>
-              <a:t>Contents</a:t>
+              <a:rPr lang="en-US" altLang="ko-KR" dirty="0" smtClean="0"/>
+              <a:t>USRT</a:t>
+            </a:r>
+            <a:r>
+              <a:rPr lang="en-US" altLang="ko-KR" dirty="0" smtClean="0"/>
+              <a:t> </a:t>
+            </a:r>
+            <a:r>
+              <a:rPr lang="en-US" altLang="ko-KR" dirty="0" smtClean="0"/>
+              <a:t>Speed </a:t>
+            </a:r>
+            <a:r>
+              <a:rPr lang="ko-KR" altLang="en-US" dirty="0"/>
+              <a:t>개선 방안</a:t>
             </a:r>
           </a:p>
         </p:txBody>
       </p:sp>
       <p:sp>
         <p:nvSpPr>
-          <p:cNvPr id="7" name="내용 개체 틀 6"/>
+          <p:cNvPr id="3" name="내용 개체 틀 2"/>
           <p:cNvSpPr>
             <a:spLocks noGrp="1"/>
           </p:cNvSpPr>
@@ -5273,8 +5219,8 @@
         </p:nvSpPr>
         <p:spPr>
           <a:xfrm>
-            <a:off x="233362" y="981307"/>
-            <a:ext cx="8910637" cy="5191424"/>
+            <a:off x="233363" y="981075"/>
+            <a:ext cx="8666162" cy="5427282"/>
           </a:xfrm>
         </p:spPr>
         <p:txBody>
@@ -5282,161 +5228,525 @@
           <a:lstStyle/>
           <a:p>
             <a:r>
-              <a:rPr lang="ko-KR" altLang="en-US" dirty="0">
-                <a:sym typeface="Wingdings" panose="05000000000000000000" pitchFamily="2" charset="2"/>
+              <a:rPr lang="en-US" altLang="ko-KR" dirty="0"/>
+              <a:t>Overview </a:t>
+            </a:r>
+            <a:r>
+              <a:rPr lang="en-US" altLang="ko-KR" dirty="0" smtClean="0"/>
+              <a:t/>
+            </a:r>
+            <a:br>
+              <a:rPr lang="en-US" altLang="ko-KR" dirty="0" smtClean="0"/>
+            </a:br>
+            <a:r>
+              <a:rPr lang="en-US" altLang="ko-KR" dirty="0" smtClean="0"/>
+              <a:t>- </a:t>
+            </a:r>
+            <a:r>
+              <a:rPr lang="ko-KR" altLang="en-US" dirty="0" smtClean="0"/>
+              <a:t>현재 </a:t>
+            </a:r>
+            <a:r>
+              <a:rPr lang="en-US" altLang="ko-KR" dirty="0" smtClean="0"/>
+              <a:t>DTNPL </a:t>
+            </a:r>
+            <a:r>
+              <a:rPr lang="ko-KR" altLang="en-US" dirty="0" smtClean="0"/>
+              <a:t>은 </a:t>
+            </a:r>
+            <a:r>
+              <a:rPr lang="en-US" altLang="ko-KR" dirty="0" smtClean="0"/>
+              <a:t>LEON3 </a:t>
+            </a:r>
+            <a:r>
+              <a:rPr lang="en-US" altLang="ko-KR" dirty="0"/>
+              <a:t>Single Core 40MHz Clock </a:t>
+            </a:r>
+            <a:r>
+              <a:rPr lang="ko-KR" altLang="en-US" dirty="0"/>
+              <a:t>으로 </a:t>
+            </a:r>
+            <a:r>
+              <a:rPr lang="ko-KR" altLang="en-US" dirty="0" smtClean="0"/>
+              <a:t>구동하고 </a:t>
+            </a:r>
+            <a:r>
+              <a:rPr lang="ko-KR" altLang="en-US" dirty="0"/>
+              <a:t>있음</a:t>
+            </a:r>
+            <a:r>
+              <a:rPr lang="en-US" altLang="ko-KR" dirty="0"/>
+              <a:t>. </a:t>
+            </a:r>
+            <a:r>
+              <a:rPr lang="en-US" altLang="ko-KR" dirty="0" smtClean="0"/>
+              <a:t/>
+            </a:r>
+            <a:br>
+              <a:rPr lang="en-US" altLang="ko-KR" dirty="0" smtClean="0"/>
+            </a:br>
+            <a:r>
+              <a:rPr lang="en-US" altLang="ko-KR" dirty="0" smtClean="0"/>
+              <a:t>- CPU</a:t>
+            </a:r>
+            <a:r>
+              <a:rPr lang="ko-KR" altLang="en-US" dirty="0"/>
+              <a:t>의 </a:t>
+            </a:r>
+            <a:r>
+              <a:rPr lang="en-US" altLang="ko-KR" dirty="0"/>
+              <a:t>Performance </a:t>
+            </a:r>
+            <a:r>
+              <a:rPr lang="ko-KR" altLang="en-US" dirty="0"/>
+              <a:t>대비 너무 많은 </a:t>
+            </a:r>
+            <a:r>
+              <a:rPr lang="en-US" altLang="ko-KR" dirty="0" smtClean="0"/>
+              <a:t>Process</a:t>
+            </a:r>
+            <a:r>
+              <a:rPr lang="ko-KR" altLang="en-US" dirty="0"/>
+              <a:t>가 구동이 되고 있어 성능 감소가 발생되고 있음</a:t>
+            </a:r>
+            <a:r>
+              <a:rPr lang="en-US" altLang="ko-KR" dirty="0"/>
+              <a:t>.</a:t>
+            </a:r>
+            <a:r>
+              <a:rPr lang="en-US" altLang="ko-KR" dirty="0" smtClean="0"/>
+              <a:t/>
+            </a:r>
+            <a:br>
+              <a:rPr lang="en-US" altLang="ko-KR" dirty="0" smtClean="0"/>
+            </a:br>
+            <a:r>
+              <a:rPr lang="en-US" altLang="ko-KR" dirty="0" smtClean="0"/>
+              <a:t>- SBC </a:t>
+            </a:r>
+            <a:r>
+              <a:rPr lang="en-US" altLang="ko-KR" dirty="0"/>
+              <a:t>F/W</a:t>
+            </a:r>
+            <a:r>
+              <a:rPr lang="ko-KR" altLang="en-US" dirty="0"/>
+              <a:t>의 </a:t>
+            </a:r>
+            <a:r>
+              <a:rPr lang="en-US" altLang="ko-KR" dirty="0" smtClean="0"/>
+              <a:t>Task </a:t>
+            </a:r>
+            <a:r>
+              <a:rPr lang="ko-KR" altLang="en-US" dirty="0" smtClean="0"/>
+              <a:t>운용 주기가 </a:t>
+            </a:r>
+            <a:r>
+              <a:rPr lang="en-US" altLang="ko-KR" dirty="0" smtClean="0"/>
+              <a:t>10ms </a:t>
+            </a:r>
+            <a:r>
+              <a:rPr lang="ko-KR" altLang="en-US" dirty="0" smtClean="0"/>
+              <a:t>로 </a:t>
+            </a:r>
+            <a:r>
+              <a:rPr lang="ko-KR" altLang="en-US" dirty="0"/>
+              <a:t>구동해야 정상적으로 구동이 되고 있음</a:t>
+            </a:r>
+            <a:r>
+              <a:rPr lang="en-US" altLang="ko-KR" dirty="0" smtClean="0"/>
+              <a:t>.</a:t>
+            </a:r>
+            <a:br>
+              <a:rPr lang="en-US" altLang="ko-KR" dirty="0" smtClean="0"/>
+            </a:br>
+            <a:r>
+              <a:rPr lang="en-US" altLang="ko-KR" dirty="0" smtClean="0"/>
+              <a:t>- </a:t>
+            </a:r>
+            <a:r>
+              <a:rPr lang="ko-KR" altLang="en-US" dirty="0" smtClean="0"/>
+              <a:t>이 </a:t>
+            </a:r>
+            <a:r>
+              <a:rPr lang="ko-KR" altLang="en-US" dirty="0"/>
+              <a:t>부분은 </a:t>
+            </a:r>
+            <a:r>
+              <a:rPr lang="en-US" altLang="ko-KR" dirty="0"/>
+              <a:t>USRT </a:t>
+            </a:r>
+            <a:r>
+              <a:rPr lang="ko-KR" altLang="en-US" dirty="0" smtClean="0"/>
+              <a:t>전송 시 </a:t>
+            </a:r>
+            <a:r>
+              <a:rPr lang="ko-KR" altLang="en-US" dirty="0"/>
+              <a:t>데이터 전송 </a:t>
+            </a:r>
+            <a:r>
+              <a:rPr lang="en-US" altLang="ko-KR" dirty="0"/>
+              <a:t>Duty Cycle</a:t>
+            </a:r>
+            <a:r>
+              <a:rPr lang="ko-KR" altLang="en-US" dirty="0"/>
+              <a:t>상에서 상당히 긴 시간의 </a:t>
+            </a:r>
+            <a:r>
+              <a:rPr lang="en-US" altLang="ko-KR" dirty="0"/>
+              <a:t>off time</a:t>
+            </a:r>
+            <a:r>
+              <a:rPr lang="ko-KR" altLang="en-US" dirty="0"/>
+              <a:t>이 소요가 </a:t>
+            </a:r>
+            <a:r>
+              <a:rPr lang="ko-KR" altLang="en-US" dirty="0" smtClean="0"/>
+              <a:t>되어 </a:t>
+            </a:r>
+            <a:r>
+              <a:rPr lang="ko-KR" altLang="en-US" dirty="0"/>
+              <a:t>전체적인 전송 속도의 저하가 발생 </a:t>
+            </a:r>
+            <a:r>
+              <a:rPr lang="en-US" altLang="ko-KR" dirty="0" smtClean="0"/>
+              <a:t/>
+            </a:r>
+            <a:br>
+              <a:rPr lang="en-US" altLang="ko-KR" dirty="0" smtClean="0"/>
+            </a:br>
+            <a:r>
+              <a:rPr lang="en-US" altLang="ko-KR" dirty="0" smtClean="0"/>
+              <a:t>- UDP</a:t>
+            </a:r>
+            <a:r>
+              <a:rPr lang="ko-KR" altLang="en-US" dirty="0"/>
+              <a:t>로 데이터 </a:t>
+            </a:r>
+            <a:r>
+              <a:rPr lang="ko-KR" altLang="en-US" dirty="0" smtClean="0"/>
+              <a:t>수신 간의 </a:t>
+            </a:r>
+            <a:r>
+              <a:rPr lang="ko-KR" altLang="en-US" dirty="0"/>
+              <a:t>시간 간격이 너무 넓어 </a:t>
+            </a:r>
+            <a:r>
+              <a:rPr lang="en-US" altLang="ko-KR" dirty="0"/>
+              <a:t>USRT </a:t>
+            </a:r>
+            <a:r>
+              <a:rPr lang="ko-KR" altLang="en-US" dirty="0"/>
+              <a:t>전송 </a:t>
+            </a:r>
+            <a:r>
+              <a:rPr lang="ko-KR" altLang="en-US" dirty="0" smtClean="0"/>
+              <a:t>속도</a:t>
+            </a:r>
+            <a:r>
+              <a:rPr lang="ko-KR" altLang="en-US" dirty="0"/>
+              <a:t>에</a:t>
+            </a:r>
+            <a:r>
+              <a:rPr lang="ko-KR" altLang="en-US" dirty="0" smtClean="0"/>
+              <a:t> </a:t>
+            </a:r>
+            <a:r>
+              <a:rPr lang="ko-KR" altLang="en-US" dirty="0"/>
+              <a:t>영향을 주고 있음</a:t>
+            </a:r>
+            <a:r>
+              <a:rPr lang="en-US" altLang="ko-KR" dirty="0" smtClean="0"/>
+              <a:t>.</a:t>
+            </a:r>
+          </a:p>
+          <a:p>
+            <a:endParaRPr lang="en-US" altLang="ko-KR" dirty="0" smtClean="0"/>
+          </a:p>
+          <a:p>
+            <a:r>
+              <a:rPr lang="ko-KR" altLang="en-US" dirty="0" smtClean="0"/>
+              <a:t>현황</a:t>
+            </a:r>
+            <a:r>
+              <a:rPr lang="en-US" altLang="ko-KR" dirty="0" smtClean="0"/>
+              <a:t/>
+            </a:r>
+            <a:br>
+              <a:rPr lang="en-US" altLang="ko-KR" dirty="0" smtClean="0"/>
+            </a:br>
+            <a:r>
+              <a:rPr lang="en-US" altLang="ko-KR" dirty="0" smtClean="0"/>
+              <a:t>- USRT Interface Clock speed 2MHz</a:t>
+            </a:r>
+            <a:br>
+              <a:rPr lang="en-US" altLang="ko-KR" dirty="0" smtClean="0"/>
+            </a:br>
+            <a:r>
+              <a:rPr lang="en-US" altLang="ko-KR" dirty="0" smtClean="0"/>
+              <a:t>  USRT </a:t>
+            </a:r>
+            <a:r>
+              <a:rPr lang="ko-KR" altLang="en-US" dirty="0" smtClean="0"/>
+              <a:t>전송 시간 </a:t>
+            </a:r>
+            <a:r>
+              <a:rPr lang="en-US" altLang="ko-KR" dirty="0" smtClean="0"/>
+              <a:t>(4.096ms) + CRC Check (1ms) + idle time (5ms) </a:t>
+            </a:r>
+            <a:br>
+              <a:rPr lang="en-US" altLang="ko-KR" dirty="0" smtClean="0"/>
+            </a:br>
+            <a:r>
+              <a:rPr lang="en-US" altLang="ko-KR" dirty="0" smtClean="0"/>
+              <a:t> </a:t>
+            </a:r>
+            <a:r>
+              <a:rPr lang="en-US" altLang="ko-KR" dirty="0" smtClean="0">
+                <a:latin typeface="맑은 고딕" panose="020B0503020000020004" pitchFamily="50" charset="-127"/>
               </a:rPr>
-              <a:t>환경시험 현황</a:t>
-            </a:r>
-            <a:endParaRPr lang="en-US" altLang="ko-KR" dirty="0">
-              <a:sym typeface="Wingdings" panose="05000000000000000000" pitchFamily="2" charset="2"/>
-            </a:endParaRPr>
-          </a:p>
-          <a:p>
+              <a:t>※ Task </a:t>
+            </a:r>
+            <a:r>
+              <a:rPr lang="ko-KR" altLang="en-US" dirty="0" smtClean="0">
+                <a:latin typeface="맑은 고딕" panose="020B0503020000020004" pitchFamily="50" charset="-127"/>
+              </a:rPr>
+              <a:t>운용 주기는 </a:t>
+            </a:r>
+            <a:r>
+              <a:rPr lang="en-US" altLang="ko-KR" dirty="0" smtClean="0">
+                <a:latin typeface="맑은 고딕" panose="020B0503020000020004" pitchFamily="50" charset="-127"/>
+              </a:rPr>
+              <a:t>10ms </a:t>
+            </a:r>
+            <a:r>
+              <a:rPr lang="ko-KR" altLang="en-US" dirty="0" smtClean="0">
+                <a:latin typeface="맑은 고딕" panose="020B0503020000020004" pitchFamily="50" charset="-127"/>
+              </a:rPr>
+              <a:t>전송</a:t>
+            </a:r>
+            <a:r>
+              <a:rPr lang="en-US" altLang="ko-KR" dirty="0" smtClean="0">
+                <a:latin typeface="맑은 고딕" panose="020B0503020000020004" pitchFamily="50" charset="-127"/>
+              </a:rPr>
+              <a:t>,</a:t>
+            </a:r>
+            <a:r>
+              <a:rPr lang="ko-KR" altLang="en-US" dirty="0" smtClean="0">
+                <a:latin typeface="맑은 고딕" panose="020B0503020000020004" pitchFamily="50" charset="-127"/>
+              </a:rPr>
+              <a:t> </a:t>
+            </a:r>
+            <a:r>
+              <a:rPr lang="en-US" altLang="ko-KR" dirty="0" smtClean="0">
+                <a:latin typeface="맑은 고딕" panose="020B0503020000020004" pitchFamily="50" charset="-127"/>
+              </a:rPr>
+              <a:t>data size : 1K (1024Byte)</a:t>
+            </a:r>
+            <a:br>
+              <a:rPr lang="en-US" altLang="ko-KR" dirty="0" smtClean="0">
+                <a:latin typeface="맑은 고딕" panose="020B0503020000020004" pitchFamily="50" charset="-127"/>
+              </a:rPr>
+            </a:br>
+            <a:r>
+              <a:rPr lang="en-US" altLang="ko-KR" dirty="0" smtClean="0">
+                <a:latin typeface="맑은 고딕" panose="020B0503020000020004" pitchFamily="50" charset="-127"/>
+              </a:rPr>
+              <a:t>- USRT Task </a:t>
+            </a:r>
+            <a:r>
+              <a:rPr lang="ko-KR" altLang="en-US" dirty="0" smtClean="0">
+                <a:latin typeface="맑은 고딕" panose="020B0503020000020004" pitchFamily="50" charset="-127"/>
+              </a:rPr>
+              <a:t>주기 내에서 </a:t>
+            </a:r>
+            <a:r>
+              <a:rPr lang="en-US" altLang="ko-KR" dirty="0" smtClean="0">
+                <a:latin typeface="맑은 고딕" panose="020B0503020000020004" pitchFamily="50" charset="-127"/>
+              </a:rPr>
+              <a:t>2 </a:t>
+            </a:r>
+            <a:r>
+              <a:rPr lang="ko-KR" altLang="en-US" dirty="0" smtClean="0">
+                <a:latin typeface="맑은 고딕" panose="020B0503020000020004" pitchFamily="50" charset="-127"/>
+              </a:rPr>
+              <a:t>주기의 데이터 전송 시 </a:t>
+            </a:r>
+            <a:r>
+              <a:rPr lang="en-US" altLang="ko-KR" dirty="0" smtClean="0">
+                <a:latin typeface="맑은 고딕" panose="020B0503020000020004" pitchFamily="50" charset="-127"/>
+              </a:rPr>
+              <a:t/>
+            </a:r>
+            <a:br>
+              <a:rPr lang="en-US" altLang="ko-KR" dirty="0" smtClean="0">
+                <a:latin typeface="맑은 고딕" panose="020B0503020000020004" pitchFamily="50" charset="-127"/>
+              </a:rPr>
+            </a:br>
+            <a:r>
+              <a:rPr lang="en-US" altLang="ko-KR" dirty="0" smtClean="0">
+                <a:latin typeface="맑은 고딕" panose="020B0503020000020004" pitchFamily="50" charset="-127"/>
+              </a:rPr>
+              <a:t> </a:t>
+            </a:r>
+            <a:r>
+              <a:rPr lang="en-US" altLang="ko-KR" dirty="0" smtClean="0"/>
+              <a:t>USRT </a:t>
+            </a:r>
+            <a:r>
+              <a:rPr lang="ko-KR" altLang="en-US" dirty="0" smtClean="0"/>
+              <a:t>전송 시간 </a:t>
+            </a:r>
+            <a:r>
+              <a:rPr lang="en-US" altLang="ko-KR" dirty="0" smtClean="0"/>
+              <a:t>(8.192ms) + CRC Check (2ms) </a:t>
+            </a:r>
             <a:r>
               <a:rPr lang="en-US" altLang="ko-KR" dirty="0" smtClean="0">
                 <a:sym typeface="Wingdings" panose="05000000000000000000" pitchFamily="2" charset="2"/>
               </a:rPr>
-              <a:t>TRS</a:t>
+              <a:t> 10ms </a:t>
             </a:r>
             <a:r>
               <a:rPr lang="ko-KR" altLang="en-US" dirty="0" smtClean="0">
                 <a:sym typeface="Wingdings" panose="05000000000000000000" pitchFamily="2" charset="2"/>
               </a:rPr>
-              <a:t> </a:t>
-            </a:r>
-            <a:r>
-              <a:rPr lang="en-US" altLang="ko-KR" dirty="0">
-                <a:sym typeface="Wingdings" panose="05000000000000000000" pitchFamily="2" charset="2"/>
-              </a:rPr>
-              <a:t>Lists</a:t>
-            </a:r>
-          </a:p>
-          <a:p>
-            <a:r>
-              <a:rPr lang="en-US" altLang="ko-KR" dirty="0">
-                <a:sym typeface="Wingdings" panose="05000000000000000000" pitchFamily="2" charset="2"/>
-              </a:rPr>
-              <a:t>TRS </a:t>
-            </a:r>
-            <a:r>
-              <a:rPr lang="ko-KR" altLang="en-US" dirty="0">
-                <a:sym typeface="Wingdings" panose="05000000000000000000" pitchFamily="2" charset="2"/>
-              </a:rPr>
-              <a:t>진행현황</a:t>
-            </a:r>
-            <a:endParaRPr lang="en-US" altLang="ko-KR" dirty="0">
-              <a:sym typeface="Wingdings" panose="05000000000000000000" pitchFamily="2" charset="2"/>
-            </a:endParaRPr>
-          </a:p>
-          <a:p>
+              <a:t>주기를 초과함</a:t>
+            </a:r>
             <a:r>
               <a:rPr lang="en-US" altLang="ko-KR" dirty="0" smtClean="0">
                 <a:sym typeface="Wingdings" panose="05000000000000000000" pitchFamily="2" charset="2"/>
               </a:rPr>
-              <a:t>EMC Issue</a:t>
-            </a:r>
-          </a:p>
-          <a:p>
-            <a:r>
-              <a:rPr lang="ko-KR" altLang="en-US" smtClean="0">
-                <a:sym typeface="Wingdings" panose="05000000000000000000" pitchFamily="2" charset="2"/>
+              <a:t>.</a:t>
+            </a:r>
+            <a:r>
+              <a:rPr lang="en-US" altLang="ko-KR" dirty="0" smtClean="0">
+                <a:latin typeface="맑은 고딕" panose="020B0503020000020004" pitchFamily="50" charset="-127"/>
               </a:rPr>
-              <a:t>전송 속도 개선 방안</a:t>
-            </a:r>
-            <a:endParaRPr lang="en-US" altLang="ko-KR" dirty="0" smtClean="0">
-              <a:sym typeface="Wingdings" panose="05000000000000000000" pitchFamily="2" charset="2"/>
-            </a:endParaRPr>
-          </a:p>
-          <a:p>
-            <a:endParaRPr lang="en-US" altLang="ko-KR" dirty="0" smtClean="0">
-              <a:sym typeface="Wingdings" panose="05000000000000000000" pitchFamily="2" charset="2"/>
-            </a:endParaRPr>
-          </a:p>
-          <a:p>
-            <a:endParaRPr lang="en-US" altLang="ko-KR" dirty="0">
-              <a:sym typeface="Wingdings" panose="05000000000000000000" pitchFamily="2" charset="2"/>
-            </a:endParaRPr>
-          </a:p>
-          <a:p>
-            <a:pPr lvl="1"/>
-            <a:endParaRPr lang="en-US" altLang="ko-KR" dirty="0">
-              <a:sym typeface="Wingdings" panose="05000000000000000000" pitchFamily="2" charset="2"/>
-            </a:endParaRPr>
-          </a:p>
-          <a:p>
-            <a:pPr lvl="3"/>
-            <a:endParaRPr lang="en-US" altLang="ko-KR" dirty="0">
-              <a:sym typeface="Wingdings" panose="05000000000000000000" pitchFamily="2" charset="2"/>
-            </a:endParaRPr>
-          </a:p>
-          <a:p>
-            <a:pPr lvl="3"/>
-            <a:endParaRPr lang="en-US" altLang="ko-KR" dirty="0">
-              <a:sym typeface="Wingdings" panose="05000000000000000000" pitchFamily="2" charset="2"/>
-            </a:endParaRPr>
-          </a:p>
-          <a:p>
-            <a:pPr lvl="3"/>
-            <a:endParaRPr lang="en-US" altLang="ko-KR" dirty="0">
-              <a:sym typeface="Wingdings" panose="05000000000000000000" pitchFamily="2" charset="2"/>
-            </a:endParaRPr>
-          </a:p>
-          <a:p>
-            <a:pPr lvl="3"/>
-            <a:endParaRPr lang="en-US" altLang="ko-KR" dirty="0">
-              <a:sym typeface="Wingdings" panose="05000000000000000000" pitchFamily="2" charset="2"/>
-            </a:endParaRPr>
-          </a:p>
-          <a:p>
-            <a:pPr lvl="3"/>
-            <a:endParaRPr lang="en-US" altLang="ko-KR" dirty="0">
-              <a:sym typeface="Wingdings" panose="05000000000000000000" pitchFamily="2" charset="2"/>
-            </a:endParaRPr>
-          </a:p>
-          <a:p>
-            <a:pPr lvl="3"/>
-            <a:endParaRPr lang="en-US" altLang="ko-KR" dirty="0">
-              <a:sym typeface="Wingdings" panose="05000000000000000000" pitchFamily="2" charset="2"/>
-            </a:endParaRPr>
-          </a:p>
-          <a:p>
-            <a:pPr lvl="3"/>
-            <a:endParaRPr lang="en-US" altLang="ko-KR" dirty="0">
-              <a:sym typeface="Wingdings" panose="05000000000000000000" pitchFamily="2" charset="2"/>
-            </a:endParaRPr>
-          </a:p>
-          <a:p>
-            <a:pPr lvl="3"/>
-            <a:endParaRPr lang="en-US" altLang="ko-KR" dirty="0">
-              <a:sym typeface="Wingdings" panose="05000000000000000000" pitchFamily="2" charset="2"/>
-            </a:endParaRPr>
-          </a:p>
-          <a:p>
-            <a:pPr lvl="3"/>
-            <a:endParaRPr lang="en-US" altLang="ko-KR" dirty="0">
-              <a:sym typeface="Wingdings" panose="05000000000000000000" pitchFamily="2" charset="2"/>
-            </a:endParaRPr>
-          </a:p>
-          <a:p>
-            <a:pPr lvl="3"/>
-            <a:endParaRPr lang="en-US" altLang="ko-KR" dirty="0">
-              <a:sym typeface="Wingdings" panose="05000000000000000000" pitchFamily="2" charset="2"/>
-            </a:endParaRPr>
-          </a:p>
-          <a:p>
-            <a:pPr lvl="2"/>
-            <a:endParaRPr lang="en-US" altLang="ko-KR" dirty="0"/>
-          </a:p>
-          <a:p>
-            <a:pPr lvl="1"/>
-            <a:endParaRPr lang="en-US" altLang="ko-KR" dirty="0"/>
+              <a:t> </a:t>
+            </a:r>
+            <a:br>
+              <a:rPr lang="en-US" altLang="ko-KR" dirty="0" smtClean="0">
+                <a:latin typeface="맑은 고딕" panose="020B0503020000020004" pitchFamily="50" charset="-127"/>
+              </a:rPr>
+            </a:br>
+            <a:r>
+              <a:rPr lang="en-US" altLang="ko-KR" dirty="0" smtClean="0">
+                <a:latin typeface="맑은 고딕" panose="020B0503020000020004" pitchFamily="50" charset="-127"/>
+              </a:rPr>
+              <a:t>- DTNPL </a:t>
+            </a:r>
+            <a:r>
+              <a:rPr lang="ko-KR" altLang="en-US" dirty="0" smtClean="0">
+                <a:latin typeface="맑은 고딕" panose="020B0503020000020004" pitchFamily="50" charset="-127"/>
+              </a:rPr>
+              <a:t>내의 </a:t>
+            </a:r>
+            <a:r>
+              <a:rPr lang="en-US" altLang="ko-KR" dirty="0" smtClean="0">
+                <a:latin typeface="맑은 고딕" panose="020B0503020000020004" pitchFamily="50" charset="-127"/>
+              </a:rPr>
+              <a:t>ION </a:t>
+            </a:r>
+            <a:r>
+              <a:rPr lang="en-US" altLang="ko-KR" dirty="0" smtClean="0">
+                <a:latin typeface="맑은 고딕" panose="020B0503020000020004" pitchFamily="50" charset="-127"/>
+              </a:rPr>
+              <a:t>S/W</a:t>
+            </a:r>
+            <a:r>
+              <a:rPr lang="ko-KR" altLang="en-US" dirty="0" smtClean="0">
+                <a:latin typeface="맑은 고딕" panose="020B0503020000020004" pitchFamily="50" charset="-127"/>
+              </a:rPr>
+              <a:t>와 </a:t>
+            </a:r>
+            <a:r>
+              <a:rPr lang="en-US" altLang="ko-KR" dirty="0" smtClean="0">
+                <a:latin typeface="맑은 고딕" panose="020B0503020000020004" pitchFamily="50" charset="-127"/>
+              </a:rPr>
+              <a:t>UDP Socket</a:t>
+            </a:r>
+            <a:r>
+              <a:rPr lang="ko-KR" altLang="en-US" dirty="0" smtClean="0">
+                <a:latin typeface="맑은 고딕" panose="020B0503020000020004" pitchFamily="50" charset="-127"/>
+              </a:rPr>
+              <a:t>을 통해 데이터 전송을 하고 있음</a:t>
+            </a:r>
+            <a:r>
+              <a:rPr lang="en-US" altLang="ko-KR" dirty="0" smtClean="0">
+                <a:latin typeface="맑은 고딕" panose="020B0503020000020004" pitchFamily="50" charset="-127"/>
+              </a:rPr>
+              <a:t>. </a:t>
+            </a:r>
+            <a:br>
+              <a:rPr lang="en-US" altLang="ko-KR" dirty="0" smtClean="0">
+                <a:latin typeface="맑은 고딕" panose="020B0503020000020004" pitchFamily="50" charset="-127"/>
+              </a:rPr>
+            </a:br>
+            <a:r>
+              <a:rPr lang="en-US" altLang="ko-KR" dirty="0">
+                <a:latin typeface="맑은 고딕" panose="020B0503020000020004" pitchFamily="50" charset="-127"/>
+              </a:rPr>
+              <a:t> </a:t>
+            </a:r>
+            <a:r>
+              <a:rPr lang="en-US" altLang="ko-KR" dirty="0" smtClean="0">
+                <a:latin typeface="맑은 고딕" panose="020B0503020000020004" pitchFamily="50" charset="-127"/>
+              </a:rPr>
+              <a:t> ※ ION S/W</a:t>
+            </a:r>
+            <a:r>
+              <a:rPr lang="ko-KR" altLang="en-US" dirty="0" smtClean="0">
+                <a:latin typeface="맑은 고딕" panose="020B0503020000020004" pitchFamily="50" charset="-127"/>
+              </a:rPr>
+              <a:t>로 부터의 데이터 수신 주기는 </a:t>
+            </a:r>
+            <a:r>
+              <a:rPr lang="en-US" altLang="ko-KR" dirty="0" smtClean="0">
+                <a:latin typeface="맑은 고딕" panose="020B0503020000020004" pitchFamily="50" charset="-127"/>
+              </a:rPr>
+              <a:t>10ms</a:t>
+            </a:r>
+            <a:br>
+              <a:rPr lang="en-US" altLang="ko-KR" dirty="0" smtClean="0">
+                <a:latin typeface="맑은 고딕" panose="020B0503020000020004" pitchFamily="50" charset="-127"/>
+              </a:rPr>
+            </a:br>
+            <a:r>
+              <a:rPr lang="en-US" altLang="ko-KR" dirty="0" smtClean="0">
+                <a:latin typeface="맑은 고딕" panose="020B0503020000020004" pitchFamily="50" charset="-127"/>
+              </a:rPr>
+              <a:t>  ※ </a:t>
+            </a:r>
+            <a:r>
+              <a:rPr lang="ko-KR" altLang="en-US" dirty="0" smtClean="0">
+                <a:latin typeface="맑은 고딕" panose="020B0503020000020004" pitchFamily="50" charset="-127"/>
+              </a:rPr>
+              <a:t>이 주기 안에서 최대한 많은 데이터를 받을 수 있는 것이 유리함</a:t>
+            </a:r>
+            <a:r>
+              <a:rPr lang="en-US" altLang="ko-KR" dirty="0" smtClean="0">
+                <a:latin typeface="맑은 고딕" panose="020B0503020000020004" pitchFamily="50" charset="-127"/>
+              </a:rPr>
+              <a:t>. </a:t>
+            </a:r>
+            <a:r>
+              <a:rPr lang="en-US" altLang="ko-KR" dirty="0" smtClean="0"/>
+              <a:t/>
+            </a:r>
+            <a:br>
+              <a:rPr lang="en-US" altLang="ko-KR" dirty="0" smtClean="0"/>
+            </a:br>
+            <a:endParaRPr lang="en-US" altLang="ko-KR" dirty="0" smtClean="0"/>
+          </a:p>
+          <a:p>
+            <a:endParaRPr lang="ko-KR" altLang="en-US" dirty="0"/>
           </a:p>
         </p:txBody>
       </p:sp>
     </p:spTree>
     <p:extLst>
       <p:ext uri="{BB962C8B-B14F-4D97-AF65-F5344CB8AC3E}">
-        <p14:creationId xmlns:p14="http://schemas.microsoft.com/office/powerpoint/2010/main" val="94880258"/>
+        <p14:creationId xmlns:p14="http://schemas.microsoft.com/office/powerpoint/2010/main" val="1737183602"/>
       </p:ext>
     </p:extLst>
   </p:cSld>
@@ -5479,17 +5789,18 @@
           <a:lstStyle/>
           <a:p>
             <a:r>
-              <a:rPr lang="en-US" altLang="ko-KR" dirty="0" err="1" smtClean="0"/>
-              <a:t>Transmitte</a:t>
-            </a:r>
-            <a:r>
               <a:rPr lang="en-US" altLang="ko-KR" dirty="0" smtClean="0"/>
-              <a:t> Speed </a:t>
-            </a:r>
-            <a:r>
-              <a:rPr lang="ko-KR" altLang="en-US" dirty="0"/>
-              <a:t>개선 방안</a:t>
-            </a:r>
+              <a:t>SBC FW Task </a:t>
+            </a:r>
+            <a:r>
+              <a:rPr lang="ko-KR" altLang="en-US" dirty="0" smtClean="0"/>
+              <a:t>운용 </a:t>
+            </a:r>
+            <a:r>
+              <a:rPr lang="en-US" altLang="ko-KR" dirty="0" smtClean="0"/>
+              <a:t>Diagram</a:t>
+            </a:r>
+            <a:endParaRPr lang="ko-KR" altLang="en-US" dirty="0"/>
           </a:p>
         </p:txBody>
       </p:sp>
@@ -5509,12 +5820,24 @@
           <a:lstStyle/>
           <a:p>
             <a:r>
-              <a:rPr lang="en-US" altLang="ko-KR" dirty="0"/>
-              <a:t>Overview </a:t>
-            </a:r>
-            <a:r>
               <a:rPr lang="en-US" altLang="ko-KR" dirty="0" smtClean="0"/>
-              <a:t/>
+              <a:t>DTNPL – SBC </a:t>
+            </a:r>
+            <a:r>
+              <a:rPr lang="ko-KR" altLang="en-US" dirty="0" smtClean="0"/>
+              <a:t>의 </a:t>
+            </a:r>
+            <a:r>
+              <a:rPr lang="en-US" altLang="ko-KR" dirty="0" smtClean="0"/>
+              <a:t>Task </a:t>
+            </a:r>
+            <a:r>
+              <a:rPr lang="ko-KR" altLang="en-US" dirty="0" smtClean="0"/>
+              <a:t>운용 </a:t>
+            </a:r>
+            <a:r>
+              <a:rPr lang="en-US" altLang="ko-KR" dirty="0" smtClean="0"/>
+              <a:t>Diagram</a:t>
             </a:r>
             <a:br>
               <a:rPr lang="en-US" altLang="ko-KR" dirty="0" smtClean="0"/>
@@ -5525,73 +5848,31 @@
             </a:r>
             <a:r>
               <a:rPr lang="ko-KR" altLang="en-US" dirty="0" smtClean="0"/>
-              <a:t>현재 </a:t>
-            </a:r>
-            <a:r>
-              <a:rPr lang="en-US" altLang="ko-KR" dirty="0"/>
-              <a:t>LEON3 Single Core 40MHz Clock </a:t>
-            </a:r>
-            <a:r>
-              <a:rPr lang="ko-KR" altLang="en-US" dirty="0"/>
-              <a:t>으로 시스템을 구동하고 있음</a:t>
-            </a:r>
-            <a:r>
-              <a:rPr lang="en-US" altLang="ko-KR" dirty="0"/>
-              <a:t>. </a:t>
+              <a:t>총 </a:t>
             </a:r>
             <a:r>
               <a:rPr lang="en-US" altLang="ko-KR" dirty="0" smtClean="0"/>
-              <a:t/>
-            </a:r>
-            <a:br>
+              <a:t>5</a:t>
+            </a:r>
+            <a:r>
+              <a:rPr lang="ko-KR" altLang="en-US" dirty="0" smtClean="0"/>
+              <a:t>개의 </a:t>
+            </a:r>
+            <a:r>
               <a:rPr lang="en-US" altLang="ko-KR" dirty="0" smtClean="0"/>
-            </a:br>
+              <a:t>Task</a:t>
+            </a:r>
+            <a:r>
+              <a:rPr lang="ko-KR" altLang="en-US" dirty="0" smtClean="0"/>
+              <a:t>로 구성이 되어 있으며</a:t>
+            </a:r>
             <a:r>
               <a:rPr lang="en-US" altLang="ko-KR" dirty="0" smtClean="0"/>
-              <a:t>- CPU</a:t>
-            </a:r>
-            <a:r>
-              <a:rPr lang="ko-KR" altLang="en-US" dirty="0"/>
-              <a:t>의 </a:t>
-            </a:r>
-            <a:r>
-              <a:rPr lang="en-US" altLang="ko-KR" dirty="0"/>
-              <a:t>Performance </a:t>
-            </a:r>
-            <a:r>
-              <a:rPr lang="ko-KR" altLang="en-US" dirty="0"/>
-              <a:t>대비 너무 많은 </a:t>
-            </a:r>
-            <a:r>
-              <a:rPr lang="en-US" altLang="ko-KR" dirty="0"/>
-              <a:t>Process</a:t>
-            </a:r>
-            <a:r>
-              <a:rPr lang="ko-KR" altLang="en-US" dirty="0"/>
-              <a:t>가 구동이 되고 있어 성능 감소가 발생되고 있음</a:t>
-            </a:r>
-            <a:r>
-              <a:rPr lang="en-US" altLang="ko-KR" dirty="0"/>
-              <a:t>.</a:t>
-            </a:r>
-            <a:r>
-              <a:rPr lang="en-US" altLang="ko-KR" dirty="0" smtClean="0"/>
-              <a:t/>
-            </a:r>
-            <a:br>
-              <a:rPr lang="en-US" altLang="ko-KR" dirty="0" smtClean="0"/>
-            </a:br>
-            <a:r>
-              <a:rPr lang="en-US" altLang="ko-KR" dirty="0" smtClean="0"/>
-              <a:t>- SBC </a:t>
-            </a:r>
-            <a:r>
-              <a:rPr lang="en-US" altLang="ko-KR" dirty="0"/>
-              <a:t>F/W</a:t>
-            </a:r>
-            <a:r>
-              <a:rPr lang="ko-KR" altLang="en-US" dirty="0"/>
-              <a:t>의 </a:t>
+              <a:t>, </a:t>
+            </a:r>
+            <a:r>
+              <a:rPr lang="ko-KR" altLang="en-US" dirty="0" smtClean="0"/>
+              <a:t>각 </a:t>
             </a:r>
             <a:r>
               <a:rPr lang="en-US" altLang="ko-KR" dirty="0" smtClean="0"/>
@@ -5599,188 +5880,2595 @@
             </a:r>
             <a:r>
               <a:rPr lang="ko-KR" altLang="en-US" dirty="0" smtClean="0"/>
-              <a:t>운용 주기가 </a:t>
+              <a:t>각 데이터 공유는 </a:t>
             </a:r>
             <a:r>
               <a:rPr lang="en-US" altLang="ko-KR" dirty="0" smtClean="0"/>
-              <a:t>10ms </a:t>
+              <a:t>Message Queue</a:t>
             </a:r>
             <a:r>
               <a:rPr lang="ko-KR" altLang="en-US" dirty="0" smtClean="0"/>
-              <a:t>로 </a:t>
-            </a:r>
-            <a:r>
-              <a:rPr lang="ko-KR" altLang="en-US" dirty="0"/>
-              <a:t>구동해야 정상적으로 구동이 되고 있음</a:t>
+              <a:t>를 이용하여 데이터 전송을 하고 있음</a:t>
             </a:r>
             <a:r>
               <a:rPr lang="en-US" altLang="ko-KR" dirty="0" smtClean="0"/>
-              <a:t>.</a:t>
-            </a:r>
-            <a:br>
-              <a:rPr lang="en-US" altLang="ko-KR" dirty="0" smtClean="0"/>
-            </a:br>
-            <a:r>
-              <a:rPr lang="en-US" altLang="ko-KR" dirty="0" smtClean="0"/>
-              <a:t>- </a:t>
-            </a:r>
-            <a:r>
-              <a:rPr lang="en-US" altLang="ko-KR" dirty="0" smtClean="0"/>
-              <a:t/>
-            </a:r>
-            <a:br>
-              <a:rPr lang="en-US" altLang="ko-KR" dirty="0" smtClean="0"/>
-            </a:br>
-            <a:r>
-              <a:rPr lang="en-US" altLang="ko-KR" dirty="0" smtClean="0"/>
-              <a:t>- </a:t>
-            </a:r>
-            <a:r>
-              <a:rPr lang="ko-KR" altLang="en-US" dirty="0" smtClean="0"/>
-              <a:t>이 </a:t>
-            </a:r>
-            <a:r>
-              <a:rPr lang="ko-KR" altLang="en-US" dirty="0"/>
-              <a:t>부분은 </a:t>
-            </a:r>
-            <a:r>
-              <a:rPr lang="en-US" altLang="ko-KR" dirty="0"/>
-              <a:t>USRT </a:t>
-            </a:r>
-            <a:r>
-              <a:rPr lang="ko-KR" altLang="en-US" dirty="0" smtClean="0"/>
-              <a:t>전송 시 </a:t>
-            </a:r>
-            <a:r>
-              <a:rPr lang="ko-KR" altLang="en-US" dirty="0"/>
-              <a:t>데이터 전송 </a:t>
-            </a:r>
-            <a:r>
-              <a:rPr lang="en-US" altLang="ko-KR" dirty="0"/>
-              <a:t>Duty Cycle</a:t>
-            </a:r>
-            <a:r>
-              <a:rPr lang="ko-KR" altLang="en-US" dirty="0"/>
-              <a:t>상에서 상당히 긴 시간의 </a:t>
-            </a:r>
-            <a:r>
-              <a:rPr lang="en-US" altLang="ko-KR" dirty="0"/>
-              <a:t>off time</a:t>
-            </a:r>
-            <a:r>
-              <a:rPr lang="ko-KR" altLang="en-US" dirty="0"/>
-              <a:t>이 소요가 </a:t>
-            </a:r>
-            <a:r>
-              <a:rPr lang="ko-KR" altLang="en-US" dirty="0" smtClean="0"/>
-              <a:t>되어 </a:t>
-            </a:r>
-            <a:r>
-              <a:rPr lang="ko-KR" altLang="en-US" dirty="0"/>
-              <a:t>전체적인 전송 속도의 저하가 발생 </a:t>
-            </a:r>
-            <a:r>
-              <a:rPr lang="en-US" altLang="ko-KR" dirty="0" smtClean="0"/>
-              <a:t/>
-            </a:r>
-            <a:br>
-              <a:rPr lang="en-US" altLang="ko-KR" dirty="0" smtClean="0"/>
-            </a:br>
-            <a:r>
-              <a:rPr lang="en-US" altLang="ko-KR" dirty="0" smtClean="0"/>
-              <a:t>- UDP</a:t>
-            </a:r>
-            <a:r>
-              <a:rPr lang="ko-KR" altLang="en-US" dirty="0"/>
-              <a:t>로 데이터 </a:t>
-            </a:r>
-            <a:r>
-              <a:rPr lang="ko-KR" altLang="en-US" dirty="0" smtClean="0"/>
-              <a:t>수신 간의 </a:t>
-            </a:r>
-            <a:r>
-              <a:rPr lang="ko-KR" altLang="en-US" dirty="0"/>
-              <a:t>시간 간격이 너무 넓어 </a:t>
-            </a:r>
-            <a:r>
-              <a:rPr lang="en-US" altLang="ko-KR" dirty="0"/>
-              <a:t>USRT </a:t>
-            </a:r>
-            <a:r>
-              <a:rPr lang="ko-KR" altLang="en-US" dirty="0"/>
-              <a:t>전송 </a:t>
-            </a:r>
-            <a:r>
-              <a:rPr lang="ko-KR" altLang="en-US" dirty="0" smtClean="0"/>
-              <a:t>속도</a:t>
-            </a:r>
-            <a:r>
-              <a:rPr lang="ko-KR" altLang="en-US" dirty="0"/>
-              <a:t>에</a:t>
-            </a:r>
-            <a:r>
-              <a:rPr lang="ko-KR" altLang="en-US" dirty="0" smtClean="0"/>
-              <a:t> </a:t>
-            </a:r>
-            <a:r>
-              <a:rPr lang="ko-KR" altLang="en-US" dirty="0"/>
-              <a:t>영향을 주고 있음</a:t>
-            </a:r>
-            <a:r>
-              <a:rPr lang="en-US" altLang="ko-KR" dirty="0"/>
-              <a:t>.</a:t>
-            </a:r>
-            <a:r>
-              <a:rPr lang="en-US" altLang="ko-KR" dirty="0" smtClean="0"/>
-              <a:t/>
-            </a:r>
-            <a:br>
-              <a:rPr lang="en-US" altLang="ko-KR" dirty="0" smtClean="0"/>
-            </a:br>
-            <a:endParaRPr lang="en-US" altLang="ko-KR" dirty="0" smtClean="0"/>
-          </a:p>
-          <a:p>
-            <a:r>
-              <a:rPr lang="ko-KR" altLang="en-US" dirty="0" smtClean="0"/>
-              <a:t>현황</a:t>
-            </a:r>
-            <a:r>
-              <a:rPr lang="en-US" altLang="ko-KR" dirty="0" smtClean="0"/>
-              <a:t/>
-            </a:r>
-            <a:br>
-              <a:rPr lang="en-US" altLang="ko-KR" dirty="0" smtClean="0"/>
-            </a:br>
-            <a:r>
-              <a:rPr lang="en-US" altLang="ko-KR" dirty="0"/>
-              <a:t>USRT </a:t>
-            </a:r>
-            <a:r>
-              <a:rPr lang="ko-KR" altLang="en-US" dirty="0"/>
-              <a:t>전송 시간 </a:t>
-            </a:r>
-            <a:r>
-              <a:rPr lang="en-US" altLang="ko-KR" dirty="0"/>
-              <a:t>(4ms) + CRC Check (1ms) + idle time (5ms)</a:t>
-            </a:r>
-            <a:r>
-              <a:rPr lang="en-US" altLang="ko-KR" dirty="0" smtClean="0"/>
-              <a:t/>
-            </a:r>
-            <a:br>
-              <a:rPr lang="en-US" altLang="ko-KR" dirty="0" smtClean="0"/>
-            </a:br>
-            <a:endParaRPr lang="en-US" altLang="ko-KR" dirty="0" smtClean="0"/>
-          </a:p>
-          <a:p>
+              <a:t>. </a:t>
+            </a:r>
             <a:endParaRPr lang="ko-KR" altLang="en-US" dirty="0"/>
           </a:p>
         </p:txBody>
       </p:sp>
+      <p:grpSp>
+        <p:nvGrpSpPr>
+          <p:cNvPr id="4" name="그룹 3">
+            <a:extLst>
+              <a:ext uri="{FF2B5EF4-FFF2-40B4-BE49-F238E27FC236}">
+                <a16:creationId xmlns:a16="http://schemas.microsoft.com/office/drawing/2014/main" id="{0B9F6217-69A4-4A7D-A9C2-35C496D61B3B}"/>
+              </a:ext>
+            </a:extLst>
+          </p:cNvPr>
+          <p:cNvGrpSpPr/>
+          <p:nvPr/>
+        </p:nvGrpSpPr>
+        <p:grpSpPr>
+          <a:xfrm>
+            <a:off x="1102808" y="2604340"/>
+            <a:ext cx="6821992" cy="3625010"/>
+            <a:chOff x="598512" y="1679544"/>
+            <a:chExt cx="8373066" cy="4707030"/>
+          </a:xfrm>
+        </p:grpSpPr>
+        <p:sp>
+          <p:nvSpPr>
+            <p:cNvPr id="5" name="직사각형 4">
+              <a:extLst>
+                <a:ext uri="{FF2B5EF4-FFF2-40B4-BE49-F238E27FC236}">
+                  <a16:creationId xmlns:a16="http://schemas.microsoft.com/office/drawing/2014/main" id="{3D7FC507-B8EC-4190-BD90-A28BA2EC6E67}"/>
+                </a:ext>
+              </a:extLst>
+            </p:cNvPr>
+            <p:cNvSpPr/>
+            <p:nvPr/>
+          </p:nvSpPr>
+          <p:spPr bwMode="auto">
+            <a:xfrm>
+              <a:off x="1246909" y="2485504"/>
+              <a:ext cx="1296786" cy="457200"/>
+            </a:xfrm>
+            <a:prstGeom prst="rect">
+              <a:avLst/>
+            </a:prstGeom>
+            <a:solidFill>
+              <a:schemeClr val="accent1"/>
+            </a:solidFill>
+            <a:ln w="3175" cap="flat" cmpd="sng" algn="ctr">
+              <a:solidFill>
+                <a:schemeClr val="accent2"/>
+              </a:solidFill>
+              <a:prstDash val="solid"/>
+              <a:round/>
+              <a:headEnd type="none" w="sm" len="sm"/>
+              <a:tailEnd type="none" w="sm" len="sm"/>
+            </a:ln>
+            <a:effectLst/>
+            <a:extLst>
+              <a:ext uri="{AF507438-7753-43E0-B8FC-AC1667EBCBE1}">
+                <a14:hiddenEffects xmlns:a14="http://schemas.microsoft.com/office/drawing/2010/main">
+                  <a:effectLst>
+                    <a:outerShdw dist="35921" dir="2700000" algn="ctr" rotWithShape="0">
+                      <a:schemeClr val="bg2"/>
+                    </a:outerShdw>
+                  </a:effectLst>
+                </a14:hiddenEffects>
+              </a:ext>
+            </a:extLst>
+          </p:spPr>
+          <p:txBody>
+            <a:bodyPr vert="horz" wrap="none" lIns="91440" tIns="45720" rIns="91440" bIns="45720" numCol="1" rtlCol="0" anchor="ctr" anchorCtr="0" compatLnSpc="1">
+              <a:prstTxWarp prst="textNoShape">
+                <a:avLst/>
+              </a:prstTxWarp>
+            </a:bodyPr>
+            <a:lstStyle/>
+            <a:p>
+              <a:pPr marL="0" marR="0" indent="0" algn="ctr" defTabSz="914400" rtl="0" eaLnBrk="1" fontAlgn="base" latinLnBrk="1" hangingPunct="1">
+                <a:lnSpc>
+                  <a:spcPct val="100000"/>
+                </a:lnSpc>
+                <a:spcBef>
+                  <a:spcPct val="0"/>
+                </a:spcBef>
+                <a:spcAft>
+                  <a:spcPct val="0"/>
+                </a:spcAft>
+                <a:buClrTx/>
+                <a:buSzTx/>
+                <a:buFontTx/>
+                <a:buNone/>
+                <a:tabLst/>
+              </a:pPr>
+              <a:r>
+                <a:rPr kumimoji="1" lang="en-US" altLang="ko-KR" sz="1000" b="0" i="0" u="none" strike="noStrike" cap="none" normalizeH="0" baseline="0" dirty="0">
+                  <a:ln>
+                    <a:noFill/>
+                  </a:ln>
+                  <a:solidFill>
+                    <a:schemeClr val="tx1"/>
+                  </a:solidFill>
+                  <a:effectLst/>
+                  <a:latin typeface="Times New Roman" panose="02020603050405020304" pitchFamily="18" charset="0"/>
+                  <a:ea typeface="굴림" panose="020B0600000101010101" pitchFamily="50" charset="-127"/>
+                </a:rPr>
+                <a:t>MQ1</a:t>
+              </a:r>
+              <a:endParaRPr kumimoji="1" lang="ko-KR" altLang="en-US" sz="1000" b="0" i="0" u="none" strike="noStrike" cap="none" normalizeH="0" baseline="0" dirty="0">
+                <a:ln>
+                  <a:noFill/>
+                </a:ln>
+                <a:solidFill>
+                  <a:schemeClr val="tx1"/>
+                </a:solidFill>
+                <a:effectLst/>
+                <a:latin typeface="Times New Roman" panose="02020603050405020304" pitchFamily="18" charset="0"/>
+                <a:ea typeface="굴림" panose="020B0600000101010101" pitchFamily="50" charset="-127"/>
+              </a:endParaRPr>
+            </a:p>
+          </p:txBody>
+        </p:sp>
+        <p:sp>
+          <p:nvSpPr>
+            <p:cNvPr id="6" name="직사각형 5">
+              <a:extLst>
+                <a:ext uri="{FF2B5EF4-FFF2-40B4-BE49-F238E27FC236}">
+                  <a16:creationId xmlns:a16="http://schemas.microsoft.com/office/drawing/2014/main" id="{57868E5B-75B3-411B-9873-E5E76F2132C4}"/>
+                </a:ext>
+              </a:extLst>
+            </p:cNvPr>
+            <p:cNvSpPr/>
+            <p:nvPr/>
+          </p:nvSpPr>
+          <p:spPr bwMode="auto">
+            <a:xfrm>
+              <a:off x="2543695" y="2485504"/>
+              <a:ext cx="1296786" cy="457200"/>
+            </a:xfrm>
+            <a:prstGeom prst="rect">
+              <a:avLst/>
+            </a:prstGeom>
+            <a:solidFill>
+              <a:schemeClr val="accent1"/>
+            </a:solidFill>
+            <a:ln w="3175" cap="flat" cmpd="sng" algn="ctr">
+              <a:solidFill>
+                <a:schemeClr val="accent2"/>
+              </a:solidFill>
+              <a:prstDash val="solid"/>
+              <a:round/>
+              <a:headEnd type="none" w="sm" len="sm"/>
+              <a:tailEnd type="none" w="sm" len="sm"/>
+            </a:ln>
+            <a:effectLst/>
+            <a:extLst>
+              <a:ext uri="{AF507438-7753-43E0-B8FC-AC1667EBCBE1}">
+                <a14:hiddenEffects xmlns:a14="http://schemas.microsoft.com/office/drawing/2010/main">
+                  <a:effectLst>
+                    <a:outerShdw dist="35921" dir="2700000" algn="ctr" rotWithShape="0">
+                      <a:schemeClr val="bg2"/>
+                    </a:outerShdw>
+                  </a:effectLst>
+                </a14:hiddenEffects>
+              </a:ext>
+            </a:extLst>
+          </p:spPr>
+          <p:txBody>
+            <a:bodyPr vert="horz" wrap="none" lIns="91440" tIns="45720" rIns="91440" bIns="45720" numCol="1" rtlCol="0" anchor="ctr" anchorCtr="0" compatLnSpc="1">
+              <a:prstTxWarp prst="textNoShape">
+                <a:avLst/>
+              </a:prstTxWarp>
+            </a:bodyPr>
+            <a:lstStyle/>
+            <a:p>
+              <a:pPr marL="0" marR="0" indent="0" algn="ctr" defTabSz="914400" rtl="0" eaLnBrk="1" fontAlgn="base" latinLnBrk="1" hangingPunct="1">
+                <a:lnSpc>
+                  <a:spcPct val="100000"/>
+                </a:lnSpc>
+                <a:spcBef>
+                  <a:spcPct val="0"/>
+                </a:spcBef>
+                <a:spcAft>
+                  <a:spcPct val="0"/>
+                </a:spcAft>
+                <a:buClrTx/>
+                <a:buSzTx/>
+                <a:buFontTx/>
+                <a:buNone/>
+                <a:tabLst/>
+              </a:pPr>
+              <a:r>
+                <a:rPr kumimoji="1" lang="en-US" altLang="ko-KR" sz="1000" b="0" i="0" u="none" strike="noStrike" cap="none" normalizeH="0" baseline="0" dirty="0">
+                  <a:ln>
+                    <a:noFill/>
+                  </a:ln>
+                  <a:solidFill>
+                    <a:schemeClr val="tx1"/>
+                  </a:solidFill>
+                  <a:effectLst/>
+                  <a:latin typeface="Times New Roman" panose="02020603050405020304" pitchFamily="18" charset="0"/>
+                  <a:ea typeface="굴림" panose="020B0600000101010101" pitchFamily="50" charset="-127"/>
+                </a:rPr>
+                <a:t>MQ2</a:t>
+              </a:r>
+              <a:endParaRPr kumimoji="1" lang="ko-KR" altLang="en-US" sz="1000" b="0" i="0" u="none" strike="noStrike" cap="none" normalizeH="0" baseline="0" dirty="0">
+                <a:ln>
+                  <a:noFill/>
+                </a:ln>
+                <a:solidFill>
+                  <a:schemeClr val="tx1"/>
+                </a:solidFill>
+                <a:effectLst/>
+                <a:latin typeface="Times New Roman" panose="02020603050405020304" pitchFamily="18" charset="0"/>
+                <a:ea typeface="굴림" panose="020B0600000101010101" pitchFamily="50" charset="-127"/>
+              </a:endParaRPr>
+            </a:p>
+          </p:txBody>
+        </p:sp>
+        <p:sp>
+          <p:nvSpPr>
+            <p:cNvPr id="7" name="직사각형 6">
+              <a:extLst>
+                <a:ext uri="{FF2B5EF4-FFF2-40B4-BE49-F238E27FC236}">
+                  <a16:creationId xmlns:a16="http://schemas.microsoft.com/office/drawing/2014/main" id="{AAE8D95E-FFF8-449E-8019-19BA78A6E3AB}"/>
+                </a:ext>
+              </a:extLst>
+            </p:cNvPr>
+            <p:cNvSpPr/>
+            <p:nvPr/>
+          </p:nvSpPr>
+          <p:spPr bwMode="auto">
+            <a:xfrm>
+              <a:off x="3870974" y="2485504"/>
+              <a:ext cx="1296786" cy="457200"/>
+            </a:xfrm>
+            <a:prstGeom prst="rect">
+              <a:avLst/>
+            </a:prstGeom>
+            <a:solidFill>
+              <a:schemeClr val="accent1"/>
+            </a:solidFill>
+            <a:ln w="3175" cap="flat" cmpd="sng" algn="ctr">
+              <a:solidFill>
+                <a:schemeClr val="accent2"/>
+              </a:solidFill>
+              <a:prstDash val="solid"/>
+              <a:round/>
+              <a:headEnd type="none" w="sm" len="sm"/>
+              <a:tailEnd type="none" w="sm" len="sm"/>
+            </a:ln>
+            <a:effectLst/>
+            <a:extLst>
+              <a:ext uri="{AF507438-7753-43E0-B8FC-AC1667EBCBE1}">
+                <a14:hiddenEffects xmlns:a14="http://schemas.microsoft.com/office/drawing/2010/main">
+                  <a:effectLst>
+                    <a:outerShdw dist="35921" dir="2700000" algn="ctr" rotWithShape="0">
+                      <a:schemeClr val="bg2"/>
+                    </a:outerShdw>
+                  </a:effectLst>
+                </a14:hiddenEffects>
+              </a:ext>
+            </a:extLst>
+          </p:spPr>
+          <p:txBody>
+            <a:bodyPr vert="horz" wrap="none" lIns="91440" tIns="45720" rIns="91440" bIns="45720" numCol="1" rtlCol="0" anchor="ctr" anchorCtr="0" compatLnSpc="1">
+              <a:prstTxWarp prst="textNoShape">
+                <a:avLst/>
+              </a:prstTxWarp>
+            </a:bodyPr>
+            <a:lstStyle/>
+            <a:p>
+              <a:pPr marL="0" marR="0" indent="0" algn="ctr" defTabSz="914400" rtl="0" eaLnBrk="1" fontAlgn="base" latinLnBrk="1" hangingPunct="1">
+                <a:lnSpc>
+                  <a:spcPct val="100000"/>
+                </a:lnSpc>
+                <a:spcBef>
+                  <a:spcPct val="0"/>
+                </a:spcBef>
+                <a:spcAft>
+                  <a:spcPct val="0"/>
+                </a:spcAft>
+                <a:buClrTx/>
+                <a:buSzTx/>
+                <a:buFontTx/>
+                <a:buNone/>
+                <a:tabLst/>
+              </a:pPr>
+              <a:r>
+                <a:rPr kumimoji="1" lang="en-US" altLang="ko-KR" sz="1000" b="0" i="0" u="none" strike="noStrike" cap="none" normalizeH="0" baseline="0" dirty="0">
+                  <a:ln>
+                    <a:noFill/>
+                  </a:ln>
+                  <a:solidFill>
+                    <a:schemeClr val="tx1"/>
+                  </a:solidFill>
+                  <a:effectLst/>
+                  <a:latin typeface="Times New Roman" panose="02020603050405020304" pitchFamily="18" charset="0"/>
+                  <a:ea typeface="굴림" panose="020B0600000101010101" pitchFamily="50" charset="-127"/>
+                </a:rPr>
+                <a:t>MQ3</a:t>
+              </a:r>
+              <a:endParaRPr kumimoji="1" lang="ko-KR" altLang="en-US" sz="1000" b="0" i="0" u="none" strike="noStrike" cap="none" normalizeH="0" baseline="0" dirty="0">
+                <a:ln>
+                  <a:noFill/>
+                </a:ln>
+                <a:solidFill>
+                  <a:schemeClr val="tx1"/>
+                </a:solidFill>
+                <a:effectLst/>
+                <a:latin typeface="Times New Roman" panose="02020603050405020304" pitchFamily="18" charset="0"/>
+                <a:ea typeface="굴림" panose="020B0600000101010101" pitchFamily="50" charset="-127"/>
+              </a:endParaRPr>
+            </a:p>
+          </p:txBody>
+        </p:sp>
+        <p:sp>
+          <p:nvSpPr>
+            <p:cNvPr id="8" name="직사각형 7">
+              <a:extLst>
+                <a:ext uri="{FF2B5EF4-FFF2-40B4-BE49-F238E27FC236}">
+                  <a16:creationId xmlns:a16="http://schemas.microsoft.com/office/drawing/2014/main" id="{472B3B3A-BEC7-465F-AF4A-01F401D9B96D}"/>
+                </a:ext>
+              </a:extLst>
+            </p:cNvPr>
+            <p:cNvSpPr/>
+            <p:nvPr/>
+          </p:nvSpPr>
+          <p:spPr bwMode="auto">
+            <a:xfrm>
+              <a:off x="6479793" y="2485503"/>
+              <a:ext cx="1296786" cy="457200"/>
+            </a:xfrm>
+            <a:prstGeom prst="rect">
+              <a:avLst/>
+            </a:prstGeom>
+            <a:solidFill>
+              <a:schemeClr val="accent1"/>
+            </a:solidFill>
+            <a:ln w="3175" cap="flat" cmpd="sng" algn="ctr">
+              <a:solidFill>
+                <a:schemeClr val="accent2"/>
+              </a:solidFill>
+              <a:prstDash val="solid"/>
+              <a:round/>
+              <a:headEnd type="none" w="sm" len="sm"/>
+              <a:tailEnd type="none" w="sm" len="sm"/>
+            </a:ln>
+            <a:effectLst/>
+            <a:extLst>
+              <a:ext uri="{AF507438-7753-43E0-B8FC-AC1667EBCBE1}">
+                <a14:hiddenEffects xmlns:a14="http://schemas.microsoft.com/office/drawing/2010/main">
+                  <a:effectLst>
+                    <a:outerShdw dist="35921" dir="2700000" algn="ctr" rotWithShape="0">
+                      <a:schemeClr val="bg2"/>
+                    </a:outerShdw>
+                  </a:effectLst>
+                </a14:hiddenEffects>
+              </a:ext>
+            </a:extLst>
+          </p:spPr>
+          <p:txBody>
+            <a:bodyPr vert="horz" wrap="none" lIns="91440" tIns="45720" rIns="91440" bIns="45720" numCol="1" rtlCol="0" anchor="ctr" anchorCtr="0" compatLnSpc="1">
+              <a:prstTxWarp prst="textNoShape">
+                <a:avLst/>
+              </a:prstTxWarp>
+            </a:bodyPr>
+            <a:lstStyle/>
+            <a:p>
+              <a:pPr marL="0" marR="0" indent="0" algn="ctr" defTabSz="914400" rtl="0" eaLnBrk="1" fontAlgn="base" latinLnBrk="1" hangingPunct="1">
+                <a:lnSpc>
+                  <a:spcPct val="100000"/>
+                </a:lnSpc>
+                <a:spcBef>
+                  <a:spcPct val="0"/>
+                </a:spcBef>
+                <a:spcAft>
+                  <a:spcPct val="0"/>
+                </a:spcAft>
+                <a:buClrTx/>
+                <a:buSzTx/>
+                <a:buFontTx/>
+                <a:buNone/>
+                <a:tabLst/>
+              </a:pPr>
+              <a:r>
+                <a:rPr kumimoji="1" lang="en-US" altLang="ko-KR" sz="1000" b="0" i="0" u="none" strike="noStrike" cap="none" normalizeH="0" baseline="0" dirty="0" err="1">
+                  <a:ln>
+                    <a:noFill/>
+                  </a:ln>
+                  <a:solidFill>
+                    <a:schemeClr val="tx1"/>
+                  </a:solidFill>
+                  <a:effectLst/>
+                  <a:latin typeface="Times New Roman" panose="02020603050405020304" pitchFamily="18" charset="0"/>
+                  <a:ea typeface="굴림" panose="020B0600000101010101" pitchFamily="50" charset="-127"/>
+                </a:rPr>
+                <a:t>MQn</a:t>
+              </a:r>
+              <a:endParaRPr kumimoji="1" lang="ko-KR" altLang="en-US" sz="1000" b="0" i="0" u="none" strike="noStrike" cap="none" normalizeH="0" baseline="0" dirty="0">
+                <a:ln>
+                  <a:noFill/>
+                </a:ln>
+                <a:solidFill>
+                  <a:schemeClr val="tx1"/>
+                </a:solidFill>
+                <a:effectLst/>
+                <a:latin typeface="Times New Roman" panose="02020603050405020304" pitchFamily="18" charset="0"/>
+                <a:ea typeface="굴림" panose="020B0600000101010101" pitchFamily="50" charset="-127"/>
+              </a:endParaRPr>
+            </a:p>
+          </p:txBody>
+        </p:sp>
+        <p:sp>
+          <p:nvSpPr>
+            <p:cNvPr id="9" name="직사각형 8">
+              <a:extLst>
+                <a:ext uri="{FF2B5EF4-FFF2-40B4-BE49-F238E27FC236}">
+                  <a16:creationId xmlns:a16="http://schemas.microsoft.com/office/drawing/2014/main" id="{09E14CED-4BE5-47DE-84E9-EFA10440DDDF}"/>
+                </a:ext>
+              </a:extLst>
+            </p:cNvPr>
+            <p:cNvSpPr/>
+            <p:nvPr/>
+          </p:nvSpPr>
+          <p:spPr bwMode="auto">
+            <a:xfrm>
+              <a:off x="5198253" y="2485503"/>
+              <a:ext cx="1296786" cy="457200"/>
+            </a:xfrm>
+            <a:prstGeom prst="rect">
+              <a:avLst/>
+            </a:prstGeom>
+            <a:solidFill>
+              <a:schemeClr val="accent1"/>
+            </a:solidFill>
+            <a:ln w="3175" cap="flat" cmpd="sng" algn="ctr">
+              <a:solidFill>
+                <a:schemeClr val="accent2"/>
+              </a:solidFill>
+              <a:prstDash val="solid"/>
+              <a:round/>
+              <a:headEnd type="none" w="sm" len="sm"/>
+              <a:tailEnd type="none" w="sm" len="sm"/>
+            </a:ln>
+            <a:effectLst/>
+            <a:extLst>
+              <a:ext uri="{AF507438-7753-43E0-B8FC-AC1667EBCBE1}">
+                <a14:hiddenEffects xmlns:a14="http://schemas.microsoft.com/office/drawing/2010/main">
+                  <a:effectLst>
+                    <a:outerShdw dist="35921" dir="2700000" algn="ctr" rotWithShape="0">
+                      <a:schemeClr val="bg2"/>
+                    </a:outerShdw>
+                  </a:effectLst>
+                </a14:hiddenEffects>
+              </a:ext>
+            </a:extLst>
+          </p:spPr>
+          <p:txBody>
+            <a:bodyPr vert="horz" wrap="none" lIns="91440" tIns="45720" rIns="91440" bIns="45720" numCol="1" rtlCol="0" anchor="ctr" anchorCtr="0" compatLnSpc="1">
+              <a:prstTxWarp prst="textNoShape">
+                <a:avLst/>
+              </a:prstTxWarp>
+            </a:bodyPr>
+            <a:lstStyle/>
+            <a:p>
+              <a:pPr marL="0" marR="0" indent="0" algn="ctr" defTabSz="914400" rtl="0" eaLnBrk="1" fontAlgn="base" latinLnBrk="1" hangingPunct="1">
+                <a:lnSpc>
+                  <a:spcPct val="100000"/>
+                </a:lnSpc>
+                <a:spcBef>
+                  <a:spcPct val="0"/>
+                </a:spcBef>
+                <a:spcAft>
+                  <a:spcPct val="0"/>
+                </a:spcAft>
+                <a:buClrTx/>
+                <a:buSzTx/>
+                <a:buFontTx/>
+                <a:buNone/>
+                <a:tabLst/>
+              </a:pPr>
+              <a:r>
+                <a:rPr kumimoji="1" lang="en-US" altLang="ko-KR" sz="1000" b="0" i="0" u="none" strike="noStrike" cap="none" normalizeH="0" baseline="0" dirty="0">
+                  <a:ln>
+                    <a:noFill/>
+                  </a:ln>
+                  <a:solidFill>
+                    <a:schemeClr val="tx1"/>
+                  </a:solidFill>
+                  <a:effectLst/>
+                  <a:latin typeface="Times New Roman" panose="02020603050405020304" pitchFamily="18" charset="0"/>
+                  <a:ea typeface="굴림" panose="020B0600000101010101" pitchFamily="50" charset="-127"/>
+                </a:rPr>
+                <a:t>…</a:t>
+              </a:r>
+              <a:endParaRPr kumimoji="1" lang="ko-KR" altLang="en-US" sz="1000" b="0" i="0" u="none" strike="noStrike" cap="none" normalizeH="0" baseline="0" dirty="0">
+                <a:ln>
+                  <a:noFill/>
+                </a:ln>
+                <a:solidFill>
+                  <a:schemeClr val="tx1"/>
+                </a:solidFill>
+                <a:effectLst/>
+                <a:latin typeface="Times New Roman" panose="02020603050405020304" pitchFamily="18" charset="0"/>
+                <a:ea typeface="굴림" panose="020B0600000101010101" pitchFamily="50" charset="-127"/>
+              </a:endParaRPr>
+            </a:p>
+          </p:txBody>
+        </p:sp>
+        <p:sp>
+          <p:nvSpPr>
+            <p:cNvPr id="10" name="직사각형 9">
+              <a:extLst>
+                <a:ext uri="{FF2B5EF4-FFF2-40B4-BE49-F238E27FC236}">
+                  <a16:creationId xmlns:a16="http://schemas.microsoft.com/office/drawing/2014/main" id="{C381F4CF-1334-4851-9649-19E0198D59D7}"/>
+                </a:ext>
+              </a:extLst>
+            </p:cNvPr>
+            <p:cNvSpPr/>
+            <p:nvPr/>
+          </p:nvSpPr>
+          <p:spPr bwMode="auto">
+            <a:xfrm>
+              <a:off x="598515" y="1679544"/>
+              <a:ext cx="2833286" cy="457200"/>
+            </a:xfrm>
+            <a:prstGeom prst="rect">
+              <a:avLst/>
+            </a:prstGeom>
+            <a:solidFill>
+              <a:schemeClr val="accent1"/>
+            </a:solidFill>
+            <a:ln w="3175" cap="flat" cmpd="sng" algn="ctr">
+              <a:solidFill>
+                <a:schemeClr val="accent2"/>
+              </a:solidFill>
+              <a:prstDash val="solid"/>
+              <a:round/>
+              <a:headEnd type="none" w="sm" len="sm"/>
+              <a:tailEnd type="none" w="sm" len="sm"/>
+            </a:ln>
+            <a:effectLst/>
+            <a:extLst>
+              <a:ext uri="{AF507438-7753-43E0-B8FC-AC1667EBCBE1}">
+                <a14:hiddenEffects xmlns:a14="http://schemas.microsoft.com/office/drawing/2010/main">
+                  <a:effectLst>
+                    <a:outerShdw dist="35921" dir="2700000" algn="ctr" rotWithShape="0">
+                      <a:schemeClr val="bg2"/>
+                    </a:outerShdw>
+                  </a:effectLst>
+                </a14:hiddenEffects>
+              </a:ext>
+            </a:extLst>
+          </p:spPr>
+          <p:txBody>
+            <a:bodyPr vert="horz" wrap="none" lIns="91440" tIns="45720" rIns="91440" bIns="45720" numCol="1" rtlCol="0" anchor="ctr" anchorCtr="0" compatLnSpc="1">
+              <a:prstTxWarp prst="textNoShape">
+                <a:avLst/>
+              </a:prstTxWarp>
+            </a:bodyPr>
+            <a:lstStyle/>
+            <a:p>
+              <a:pPr marL="0" marR="0" indent="0" algn="ctr" defTabSz="914400" rtl="0" eaLnBrk="1" fontAlgn="base" latinLnBrk="1" hangingPunct="1">
+                <a:lnSpc>
+                  <a:spcPct val="100000"/>
+                </a:lnSpc>
+                <a:spcBef>
+                  <a:spcPct val="0"/>
+                </a:spcBef>
+                <a:spcAft>
+                  <a:spcPct val="0"/>
+                </a:spcAft>
+                <a:buClrTx/>
+                <a:buSzTx/>
+                <a:buFontTx/>
+                <a:buNone/>
+                <a:tabLst/>
+              </a:pPr>
+              <a:r>
+                <a:rPr lang="en-US" altLang="ko-KR" sz="1000" dirty="0"/>
+                <a:t>UDP Rx Task </a:t>
+              </a:r>
+              <a:r>
+                <a:rPr lang="en-US" altLang="ko-KR" sz="1000" dirty="0" smtClean="0"/>
+                <a:t>(10ms</a:t>
+              </a:r>
+              <a:r>
+                <a:rPr lang="en-US" altLang="ko-KR" sz="1000" dirty="0"/>
+                <a:t>)</a:t>
+              </a:r>
+              <a:endParaRPr kumimoji="1" lang="ko-KR" altLang="en-US" sz="1000" b="0" i="0" u="none" strike="noStrike" cap="none" normalizeH="0" baseline="0" dirty="0">
+                <a:ln>
+                  <a:noFill/>
+                </a:ln>
+                <a:solidFill>
+                  <a:schemeClr val="tx1"/>
+                </a:solidFill>
+                <a:effectLst/>
+              </a:endParaRPr>
+            </a:p>
+          </p:txBody>
+        </p:sp>
+        <p:sp>
+          <p:nvSpPr>
+            <p:cNvPr id="11" name="직사각형 10">
+              <a:extLst>
+                <a:ext uri="{FF2B5EF4-FFF2-40B4-BE49-F238E27FC236}">
+                  <a16:creationId xmlns:a16="http://schemas.microsoft.com/office/drawing/2014/main" id="{23BC504A-D258-4FE9-975F-478660F0535C}"/>
+                </a:ext>
+              </a:extLst>
+            </p:cNvPr>
+            <p:cNvSpPr/>
+            <p:nvPr/>
+          </p:nvSpPr>
+          <p:spPr bwMode="auto">
+            <a:xfrm>
+              <a:off x="598514" y="3291464"/>
+              <a:ext cx="2452257" cy="457200"/>
+            </a:xfrm>
+            <a:prstGeom prst="rect">
+              <a:avLst/>
+            </a:prstGeom>
+            <a:solidFill>
+              <a:schemeClr val="accent1"/>
+            </a:solidFill>
+            <a:ln w="3175" cap="flat" cmpd="sng" algn="ctr">
+              <a:solidFill>
+                <a:schemeClr val="accent2"/>
+              </a:solidFill>
+              <a:prstDash val="solid"/>
+              <a:round/>
+              <a:headEnd type="none" w="sm" len="sm"/>
+              <a:tailEnd type="none" w="sm" len="sm"/>
+            </a:ln>
+            <a:effectLst/>
+            <a:extLst>
+              <a:ext uri="{AF507438-7753-43E0-B8FC-AC1667EBCBE1}">
+                <a14:hiddenEffects xmlns:a14="http://schemas.microsoft.com/office/drawing/2010/main">
+                  <a:effectLst>
+                    <a:outerShdw dist="35921" dir="2700000" algn="ctr" rotWithShape="0">
+                      <a:schemeClr val="bg2"/>
+                    </a:outerShdw>
+                  </a:effectLst>
+                </a14:hiddenEffects>
+              </a:ext>
+            </a:extLst>
+          </p:spPr>
+          <p:txBody>
+            <a:bodyPr vert="horz" wrap="none" lIns="91440" tIns="45720" rIns="91440" bIns="45720" numCol="1" rtlCol="0" anchor="ctr" anchorCtr="0" compatLnSpc="1">
+              <a:prstTxWarp prst="textNoShape">
+                <a:avLst/>
+              </a:prstTxWarp>
+            </a:bodyPr>
+            <a:lstStyle/>
+            <a:p>
+              <a:pPr marL="0" marR="0" indent="0" algn="ctr" defTabSz="914400" rtl="0" eaLnBrk="1" fontAlgn="base" latinLnBrk="1" hangingPunct="1">
+                <a:lnSpc>
+                  <a:spcPct val="100000"/>
+                </a:lnSpc>
+                <a:spcBef>
+                  <a:spcPct val="0"/>
+                </a:spcBef>
+                <a:spcAft>
+                  <a:spcPct val="0"/>
+                </a:spcAft>
+                <a:buClrTx/>
+                <a:buSzTx/>
+                <a:buFontTx/>
+                <a:buNone/>
+                <a:tabLst/>
+              </a:pPr>
+              <a:r>
+                <a:rPr lang="en-US" altLang="ko-KR" sz="1000" dirty="0"/>
+                <a:t>USART </a:t>
+              </a:r>
+              <a:r>
+                <a:rPr lang="en-US" altLang="ko-KR" sz="1000" dirty="0" err="1"/>
+                <a:t>Tx</a:t>
+              </a:r>
+              <a:r>
+                <a:rPr lang="en-US" altLang="ko-KR" sz="1000" dirty="0"/>
+                <a:t> </a:t>
+              </a:r>
+              <a:r>
+                <a:rPr lang="en-US" altLang="ko-KR" sz="1000" dirty="0" smtClean="0"/>
+                <a:t>Task(10ms</a:t>
+              </a:r>
+              <a:r>
+                <a:rPr lang="en-US" altLang="ko-KR" sz="1000" dirty="0"/>
+                <a:t>)</a:t>
+              </a:r>
+              <a:endParaRPr kumimoji="1" lang="ko-KR" altLang="en-US" sz="1000" b="0" i="0" u="none" strike="noStrike" cap="none" normalizeH="0" baseline="0" dirty="0">
+                <a:ln>
+                  <a:noFill/>
+                </a:ln>
+                <a:solidFill>
+                  <a:schemeClr val="tx1"/>
+                </a:solidFill>
+                <a:effectLst/>
+              </a:endParaRPr>
+            </a:p>
+          </p:txBody>
+        </p:sp>
+        <p:cxnSp>
+          <p:nvCxnSpPr>
+            <p:cNvPr id="12" name="직선 화살표 연결선 11">
+              <a:extLst>
+                <a:ext uri="{FF2B5EF4-FFF2-40B4-BE49-F238E27FC236}">
+                  <a16:creationId xmlns:a16="http://schemas.microsoft.com/office/drawing/2014/main" id="{52C837EB-027A-4D13-97C1-99259B4FF0EC}"/>
+                </a:ext>
+              </a:extLst>
+            </p:cNvPr>
+            <p:cNvCxnSpPr>
+              <a:stCxn id="10" idx="2"/>
+              <a:endCxn id="8" idx="0"/>
+            </p:cNvCxnSpPr>
+            <p:nvPr/>
+          </p:nvCxnSpPr>
+          <p:spPr bwMode="auto">
+            <a:xfrm>
+              <a:off x="2015158" y="2136744"/>
+              <a:ext cx="5113028" cy="348759"/>
+            </a:xfrm>
+            <a:prstGeom prst="straightConnector1">
+              <a:avLst/>
+            </a:prstGeom>
+            <a:solidFill>
+              <a:schemeClr val="accent1"/>
+            </a:solidFill>
+            <a:ln w="3175" cap="flat" cmpd="sng" algn="ctr">
+              <a:solidFill>
+                <a:schemeClr val="accent2"/>
+              </a:solidFill>
+              <a:prstDash val="sysDot"/>
+              <a:round/>
+              <a:headEnd type="none" w="sm" len="sm"/>
+              <a:tailEnd type="triangle"/>
+            </a:ln>
+            <a:effectLst/>
+            <a:extLst>
+              <a:ext uri="{AF507438-7753-43E0-B8FC-AC1667EBCBE1}">
+                <a14:hiddenEffects xmlns:a14="http://schemas.microsoft.com/office/drawing/2010/main">
+                  <a:effectLst>
+                    <a:outerShdw dist="35921" dir="2700000" algn="ctr" rotWithShape="0">
+                      <a:schemeClr val="bg2"/>
+                    </a:outerShdw>
+                  </a:effectLst>
+                </a14:hiddenEffects>
+              </a:ext>
+            </a:extLst>
+          </p:spPr>
+        </p:cxnSp>
+        <p:cxnSp>
+          <p:nvCxnSpPr>
+            <p:cNvPr id="13" name="직선 화살표 연결선 12">
+              <a:extLst>
+                <a:ext uri="{FF2B5EF4-FFF2-40B4-BE49-F238E27FC236}">
+                  <a16:creationId xmlns:a16="http://schemas.microsoft.com/office/drawing/2014/main" id="{C1AB1EA3-D72D-43BD-9CC9-21A3B52CC8BF}"/>
+                </a:ext>
+              </a:extLst>
+            </p:cNvPr>
+            <p:cNvCxnSpPr>
+              <a:stCxn id="5" idx="2"/>
+              <a:endCxn id="11" idx="0"/>
+            </p:cNvCxnSpPr>
+            <p:nvPr/>
+          </p:nvCxnSpPr>
+          <p:spPr bwMode="auto">
+            <a:xfrm flipH="1">
+              <a:off x="1824643" y="2942704"/>
+              <a:ext cx="70659" cy="348760"/>
+            </a:xfrm>
+            <a:prstGeom prst="straightConnector1">
+              <a:avLst/>
+            </a:prstGeom>
+            <a:solidFill>
+              <a:schemeClr val="accent1"/>
+            </a:solidFill>
+            <a:ln w="3175" cap="flat" cmpd="sng" algn="ctr">
+              <a:solidFill>
+                <a:schemeClr val="accent2"/>
+              </a:solidFill>
+              <a:prstDash val="solid"/>
+              <a:round/>
+              <a:headEnd type="none" w="sm" len="sm"/>
+              <a:tailEnd type="triangle"/>
+            </a:ln>
+            <a:effectLst/>
+            <a:extLst>
+              <a:ext uri="{AF507438-7753-43E0-B8FC-AC1667EBCBE1}">
+                <a14:hiddenEffects xmlns:a14="http://schemas.microsoft.com/office/drawing/2010/main">
+                  <a:effectLst>
+                    <a:outerShdw dist="35921" dir="2700000" algn="ctr" rotWithShape="0">
+                      <a:schemeClr val="bg2"/>
+                    </a:outerShdw>
+                  </a:effectLst>
+                </a14:hiddenEffects>
+              </a:ext>
+            </a:extLst>
+          </p:spPr>
+        </p:cxnSp>
+        <p:sp>
+          <p:nvSpPr>
+            <p:cNvPr id="14" name="직사각형 13">
+              <a:extLst>
+                <a:ext uri="{FF2B5EF4-FFF2-40B4-BE49-F238E27FC236}">
+                  <a16:creationId xmlns:a16="http://schemas.microsoft.com/office/drawing/2014/main" id="{C69447B1-BBE2-4A7C-BCB7-C34085556B7A}"/>
+                </a:ext>
+              </a:extLst>
+            </p:cNvPr>
+            <p:cNvSpPr/>
+            <p:nvPr/>
+          </p:nvSpPr>
+          <p:spPr bwMode="auto">
+            <a:xfrm>
+              <a:off x="3431801" y="3291464"/>
+              <a:ext cx="2611552" cy="457200"/>
+            </a:xfrm>
+            <a:prstGeom prst="rect">
+              <a:avLst/>
+            </a:prstGeom>
+            <a:solidFill>
+              <a:schemeClr val="accent1"/>
+            </a:solidFill>
+            <a:ln w="3175" cap="flat" cmpd="sng" algn="ctr">
+              <a:solidFill>
+                <a:schemeClr val="accent2"/>
+              </a:solidFill>
+              <a:prstDash val="solid"/>
+              <a:round/>
+              <a:headEnd type="none" w="sm" len="sm"/>
+              <a:tailEnd type="none" w="sm" len="sm"/>
+            </a:ln>
+            <a:effectLst/>
+            <a:extLst>
+              <a:ext uri="{AF507438-7753-43E0-B8FC-AC1667EBCBE1}">
+                <a14:hiddenEffects xmlns:a14="http://schemas.microsoft.com/office/drawing/2010/main">
+                  <a:effectLst>
+                    <a:outerShdw dist="35921" dir="2700000" algn="ctr" rotWithShape="0">
+                      <a:schemeClr val="bg2"/>
+                    </a:outerShdw>
+                  </a:effectLst>
+                </a14:hiddenEffects>
+              </a:ext>
+            </a:extLst>
+          </p:spPr>
+          <p:txBody>
+            <a:bodyPr vert="horz" wrap="none" lIns="91440" tIns="45720" rIns="91440" bIns="45720" numCol="1" rtlCol="0" anchor="ctr" anchorCtr="0" compatLnSpc="1">
+              <a:prstTxWarp prst="textNoShape">
+                <a:avLst/>
+              </a:prstTxWarp>
+            </a:bodyPr>
+            <a:lstStyle/>
+            <a:p>
+              <a:pPr marL="0" marR="0" indent="0" algn="ctr" defTabSz="914400" rtl="0" eaLnBrk="1" fontAlgn="base" latinLnBrk="1" hangingPunct="1">
+                <a:lnSpc>
+                  <a:spcPct val="100000"/>
+                </a:lnSpc>
+                <a:spcBef>
+                  <a:spcPct val="0"/>
+                </a:spcBef>
+                <a:spcAft>
+                  <a:spcPct val="0"/>
+                </a:spcAft>
+                <a:buClrTx/>
+                <a:buSzTx/>
+                <a:buFontTx/>
+                <a:buNone/>
+                <a:tabLst/>
+              </a:pPr>
+              <a:r>
+                <a:rPr lang="en-US" altLang="ko-KR" sz="1000" dirty="0"/>
+                <a:t>Space Packet </a:t>
+              </a:r>
+              <a:r>
+                <a:rPr kumimoji="1" lang="en-US" altLang="ko-KR" sz="1000" b="0" i="0" u="none" strike="noStrike" cap="none" normalizeH="0" baseline="0" dirty="0">
+                  <a:ln>
+                    <a:noFill/>
+                  </a:ln>
+                  <a:solidFill>
+                    <a:schemeClr val="tx1"/>
+                  </a:solidFill>
+                  <a:effectLst/>
+                  <a:latin typeface="Times New Roman" panose="02020603050405020304" pitchFamily="18" charset="0"/>
+                  <a:ea typeface="굴림" panose="020B0600000101010101" pitchFamily="50" charset="-127"/>
+                </a:rPr>
+                <a:t>SEND</a:t>
+              </a:r>
+              <a:endParaRPr kumimoji="1" lang="ko-KR" altLang="en-US" sz="1000" b="0" i="0" u="none" strike="noStrike" cap="none" normalizeH="0" baseline="0" dirty="0">
+                <a:ln>
+                  <a:noFill/>
+                </a:ln>
+                <a:solidFill>
+                  <a:schemeClr val="tx1"/>
+                </a:solidFill>
+                <a:effectLst/>
+                <a:latin typeface="Times New Roman" panose="02020603050405020304" pitchFamily="18" charset="0"/>
+                <a:ea typeface="굴림" panose="020B0600000101010101" pitchFamily="50" charset="-127"/>
+              </a:endParaRPr>
+            </a:p>
+          </p:txBody>
+        </p:sp>
+        <p:cxnSp>
+          <p:nvCxnSpPr>
+            <p:cNvPr id="15" name="직선 화살표 연결선 14">
+              <a:extLst>
+                <a:ext uri="{FF2B5EF4-FFF2-40B4-BE49-F238E27FC236}">
+                  <a16:creationId xmlns:a16="http://schemas.microsoft.com/office/drawing/2014/main" id="{EB0A3E57-3F5D-4422-ACB7-831B7F12D954}"/>
+                </a:ext>
+              </a:extLst>
+            </p:cNvPr>
+            <p:cNvCxnSpPr>
+              <a:stCxn id="11" idx="3"/>
+              <a:endCxn id="14" idx="1"/>
+            </p:cNvCxnSpPr>
+            <p:nvPr/>
+          </p:nvCxnSpPr>
+          <p:spPr bwMode="auto">
+            <a:xfrm>
+              <a:off x="3050771" y="3520064"/>
+              <a:ext cx="381030" cy="0"/>
+            </a:xfrm>
+            <a:prstGeom prst="straightConnector1">
+              <a:avLst/>
+            </a:prstGeom>
+            <a:solidFill>
+              <a:schemeClr val="accent1"/>
+            </a:solidFill>
+            <a:ln w="3175" cap="flat" cmpd="sng" algn="ctr">
+              <a:solidFill>
+                <a:schemeClr val="accent2"/>
+              </a:solidFill>
+              <a:prstDash val="solid"/>
+              <a:round/>
+              <a:headEnd type="none" w="sm" len="sm"/>
+              <a:tailEnd type="triangle"/>
+            </a:ln>
+            <a:effectLst/>
+            <a:extLst>
+              <a:ext uri="{AF507438-7753-43E0-B8FC-AC1667EBCBE1}">
+                <a14:hiddenEffects xmlns:a14="http://schemas.microsoft.com/office/drawing/2010/main">
+                  <a:effectLst>
+                    <a:outerShdw dist="35921" dir="2700000" algn="ctr" rotWithShape="0">
+                      <a:schemeClr val="bg2"/>
+                    </a:outerShdw>
+                  </a:effectLst>
+                </a14:hiddenEffects>
+              </a:ext>
+            </a:extLst>
+          </p:spPr>
+        </p:cxnSp>
+        <p:sp>
+          <p:nvSpPr>
+            <p:cNvPr id="16" name="직사각형 15">
+              <a:extLst>
+                <a:ext uri="{FF2B5EF4-FFF2-40B4-BE49-F238E27FC236}">
+                  <a16:creationId xmlns:a16="http://schemas.microsoft.com/office/drawing/2014/main" id="{D10897E6-71FB-4DCF-BD92-CE01154600E8}"/>
+                </a:ext>
+              </a:extLst>
+            </p:cNvPr>
+            <p:cNvSpPr/>
+            <p:nvPr/>
+          </p:nvSpPr>
+          <p:spPr bwMode="auto">
+            <a:xfrm>
+              <a:off x="1219200" y="5108463"/>
+              <a:ext cx="1296786" cy="457200"/>
+            </a:xfrm>
+            <a:prstGeom prst="rect">
+              <a:avLst/>
+            </a:prstGeom>
+            <a:solidFill>
+              <a:schemeClr val="accent1"/>
+            </a:solidFill>
+            <a:ln w="3175" cap="flat" cmpd="sng" algn="ctr">
+              <a:solidFill>
+                <a:schemeClr val="accent2"/>
+              </a:solidFill>
+              <a:prstDash val="solid"/>
+              <a:round/>
+              <a:headEnd type="none" w="sm" len="sm"/>
+              <a:tailEnd type="none" w="sm" len="sm"/>
+            </a:ln>
+            <a:effectLst/>
+            <a:extLst>
+              <a:ext uri="{AF507438-7753-43E0-B8FC-AC1667EBCBE1}">
+                <a14:hiddenEffects xmlns:a14="http://schemas.microsoft.com/office/drawing/2010/main">
+                  <a:effectLst>
+                    <a:outerShdw dist="35921" dir="2700000" algn="ctr" rotWithShape="0">
+                      <a:schemeClr val="bg2"/>
+                    </a:outerShdw>
+                  </a:effectLst>
+                </a14:hiddenEffects>
+              </a:ext>
+            </a:extLst>
+          </p:spPr>
+          <p:txBody>
+            <a:bodyPr vert="horz" wrap="none" lIns="91440" tIns="45720" rIns="91440" bIns="45720" numCol="1" rtlCol="0" anchor="ctr" anchorCtr="0" compatLnSpc="1">
+              <a:prstTxWarp prst="textNoShape">
+                <a:avLst/>
+              </a:prstTxWarp>
+            </a:bodyPr>
+            <a:lstStyle/>
+            <a:p>
+              <a:pPr marL="0" marR="0" indent="0" algn="ctr" defTabSz="914400" rtl="0" eaLnBrk="1" fontAlgn="base" latinLnBrk="1" hangingPunct="1">
+                <a:lnSpc>
+                  <a:spcPct val="100000"/>
+                </a:lnSpc>
+                <a:spcBef>
+                  <a:spcPct val="0"/>
+                </a:spcBef>
+                <a:spcAft>
+                  <a:spcPct val="0"/>
+                </a:spcAft>
+                <a:buClrTx/>
+                <a:buSzTx/>
+                <a:buFontTx/>
+                <a:buNone/>
+                <a:tabLst/>
+              </a:pPr>
+              <a:r>
+                <a:rPr kumimoji="1" lang="en-US" altLang="ko-KR" sz="1000" b="0" i="0" u="none" strike="noStrike" cap="none" normalizeH="0" baseline="0" dirty="0">
+                  <a:ln>
+                    <a:noFill/>
+                  </a:ln>
+                  <a:solidFill>
+                    <a:schemeClr val="tx1"/>
+                  </a:solidFill>
+                  <a:effectLst/>
+                  <a:latin typeface="Times New Roman" panose="02020603050405020304" pitchFamily="18" charset="0"/>
+                  <a:ea typeface="굴림" panose="020B0600000101010101" pitchFamily="50" charset="-127"/>
+                </a:rPr>
+                <a:t>MQ1</a:t>
+              </a:r>
+              <a:endParaRPr kumimoji="1" lang="ko-KR" altLang="en-US" sz="1000" b="0" i="0" u="none" strike="noStrike" cap="none" normalizeH="0" baseline="0" dirty="0">
+                <a:ln>
+                  <a:noFill/>
+                </a:ln>
+                <a:solidFill>
+                  <a:schemeClr val="tx1"/>
+                </a:solidFill>
+                <a:effectLst/>
+                <a:latin typeface="Times New Roman" panose="02020603050405020304" pitchFamily="18" charset="0"/>
+                <a:ea typeface="굴림" panose="020B0600000101010101" pitchFamily="50" charset="-127"/>
+              </a:endParaRPr>
+            </a:p>
+          </p:txBody>
+        </p:sp>
+        <p:sp>
+          <p:nvSpPr>
+            <p:cNvPr id="17" name="직사각형 16">
+              <a:extLst>
+                <a:ext uri="{FF2B5EF4-FFF2-40B4-BE49-F238E27FC236}">
+                  <a16:creationId xmlns:a16="http://schemas.microsoft.com/office/drawing/2014/main" id="{1BE1D97F-11E6-43F3-A84D-80D08D1ACB5E}"/>
+                </a:ext>
+              </a:extLst>
+            </p:cNvPr>
+            <p:cNvSpPr/>
+            <p:nvPr/>
+          </p:nvSpPr>
+          <p:spPr bwMode="auto">
+            <a:xfrm>
+              <a:off x="2515986" y="5108463"/>
+              <a:ext cx="1296786" cy="457200"/>
+            </a:xfrm>
+            <a:prstGeom prst="rect">
+              <a:avLst/>
+            </a:prstGeom>
+            <a:solidFill>
+              <a:schemeClr val="accent1"/>
+            </a:solidFill>
+            <a:ln w="3175" cap="flat" cmpd="sng" algn="ctr">
+              <a:solidFill>
+                <a:schemeClr val="accent2"/>
+              </a:solidFill>
+              <a:prstDash val="solid"/>
+              <a:round/>
+              <a:headEnd type="none" w="sm" len="sm"/>
+              <a:tailEnd type="none" w="sm" len="sm"/>
+            </a:ln>
+            <a:effectLst/>
+            <a:extLst>
+              <a:ext uri="{AF507438-7753-43E0-B8FC-AC1667EBCBE1}">
+                <a14:hiddenEffects xmlns:a14="http://schemas.microsoft.com/office/drawing/2010/main">
+                  <a:effectLst>
+                    <a:outerShdw dist="35921" dir="2700000" algn="ctr" rotWithShape="0">
+                      <a:schemeClr val="bg2"/>
+                    </a:outerShdw>
+                  </a:effectLst>
+                </a14:hiddenEffects>
+              </a:ext>
+            </a:extLst>
+          </p:spPr>
+          <p:txBody>
+            <a:bodyPr vert="horz" wrap="none" lIns="91440" tIns="45720" rIns="91440" bIns="45720" numCol="1" rtlCol="0" anchor="ctr" anchorCtr="0" compatLnSpc="1">
+              <a:prstTxWarp prst="textNoShape">
+                <a:avLst/>
+              </a:prstTxWarp>
+            </a:bodyPr>
+            <a:lstStyle/>
+            <a:p>
+              <a:pPr marL="0" marR="0" indent="0" algn="ctr" defTabSz="914400" rtl="0" eaLnBrk="1" fontAlgn="base" latinLnBrk="1" hangingPunct="1">
+                <a:lnSpc>
+                  <a:spcPct val="100000"/>
+                </a:lnSpc>
+                <a:spcBef>
+                  <a:spcPct val="0"/>
+                </a:spcBef>
+                <a:spcAft>
+                  <a:spcPct val="0"/>
+                </a:spcAft>
+                <a:buClrTx/>
+                <a:buSzTx/>
+                <a:buFontTx/>
+                <a:buNone/>
+                <a:tabLst/>
+              </a:pPr>
+              <a:r>
+                <a:rPr kumimoji="1" lang="en-US" altLang="ko-KR" sz="1000" b="0" i="0" u="none" strike="noStrike" cap="none" normalizeH="0" baseline="0" dirty="0">
+                  <a:ln>
+                    <a:noFill/>
+                  </a:ln>
+                  <a:solidFill>
+                    <a:schemeClr val="tx1"/>
+                  </a:solidFill>
+                  <a:effectLst/>
+                  <a:latin typeface="Times New Roman" panose="02020603050405020304" pitchFamily="18" charset="0"/>
+                  <a:ea typeface="굴림" panose="020B0600000101010101" pitchFamily="50" charset="-127"/>
+                </a:rPr>
+                <a:t>MQ2</a:t>
+              </a:r>
+              <a:endParaRPr kumimoji="1" lang="ko-KR" altLang="en-US" sz="1000" b="0" i="0" u="none" strike="noStrike" cap="none" normalizeH="0" baseline="0" dirty="0">
+                <a:ln>
+                  <a:noFill/>
+                </a:ln>
+                <a:solidFill>
+                  <a:schemeClr val="tx1"/>
+                </a:solidFill>
+                <a:effectLst/>
+                <a:latin typeface="Times New Roman" panose="02020603050405020304" pitchFamily="18" charset="0"/>
+                <a:ea typeface="굴림" panose="020B0600000101010101" pitchFamily="50" charset="-127"/>
+              </a:endParaRPr>
+            </a:p>
+          </p:txBody>
+        </p:sp>
+        <p:sp>
+          <p:nvSpPr>
+            <p:cNvPr id="18" name="직사각형 17">
+              <a:extLst>
+                <a:ext uri="{FF2B5EF4-FFF2-40B4-BE49-F238E27FC236}">
+                  <a16:creationId xmlns:a16="http://schemas.microsoft.com/office/drawing/2014/main" id="{0E248BF0-D88F-4B08-B4CB-4489999B009C}"/>
+                </a:ext>
+              </a:extLst>
+            </p:cNvPr>
+            <p:cNvSpPr/>
+            <p:nvPr/>
+          </p:nvSpPr>
+          <p:spPr bwMode="auto">
+            <a:xfrm>
+              <a:off x="3843265" y="5108463"/>
+              <a:ext cx="1296786" cy="457200"/>
+            </a:xfrm>
+            <a:prstGeom prst="rect">
+              <a:avLst/>
+            </a:prstGeom>
+            <a:solidFill>
+              <a:schemeClr val="accent1"/>
+            </a:solidFill>
+            <a:ln w="3175" cap="flat" cmpd="sng" algn="ctr">
+              <a:solidFill>
+                <a:schemeClr val="accent2"/>
+              </a:solidFill>
+              <a:prstDash val="solid"/>
+              <a:round/>
+              <a:headEnd type="none" w="sm" len="sm"/>
+              <a:tailEnd type="none" w="sm" len="sm"/>
+            </a:ln>
+            <a:effectLst/>
+            <a:extLst>
+              <a:ext uri="{AF507438-7753-43E0-B8FC-AC1667EBCBE1}">
+                <a14:hiddenEffects xmlns:a14="http://schemas.microsoft.com/office/drawing/2010/main">
+                  <a:effectLst>
+                    <a:outerShdw dist="35921" dir="2700000" algn="ctr" rotWithShape="0">
+                      <a:schemeClr val="bg2"/>
+                    </a:outerShdw>
+                  </a:effectLst>
+                </a14:hiddenEffects>
+              </a:ext>
+            </a:extLst>
+          </p:spPr>
+          <p:txBody>
+            <a:bodyPr vert="horz" wrap="none" lIns="91440" tIns="45720" rIns="91440" bIns="45720" numCol="1" rtlCol="0" anchor="ctr" anchorCtr="0" compatLnSpc="1">
+              <a:prstTxWarp prst="textNoShape">
+                <a:avLst/>
+              </a:prstTxWarp>
+            </a:bodyPr>
+            <a:lstStyle/>
+            <a:p>
+              <a:pPr marL="0" marR="0" indent="0" algn="ctr" defTabSz="914400" rtl="0" eaLnBrk="1" fontAlgn="base" latinLnBrk="1" hangingPunct="1">
+                <a:lnSpc>
+                  <a:spcPct val="100000"/>
+                </a:lnSpc>
+                <a:spcBef>
+                  <a:spcPct val="0"/>
+                </a:spcBef>
+                <a:spcAft>
+                  <a:spcPct val="0"/>
+                </a:spcAft>
+                <a:buClrTx/>
+                <a:buSzTx/>
+                <a:buFontTx/>
+                <a:buNone/>
+                <a:tabLst/>
+              </a:pPr>
+              <a:r>
+                <a:rPr kumimoji="1" lang="en-US" altLang="ko-KR" sz="1000" b="0" i="0" u="none" strike="noStrike" cap="none" normalizeH="0" baseline="0" dirty="0">
+                  <a:ln>
+                    <a:noFill/>
+                  </a:ln>
+                  <a:solidFill>
+                    <a:schemeClr val="tx1"/>
+                  </a:solidFill>
+                  <a:effectLst/>
+                  <a:latin typeface="Times New Roman" panose="02020603050405020304" pitchFamily="18" charset="0"/>
+                  <a:ea typeface="굴림" panose="020B0600000101010101" pitchFamily="50" charset="-127"/>
+                </a:rPr>
+                <a:t>MQ3</a:t>
+              </a:r>
+              <a:endParaRPr kumimoji="1" lang="ko-KR" altLang="en-US" sz="1000" b="0" i="0" u="none" strike="noStrike" cap="none" normalizeH="0" baseline="0" dirty="0">
+                <a:ln>
+                  <a:noFill/>
+                </a:ln>
+                <a:solidFill>
+                  <a:schemeClr val="tx1"/>
+                </a:solidFill>
+                <a:effectLst/>
+                <a:latin typeface="Times New Roman" panose="02020603050405020304" pitchFamily="18" charset="0"/>
+                <a:ea typeface="굴림" panose="020B0600000101010101" pitchFamily="50" charset="-127"/>
+              </a:endParaRPr>
+            </a:p>
+          </p:txBody>
+        </p:sp>
+        <p:sp>
+          <p:nvSpPr>
+            <p:cNvPr id="19" name="직사각형 18">
+              <a:extLst>
+                <a:ext uri="{FF2B5EF4-FFF2-40B4-BE49-F238E27FC236}">
+                  <a16:creationId xmlns:a16="http://schemas.microsoft.com/office/drawing/2014/main" id="{5D338B2E-F190-4F34-98D4-22251DC34397}"/>
+                </a:ext>
+              </a:extLst>
+            </p:cNvPr>
+            <p:cNvSpPr/>
+            <p:nvPr/>
+          </p:nvSpPr>
+          <p:spPr bwMode="auto">
+            <a:xfrm>
+              <a:off x="6452084" y="5108462"/>
+              <a:ext cx="1296786" cy="457200"/>
+            </a:xfrm>
+            <a:prstGeom prst="rect">
+              <a:avLst/>
+            </a:prstGeom>
+            <a:solidFill>
+              <a:schemeClr val="accent1"/>
+            </a:solidFill>
+            <a:ln w="3175" cap="flat" cmpd="sng" algn="ctr">
+              <a:solidFill>
+                <a:schemeClr val="accent2"/>
+              </a:solidFill>
+              <a:prstDash val="solid"/>
+              <a:round/>
+              <a:headEnd type="none" w="sm" len="sm"/>
+              <a:tailEnd type="none" w="sm" len="sm"/>
+            </a:ln>
+            <a:effectLst/>
+            <a:extLst>
+              <a:ext uri="{AF507438-7753-43E0-B8FC-AC1667EBCBE1}">
+                <a14:hiddenEffects xmlns:a14="http://schemas.microsoft.com/office/drawing/2010/main">
+                  <a:effectLst>
+                    <a:outerShdw dist="35921" dir="2700000" algn="ctr" rotWithShape="0">
+                      <a:schemeClr val="bg2"/>
+                    </a:outerShdw>
+                  </a:effectLst>
+                </a14:hiddenEffects>
+              </a:ext>
+            </a:extLst>
+          </p:spPr>
+          <p:txBody>
+            <a:bodyPr vert="horz" wrap="none" lIns="91440" tIns="45720" rIns="91440" bIns="45720" numCol="1" rtlCol="0" anchor="ctr" anchorCtr="0" compatLnSpc="1">
+              <a:prstTxWarp prst="textNoShape">
+                <a:avLst/>
+              </a:prstTxWarp>
+            </a:bodyPr>
+            <a:lstStyle/>
+            <a:p>
+              <a:pPr marL="0" marR="0" indent="0" algn="ctr" defTabSz="914400" rtl="0" eaLnBrk="1" fontAlgn="base" latinLnBrk="1" hangingPunct="1">
+                <a:lnSpc>
+                  <a:spcPct val="100000"/>
+                </a:lnSpc>
+                <a:spcBef>
+                  <a:spcPct val="0"/>
+                </a:spcBef>
+                <a:spcAft>
+                  <a:spcPct val="0"/>
+                </a:spcAft>
+                <a:buClrTx/>
+                <a:buSzTx/>
+                <a:buFontTx/>
+                <a:buNone/>
+                <a:tabLst/>
+              </a:pPr>
+              <a:r>
+                <a:rPr kumimoji="1" lang="en-US" altLang="ko-KR" sz="1000" b="0" i="0" u="none" strike="noStrike" cap="none" normalizeH="0" baseline="0" dirty="0" err="1">
+                  <a:ln>
+                    <a:noFill/>
+                  </a:ln>
+                  <a:solidFill>
+                    <a:schemeClr val="tx1"/>
+                  </a:solidFill>
+                  <a:effectLst/>
+                  <a:latin typeface="Times New Roman" panose="02020603050405020304" pitchFamily="18" charset="0"/>
+                  <a:ea typeface="굴림" panose="020B0600000101010101" pitchFamily="50" charset="-127"/>
+                </a:rPr>
+                <a:t>MQn</a:t>
+              </a:r>
+              <a:endParaRPr kumimoji="1" lang="ko-KR" altLang="en-US" sz="1000" b="0" i="0" u="none" strike="noStrike" cap="none" normalizeH="0" baseline="0" dirty="0">
+                <a:ln>
+                  <a:noFill/>
+                </a:ln>
+                <a:solidFill>
+                  <a:schemeClr val="tx1"/>
+                </a:solidFill>
+                <a:effectLst/>
+                <a:latin typeface="Times New Roman" panose="02020603050405020304" pitchFamily="18" charset="0"/>
+                <a:ea typeface="굴림" panose="020B0600000101010101" pitchFamily="50" charset="-127"/>
+              </a:endParaRPr>
+            </a:p>
+          </p:txBody>
+        </p:sp>
+        <p:sp>
+          <p:nvSpPr>
+            <p:cNvPr id="20" name="직사각형 19">
+              <a:extLst>
+                <a:ext uri="{FF2B5EF4-FFF2-40B4-BE49-F238E27FC236}">
+                  <a16:creationId xmlns:a16="http://schemas.microsoft.com/office/drawing/2014/main" id="{F7F159D3-8834-4A67-985B-7A5F1FD7832E}"/>
+                </a:ext>
+              </a:extLst>
+            </p:cNvPr>
+            <p:cNvSpPr/>
+            <p:nvPr/>
+          </p:nvSpPr>
+          <p:spPr bwMode="auto">
+            <a:xfrm>
+              <a:off x="5170544" y="5108462"/>
+              <a:ext cx="1296786" cy="457200"/>
+            </a:xfrm>
+            <a:prstGeom prst="rect">
+              <a:avLst/>
+            </a:prstGeom>
+            <a:solidFill>
+              <a:schemeClr val="accent1"/>
+            </a:solidFill>
+            <a:ln w="3175" cap="flat" cmpd="sng" algn="ctr">
+              <a:solidFill>
+                <a:schemeClr val="accent2"/>
+              </a:solidFill>
+              <a:prstDash val="solid"/>
+              <a:round/>
+              <a:headEnd type="none" w="sm" len="sm"/>
+              <a:tailEnd type="none" w="sm" len="sm"/>
+            </a:ln>
+            <a:effectLst/>
+            <a:extLst>
+              <a:ext uri="{AF507438-7753-43E0-B8FC-AC1667EBCBE1}">
+                <a14:hiddenEffects xmlns:a14="http://schemas.microsoft.com/office/drawing/2010/main">
+                  <a:effectLst>
+                    <a:outerShdw dist="35921" dir="2700000" algn="ctr" rotWithShape="0">
+                      <a:schemeClr val="bg2"/>
+                    </a:outerShdw>
+                  </a:effectLst>
+                </a14:hiddenEffects>
+              </a:ext>
+            </a:extLst>
+          </p:spPr>
+          <p:txBody>
+            <a:bodyPr vert="horz" wrap="none" lIns="91440" tIns="45720" rIns="91440" bIns="45720" numCol="1" rtlCol="0" anchor="ctr" anchorCtr="0" compatLnSpc="1">
+              <a:prstTxWarp prst="textNoShape">
+                <a:avLst/>
+              </a:prstTxWarp>
+            </a:bodyPr>
+            <a:lstStyle/>
+            <a:p>
+              <a:pPr marL="0" marR="0" indent="0" algn="ctr" defTabSz="914400" rtl="0" eaLnBrk="1" fontAlgn="base" latinLnBrk="1" hangingPunct="1">
+                <a:lnSpc>
+                  <a:spcPct val="100000"/>
+                </a:lnSpc>
+                <a:spcBef>
+                  <a:spcPct val="0"/>
+                </a:spcBef>
+                <a:spcAft>
+                  <a:spcPct val="0"/>
+                </a:spcAft>
+                <a:buClrTx/>
+                <a:buSzTx/>
+                <a:buFontTx/>
+                <a:buNone/>
+                <a:tabLst/>
+              </a:pPr>
+              <a:r>
+                <a:rPr kumimoji="1" lang="en-US" altLang="ko-KR" sz="1000" b="0" i="0" u="none" strike="noStrike" cap="none" normalizeH="0" baseline="0" dirty="0">
+                  <a:ln>
+                    <a:noFill/>
+                  </a:ln>
+                  <a:solidFill>
+                    <a:schemeClr val="tx1"/>
+                  </a:solidFill>
+                  <a:effectLst/>
+                  <a:latin typeface="Times New Roman" panose="02020603050405020304" pitchFamily="18" charset="0"/>
+                  <a:ea typeface="굴림" panose="020B0600000101010101" pitchFamily="50" charset="-127"/>
+                </a:rPr>
+                <a:t>…</a:t>
+              </a:r>
+              <a:endParaRPr kumimoji="1" lang="ko-KR" altLang="en-US" sz="1000" b="0" i="0" u="none" strike="noStrike" cap="none" normalizeH="0" baseline="0" dirty="0">
+                <a:ln>
+                  <a:noFill/>
+                </a:ln>
+                <a:solidFill>
+                  <a:schemeClr val="tx1"/>
+                </a:solidFill>
+                <a:effectLst/>
+                <a:latin typeface="Times New Roman" panose="02020603050405020304" pitchFamily="18" charset="0"/>
+                <a:ea typeface="굴림" panose="020B0600000101010101" pitchFamily="50" charset="-127"/>
+              </a:endParaRPr>
+            </a:p>
+          </p:txBody>
+        </p:sp>
+        <p:sp>
+          <p:nvSpPr>
+            <p:cNvPr id="21" name="직사각형 20">
+              <a:extLst>
+                <a:ext uri="{FF2B5EF4-FFF2-40B4-BE49-F238E27FC236}">
+                  <a16:creationId xmlns:a16="http://schemas.microsoft.com/office/drawing/2014/main" id="{2919D1D3-469D-46E9-92B4-E850B94F94D3}"/>
+                </a:ext>
+              </a:extLst>
+            </p:cNvPr>
+            <p:cNvSpPr/>
+            <p:nvPr/>
+          </p:nvSpPr>
+          <p:spPr bwMode="auto">
+            <a:xfrm>
+              <a:off x="598513" y="5929374"/>
+              <a:ext cx="2452257" cy="457200"/>
+            </a:xfrm>
+            <a:prstGeom prst="rect">
+              <a:avLst/>
+            </a:prstGeom>
+            <a:solidFill>
+              <a:schemeClr val="accent1"/>
+            </a:solidFill>
+            <a:ln w="3175" cap="flat" cmpd="sng" algn="ctr">
+              <a:solidFill>
+                <a:schemeClr val="accent2"/>
+              </a:solidFill>
+              <a:prstDash val="solid"/>
+              <a:round/>
+              <a:headEnd type="none" w="sm" len="sm"/>
+              <a:tailEnd type="none" w="sm" len="sm"/>
+            </a:ln>
+            <a:effectLst/>
+            <a:extLst>
+              <a:ext uri="{AF507438-7753-43E0-B8FC-AC1667EBCBE1}">
+                <a14:hiddenEffects xmlns:a14="http://schemas.microsoft.com/office/drawing/2010/main">
+                  <a:effectLst>
+                    <a:outerShdw dist="35921" dir="2700000" algn="ctr" rotWithShape="0">
+                      <a:schemeClr val="bg2"/>
+                    </a:outerShdw>
+                  </a:effectLst>
+                </a14:hiddenEffects>
+              </a:ext>
+            </a:extLst>
+          </p:spPr>
+          <p:txBody>
+            <a:bodyPr vert="horz" wrap="none" lIns="91440" tIns="45720" rIns="91440" bIns="45720" numCol="1" rtlCol="0" anchor="ctr" anchorCtr="0" compatLnSpc="1">
+              <a:prstTxWarp prst="textNoShape">
+                <a:avLst/>
+              </a:prstTxWarp>
+            </a:bodyPr>
+            <a:lstStyle/>
+            <a:p>
+              <a:pPr marL="0" marR="0" indent="0" algn="ctr" defTabSz="914400" rtl="0" eaLnBrk="1" fontAlgn="base" latinLnBrk="1" hangingPunct="1">
+                <a:lnSpc>
+                  <a:spcPct val="100000"/>
+                </a:lnSpc>
+                <a:spcBef>
+                  <a:spcPct val="0"/>
+                </a:spcBef>
+                <a:spcAft>
+                  <a:spcPct val="0"/>
+                </a:spcAft>
+                <a:buClrTx/>
+                <a:buSzTx/>
+                <a:buFontTx/>
+                <a:buNone/>
+                <a:tabLst/>
+              </a:pPr>
+              <a:r>
+                <a:rPr lang="en-US" altLang="ko-KR" sz="1000" dirty="0"/>
+                <a:t>UART Rx Task (100ms)</a:t>
+              </a:r>
+              <a:endParaRPr kumimoji="1" lang="ko-KR" altLang="en-US" sz="1000" b="0" i="0" u="none" strike="noStrike" cap="none" normalizeH="0" baseline="0" dirty="0">
+                <a:ln>
+                  <a:noFill/>
+                </a:ln>
+                <a:solidFill>
+                  <a:schemeClr val="tx1"/>
+                </a:solidFill>
+                <a:effectLst/>
+              </a:endParaRPr>
+            </a:p>
+          </p:txBody>
+        </p:sp>
+        <p:cxnSp>
+          <p:nvCxnSpPr>
+            <p:cNvPr id="22" name="직선 화살표 연결선 21">
+              <a:extLst>
+                <a:ext uri="{FF2B5EF4-FFF2-40B4-BE49-F238E27FC236}">
+                  <a16:creationId xmlns:a16="http://schemas.microsoft.com/office/drawing/2014/main" id="{6A791427-8135-4112-938A-EFC30964753C}"/>
+                </a:ext>
+              </a:extLst>
+            </p:cNvPr>
+            <p:cNvCxnSpPr>
+              <a:stCxn id="21" idx="0"/>
+              <a:endCxn id="19" idx="2"/>
+            </p:cNvCxnSpPr>
+            <p:nvPr/>
+          </p:nvCxnSpPr>
+          <p:spPr bwMode="auto">
+            <a:xfrm flipV="1">
+              <a:off x="1824642" y="5565662"/>
+              <a:ext cx="5275835" cy="363712"/>
+            </a:xfrm>
+            <a:prstGeom prst="straightConnector1">
+              <a:avLst/>
+            </a:prstGeom>
+            <a:solidFill>
+              <a:schemeClr val="accent1"/>
+            </a:solidFill>
+            <a:ln w="3175" cap="flat" cmpd="sng" algn="ctr">
+              <a:solidFill>
+                <a:schemeClr val="accent2"/>
+              </a:solidFill>
+              <a:prstDash val="sysDot"/>
+              <a:round/>
+              <a:headEnd type="none" w="sm" len="sm"/>
+              <a:tailEnd type="triangle"/>
+            </a:ln>
+            <a:effectLst/>
+            <a:extLst>
+              <a:ext uri="{AF507438-7753-43E0-B8FC-AC1667EBCBE1}">
+                <a14:hiddenEffects xmlns:a14="http://schemas.microsoft.com/office/drawing/2010/main">
+                  <a:effectLst>
+                    <a:outerShdw dist="35921" dir="2700000" algn="ctr" rotWithShape="0">
+                      <a:schemeClr val="bg2"/>
+                    </a:outerShdw>
+                  </a:effectLst>
+                </a14:hiddenEffects>
+              </a:ext>
+            </a:extLst>
+          </p:spPr>
+        </p:cxnSp>
+        <p:sp>
+          <p:nvSpPr>
+            <p:cNvPr id="23" name="직사각형 22">
+              <a:extLst>
+                <a:ext uri="{FF2B5EF4-FFF2-40B4-BE49-F238E27FC236}">
+                  <a16:creationId xmlns:a16="http://schemas.microsoft.com/office/drawing/2014/main" id="{99CFDC70-3DB3-45C7-B07A-00BB124C9E85}"/>
+                </a:ext>
+              </a:extLst>
+            </p:cNvPr>
+            <p:cNvSpPr/>
+            <p:nvPr/>
+          </p:nvSpPr>
+          <p:spPr bwMode="auto">
+            <a:xfrm>
+              <a:off x="598512" y="4304175"/>
+              <a:ext cx="2833289" cy="457200"/>
+            </a:xfrm>
+            <a:prstGeom prst="rect">
+              <a:avLst/>
+            </a:prstGeom>
+            <a:solidFill>
+              <a:schemeClr val="accent1"/>
+            </a:solidFill>
+            <a:ln w="3175" cap="flat" cmpd="sng" algn="ctr">
+              <a:solidFill>
+                <a:schemeClr val="accent2"/>
+              </a:solidFill>
+              <a:prstDash val="solid"/>
+              <a:round/>
+              <a:headEnd type="none" w="sm" len="sm"/>
+              <a:tailEnd type="none" w="sm" len="sm"/>
+            </a:ln>
+            <a:effectLst/>
+            <a:extLst>
+              <a:ext uri="{AF507438-7753-43E0-B8FC-AC1667EBCBE1}">
+                <a14:hiddenEffects xmlns:a14="http://schemas.microsoft.com/office/drawing/2010/main">
+                  <a:effectLst>
+                    <a:outerShdw dist="35921" dir="2700000" algn="ctr" rotWithShape="0">
+                      <a:schemeClr val="bg2"/>
+                    </a:outerShdw>
+                  </a:effectLst>
+                </a14:hiddenEffects>
+              </a:ext>
+            </a:extLst>
+          </p:spPr>
+          <p:txBody>
+            <a:bodyPr vert="horz" wrap="none" lIns="91440" tIns="45720" rIns="91440" bIns="45720" numCol="1" rtlCol="0" anchor="ctr" anchorCtr="0" compatLnSpc="1">
+              <a:prstTxWarp prst="textNoShape">
+                <a:avLst/>
+              </a:prstTxWarp>
+            </a:bodyPr>
+            <a:lstStyle/>
+            <a:p>
+              <a:pPr marL="0" marR="0" indent="0" algn="ctr" defTabSz="914400" rtl="0" eaLnBrk="1" fontAlgn="base" latinLnBrk="1" hangingPunct="1">
+                <a:lnSpc>
+                  <a:spcPct val="100000"/>
+                </a:lnSpc>
+                <a:spcBef>
+                  <a:spcPct val="0"/>
+                </a:spcBef>
+                <a:spcAft>
+                  <a:spcPct val="0"/>
+                </a:spcAft>
+                <a:buClrTx/>
+                <a:buSzTx/>
+                <a:buFontTx/>
+                <a:buNone/>
+                <a:tabLst/>
+              </a:pPr>
+              <a:r>
+                <a:rPr lang="en-US" altLang="ko-KR" sz="1000" dirty="0"/>
+                <a:t>Telemetry Task (</a:t>
+              </a:r>
+              <a:r>
+                <a:rPr lang="en-US" altLang="ko-KR" sz="1000" dirty="0" smtClean="0"/>
+                <a:t>10ms</a:t>
+              </a:r>
+              <a:r>
+                <a:rPr lang="en-US" altLang="ko-KR" sz="1000" dirty="0"/>
+                <a:t>)</a:t>
+              </a:r>
+              <a:endParaRPr kumimoji="1" lang="ko-KR" altLang="en-US" sz="1000" b="0" i="0" u="none" strike="noStrike" cap="none" normalizeH="0" baseline="0" dirty="0">
+                <a:ln>
+                  <a:noFill/>
+                </a:ln>
+                <a:solidFill>
+                  <a:schemeClr val="tx1"/>
+                </a:solidFill>
+                <a:effectLst/>
+              </a:endParaRPr>
+            </a:p>
+          </p:txBody>
+        </p:sp>
+        <p:cxnSp>
+          <p:nvCxnSpPr>
+            <p:cNvPr id="24" name="직선 화살표 연결선 23">
+              <a:extLst>
+                <a:ext uri="{FF2B5EF4-FFF2-40B4-BE49-F238E27FC236}">
+                  <a16:creationId xmlns:a16="http://schemas.microsoft.com/office/drawing/2014/main" id="{E62FD850-F5F1-40EC-A673-17DD9F681B01}"/>
+                </a:ext>
+              </a:extLst>
+            </p:cNvPr>
+            <p:cNvCxnSpPr>
+              <a:stCxn id="16" idx="0"/>
+              <a:endCxn id="23" idx="2"/>
+            </p:cNvCxnSpPr>
+            <p:nvPr/>
+          </p:nvCxnSpPr>
+          <p:spPr bwMode="auto">
+            <a:xfrm flipV="1">
+              <a:off x="1867593" y="4761375"/>
+              <a:ext cx="147564" cy="347088"/>
+            </a:xfrm>
+            <a:prstGeom prst="straightConnector1">
+              <a:avLst/>
+            </a:prstGeom>
+            <a:solidFill>
+              <a:schemeClr val="accent1"/>
+            </a:solidFill>
+            <a:ln w="3175" cap="flat" cmpd="sng" algn="ctr">
+              <a:solidFill>
+                <a:schemeClr val="accent2"/>
+              </a:solidFill>
+              <a:prstDash val="solid"/>
+              <a:round/>
+              <a:headEnd type="none" w="sm" len="sm"/>
+              <a:tailEnd type="triangle"/>
+            </a:ln>
+            <a:effectLst/>
+            <a:extLst>
+              <a:ext uri="{AF507438-7753-43E0-B8FC-AC1667EBCBE1}">
+                <a14:hiddenEffects xmlns:a14="http://schemas.microsoft.com/office/drawing/2010/main">
+                  <a:effectLst>
+                    <a:outerShdw dist="35921" dir="2700000" algn="ctr" rotWithShape="0">
+                      <a:schemeClr val="bg2"/>
+                    </a:outerShdw>
+                  </a:effectLst>
+                </a14:hiddenEffects>
+              </a:ext>
+            </a:extLst>
+          </p:spPr>
+        </p:cxnSp>
+        <p:sp>
+          <p:nvSpPr>
+            <p:cNvPr id="25" name="직사각형 24">
+              <a:extLst>
+                <a:ext uri="{FF2B5EF4-FFF2-40B4-BE49-F238E27FC236}">
+                  <a16:creationId xmlns:a16="http://schemas.microsoft.com/office/drawing/2014/main" id="{2B3FE43A-A7FD-4E9D-8ADA-849AE484EC5A}"/>
+                </a:ext>
+              </a:extLst>
+            </p:cNvPr>
+            <p:cNvSpPr/>
+            <p:nvPr/>
+          </p:nvSpPr>
+          <p:spPr bwMode="auto">
+            <a:xfrm>
+              <a:off x="3329245" y="5929374"/>
+              <a:ext cx="2452257" cy="457200"/>
+            </a:xfrm>
+            <a:prstGeom prst="rect">
+              <a:avLst/>
+            </a:prstGeom>
+            <a:solidFill>
+              <a:schemeClr val="accent1"/>
+            </a:solidFill>
+            <a:ln w="3175" cap="flat" cmpd="sng" algn="ctr">
+              <a:solidFill>
+                <a:schemeClr val="accent2"/>
+              </a:solidFill>
+              <a:prstDash val="solid"/>
+              <a:round/>
+              <a:headEnd type="none" w="sm" len="sm"/>
+              <a:tailEnd type="none" w="sm" len="sm"/>
+            </a:ln>
+            <a:effectLst/>
+            <a:extLst>
+              <a:ext uri="{AF507438-7753-43E0-B8FC-AC1667EBCBE1}">
+                <a14:hiddenEffects xmlns:a14="http://schemas.microsoft.com/office/drawing/2010/main">
+                  <a:effectLst>
+                    <a:outerShdw dist="35921" dir="2700000" algn="ctr" rotWithShape="0">
+                      <a:schemeClr val="bg2"/>
+                    </a:outerShdw>
+                  </a:effectLst>
+                </a14:hiddenEffects>
+              </a:ext>
+            </a:extLst>
+          </p:spPr>
+          <p:txBody>
+            <a:bodyPr vert="horz" wrap="none" lIns="91440" tIns="45720" rIns="91440" bIns="45720" numCol="1" rtlCol="0" anchor="ctr" anchorCtr="0" compatLnSpc="1">
+              <a:prstTxWarp prst="textNoShape">
+                <a:avLst/>
+              </a:prstTxWarp>
+            </a:bodyPr>
+            <a:lstStyle/>
+            <a:p>
+              <a:pPr marL="0" marR="0" indent="0" algn="ctr" defTabSz="914400" rtl="0" eaLnBrk="1" fontAlgn="base" latinLnBrk="1" hangingPunct="1">
+                <a:lnSpc>
+                  <a:spcPct val="100000"/>
+                </a:lnSpc>
+                <a:spcBef>
+                  <a:spcPct val="0"/>
+                </a:spcBef>
+                <a:spcAft>
+                  <a:spcPct val="0"/>
+                </a:spcAft>
+                <a:buClrTx/>
+                <a:buSzTx/>
+                <a:buFontTx/>
+                <a:buNone/>
+                <a:tabLst/>
+              </a:pPr>
+              <a:r>
+                <a:rPr lang="en-US" altLang="ko-KR" sz="1000" dirty="0"/>
+                <a:t>UART Rx Buffer</a:t>
+              </a:r>
+              <a:endParaRPr kumimoji="1" lang="ko-KR" altLang="en-US" sz="1000" b="0" i="0" u="none" strike="noStrike" cap="none" normalizeH="0" baseline="0" dirty="0">
+                <a:ln>
+                  <a:noFill/>
+                </a:ln>
+                <a:solidFill>
+                  <a:schemeClr val="tx1"/>
+                </a:solidFill>
+                <a:effectLst/>
+                <a:latin typeface="Times New Roman" panose="02020603050405020304" pitchFamily="18" charset="0"/>
+                <a:ea typeface="굴림" panose="020B0600000101010101" pitchFamily="50" charset="-127"/>
+              </a:endParaRPr>
+            </a:p>
+          </p:txBody>
+        </p:sp>
+        <p:sp>
+          <p:nvSpPr>
+            <p:cNvPr id="26" name="직사각형 25">
+              <a:extLst>
+                <a:ext uri="{FF2B5EF4-FFF2-40B4-BE49-F238E27FC236}">
+                  <a16:creationId xmlns:a16="http://schemas.microsoft.com/office/drawing/2014/main" id="{34BE378E-8BCA-45AA-8306-BAB4FF5635AC}"/>
+                </a:ext>
+              </a:extLst>
+            </p:cNvPr>
+            <p:cNvSpPr/>
+            <p:nvPr/>
+          </p:nvSpPr>
+          <p:spPr bwMode="auto">
+            <a:xfrm>
+              <a:off x="6032988" y="5923456"/>
+              <a:ext cx="2452257" cy="457200"/>
+            </a:xfrm>
+            <a:prstGeom prst="rect">
+              <a:avLst/>
+            </a:prstGeom>
+            <a:solidFill>
+              <a:schemeClr val="accent1"/>
+            </a:solidFill>
+            <a:ln w="3175" cap="flat" cmpd="sng" algn="ctr">
+              <a:solidFill>
+                <a:schemeClr val="accent2"/>
+              </a:solidFill>
+              <a:prstDash val="solid"/>
+              <a:round/>
+              <a:headEnd type="none" w="sm" len="sm"/>
+              <a:tailEnd type="none" w="sm" len="sm"/>
+            </a:ln>
+            <a:effectLst/>
+            <a:extLst>
+              <a:ext uri="{AF507438-7753-43E0-B8FC-AC1667EBCBE1}">
+                <a14:hiddenEffects xmlns:a14="http://schemas.microsoft.com/office/drawing/2010/main">
+                  <a:effectLst>
+                    <a:outerShdw dist="35921" dir="2700000" algn="ctr" rotWithShape="0">
+                      <a:schemeClr val="bg2"/>
+                    </a:outerShdw>
+                  </a:effectLst>
+                </a14:hiddenEffects>
+              </a:ext>
+            </a:extLst>
+          </p:spPr>
+          <p:txBody>
+            <a:bodyPr vert="horz" wrap="none" lIns="91440" tIns="45720" rIns="91440" bIns="45720" numCol="1" rtlCol="0" anchor="ctr" anchorCtr="0" compatLnSpc="1">
+              <a:prstTxWarp prst="textNoShape">
+                <a:avLst/>
+              </a:prstTxWarp>
+            </a:bodyPr>
+            <a:lstStyle/>
+            <a:p>
+              <a:pPr marL="0" marR="0" indent="0" algn="ctr" defTabSz="914400" rtl="0" eaLnBrk="1" fontAlgn="base" latinLnBrk="1" hangingPunct="1">
+                <a:lnSpc>
+                  <a:spcPct val="100000"/>
+                </a:lnSpc>
+                <a:spcBef>
+                  <a:spcPct val="0"/>
+                </a:spcBef>
+                <a:spcAft>
+                  <a:spcPct val="0"/>
+                </a:spcAft>
+                <a:buClrTx/>
+                <a:buSzTx/>
+                <a:buFontTx/>
+                <a:buNone/>
+                <a:tabLst/>
+              </a:pPr>
+              <a:r>
+                <a:rPr lang="en-US" altLang="ko-KR" sz="1000" dirty="0"/>
+                <a:t>UART Rx IRQ</a:t>
+              </a:r>
+              <a:endParaRPr kumimoji="1" lang="ko-KR" altLang="en-US" sz="1000" b="0" i="0" u="none" strike="noStrike" cap="none" normalizeH="0" baseline="0" dirty="0">
+                <a:ln>
+                  <a:noFill/>
+                </a:ln>
+                <a:solidFill>
+                  <a:schemeClr val="tx1"/>
+                </a:solidFill>
+                <a:effectLst/>
+                <a:latin typeface="Times New Roman" panose="02020603050405020304" pitchFamily="18" charset="0"/>
+                <a:ea typeface="굴림" panose="020B0600000101010101" pitchFamily="50" charset="-127"/>
+              </a:endParaRPr>
+            </a:p>
+          </p:txBody>
+        </p:sp>
+        <p:cxnSp>
+          <p:nvCxnSpPr>
+            <p:cNvPr id="27" name="직선 화살표 연결선 26">
+              <a:extLst>
+                <a:ext uri="{FF2B5EF4-FFF2-40B4-BE49-F238E27FC236}">
+                  <a16:creationId xmlns:a16="http://schemas.microsoft.com/office/drawing/2014/main" id="{701F9937-8E60-4B55-958C-1362D38EB205}"/>
+                </a:ext>
+              </a:extLst>
+            </p:cNvPr>
+            <p:cNvCxnSpPr>
+              <a:stCxn id="30" idx="1"/>
+              <a:endCxn id="10" idx="3"/>
+            </p:cNvCxnSpPr>
+            <p:nvPr/>
+          </p:nvCxnSpPr>
+          <p:spPr bwMode="auto">
+            <a:xfrm flipH="1" flipV="1">
+              <a:off x="3431801" y="1908144"/>
+              <a:ext cx="697572" cy="5322"/>
+            </a:xfrm>
+            <a:prstGeom prst="straightConnector1">
+              <a:avLst/>
+            </a:prstGeom>
+            <a:solidFill>
+              <a:schemeClr val="accent1"/>
+            </a:solidFill>
+            <a:ln w="3175" cap="flat" cmpd="sng" algn="ctr">
+              <a:solidFill>
+                <a:schemeClr val="accent2"/>
+              </a:solidFill>
+              <a:prstDash val="solid"/>
+              <a:round/>
+              <a:headEnd type="none" w="sm" len="sm"/>
+              <a:tailEnd type="triangle"/>
+            </a:ln>
+            <a:effectLst/>
+            <a:extLst>
+              <a:ext uri="{AF507438-7753-43E0-B8FC-AC1667EBCBE1}">
+                <a14:hiddenEffects xmlns:a14="http://schemas.microsoft.com/office/drawing/2010/main">
+                  <a:effectLst>
+                    <a:outerShdw dist="35921" dir="2700000" algn="ctr" rotWithShape="0">
+                      <a:schemeClr val="bg2"/>
+                    </a:outerShdw>
+                  </a:effectLst>
+                </a14:hiddenEffects>
+              </a:ext>
+            </a:extLst>
+          </p:spPr>
+        </p:cxnSp>
+        <p:cxnSp>
+          <p:nvCxnSpPr>
+            <p:cNvPr id="28" name="직선 화살표 연결선 27">
+              <a:extLst>
+                <a:ext uri="{FF2B5EF4-FFF2-40B4-BE49-F238E27FC236}">
+                  <a16:creationId xmlns:a16="http://schemas.microsoft.com/office/drawing/2014/main" id="{802A6754-EE8D-4EC9-A0BA-09A25F32EDC5}"/>
+                </a:ext>
+              </a:extLst>
+            </p:cNvPr>
+            <p:cNvCxnSpPr>
+              <a:stCxn id="26" idx="1"/>
+              <a:endCxn id="25" idx="3"/>
+            </p:cNvCxnSpPr>
+            <p:nvPr/>
+          </p:nvCxnSpPr>
+          <p:spPr bwMode="auto">
+            <a:xfrm flipH="1">
+              <a:off x="5781502" y="6152056"/>
+              <a:ext cx="251486" cy="5918"/>
+            </a:xfrm>
+            <a:prstGeom prst="straightConnector1">
+              <a:avLst/>
+            </a:prstGeom>
+            <a:solidFill>
+              <a:schemeClr val="accent1"/>
+            </a:solidFill>
+            <a:ln w="3175" cap="flat" cmpd="sng" algn="ctr">
+              <a:solidFill>
+                <a:schemeClr val="accent2"/>
+              </a:solidFill>
+              <a:prstDash val="solid"/>
+              <a:round/>
+              <a:headEnd type="none" w="sm" len="sm"/>
+              <a:tailEnd type="triangle"/>
+            </a:ln>
+            <a:effectLst/>
+            <a:extLst>
+              <a:ext uri="{AF507438-7753-43E0-B8FC-AC1667EBCBE1}">
+                <a14:hiddenEffects xmlns:a14="http://schemas.microsoft.com/office/drawing/2010/main">
+                  <a:effectLst>
+                    <a:outerShdw dist="35921" dir="2700000" algn="ctr" rotWithShape="0">
+                      <a:schemeClr val="bg2"/>
+                    </a:outerShdw>
+                  </a:effectLst>
+                </a14:hiddenEffects>
+              </a:ext>
+            </a:extLst>
+          </p:spPr>
+        </p:cxnSp>
+        <p:sp>
+          <p:nvSpPr>
+            <p:cNvPr id="29" name="직사각형 28">
+              <a:extLst>
+                <a:ext uri="{FF2B5EF4-FFF2-40B4-BE49-F238E27FC236}">
+                  <a16:creationId xmlns:a16="http://schemas.microsoft.com/office/drawing/2014/main" id="{340DC0FC-5C70-47CF-90AA-64D3C42EC72A}"/>
+                </a:ext>
+              </a:extLst>
+            </p:cNvPr>
+            <p:cNvSpPr/>
+            <p:nvPr/>
+          </p:nvSpPr>
+          <p:spPr bwMode="auto">
+            <a:xfrm>
+              <a:off x="5490576" y="4520687"/>
+              <a:ext cx="2452257" cy="457200"/>
+            </a:xfrm>
+            <a:prstGeom prst="rect">
+              <a:avLst/>
+            </a:prstGeom>
+            <a:solidFill>
+              <a:srgbClr val="FFFF00"/>
+            </a:solidFill>
+            <a:ln w="3175" cap="flat" cmpd="sng" algn="ctr">
+              <a:solidFill>
+                <a:schemeClr val="accent2"/>
+              </a:solidFill>
+              <a:prstDash val="solid"/>
+              <a:round/>
+              <a:headEnd type="none" w="sm" len="sm"/>
+              <a:tailEnd type="none" w="sm" len="sm"/>
+            </a:ln>
+            <a:effectLst/>
+          </p:spPr>
+          <p:txBody>
+            <a:bodyPr vert="horz" wrap="none" lIns="91440" tIns="45720" rIns="91440" bIns="45720" numCol="1" rtlCol="0" anchor="ctr" anchorCtr="0" compatLnSpc="1">
+              <a:prstTxWarp prst="textNoShape">
+                <a:avLst/>
+              </a:prstTxWarp>
+            </a:bodyPr>
+            <a:lstStyle/>
+            <a:p>
+              <a:pPr marL="0" marR="0" indent="0" algn="ctr" defTabSz="914400" rtl="0" eaLnBrk="1" fontAlgn="base" latinLnBrk="1" hangingPunct="1">
+                <a:lnSpc>
+                  <a:spcPct val="100000"/>
+                </a:lnSpc>
+                <a:spcBef>
+                  <a:spcPct val="0"/>
+                </a:spcBef>
+                <a:spcAft>
+                  <a:spcPct val="0"/>
+                </a:spcAft>
+                <a:buClrTx/>
+                <a:buSzTx/>
+                <a:buFontTx/>
+                <a:buNone/>
+                <a:tabLst/>
+              </a:pPr>
+              <a:r>
+                <a:rPr lang="en-US" altLang="ko-KR" sz="1000" dirty="0"/>
+                <a:t>ION UDP Rx</a:t>
+              </a:r>
+              <a:endParaRPr kumimoji="1" lang="ko-KR" altLang="en-US" sz="1000" b="0" i="0" u="none" strike="noStrike" cap="none" normalizeH="0" baseline="0" dirty="0">
+                <a:ln>
+                  <a:noFill/>
+                </a:ln>
+                <a:solidFill>
+                  <a:schemeClr val="tx1"/>
+                </a:solidFill>
+                <a:effectLst/>
+                <a:latin typeface="Times New Roman" panose="02020603050405020304" pitchFamily="18" charset="0"/>
+                <a:ea typeface="굴림" panose="020B0600000101010101" pitchFamily="50" charset="-127"/>
+              </a:endParaRPr>
+            </a:p>
+          </p:txBody>
+        </p:sp>
+        <p:sp>
+          <p:nvSpPr>
+            <p:cNvPr id="30" name="직사각형 29">
+              <a:extLst>
+                <a:ext uri="{FF2B5EF4-FFF2-40B4-BE49-F238E27FC236}">
+                  <a16:creationId xmlns:a16="http://schemas.microsoft.com/office/drawing/2014/main" id="{78633EAF-AD30-492B-9D6C-6ED506F99EE8}"/>
+                </a:ext>
+              </a:extLst>
+            </p:cNvPr>
+            <p:cNvSpPr/>
+            <p:nvPr/>
+          </p:nvSpPr>
+          <p:spPr bwMode="auto">
+            <a:xfrm>
+              <a:off x="4129373" y="1684866"/>
+              <a:ext cx="2452257" cy="457200"/>
+            </a:xfrm>
+            <a:prstGeom prst="rect">
+              <a:avLst/>
+            </a:prstGeom>
+            <a:solidFill>
+              <a:srgbClr val="FFFF00"/>
+            </a:solidFill>
+            <a:ln w="3175" cap="flat" cmpd="sng" algn="ctr">
+              <a:solidFill>
+                <a:schemeClr val="accent2"/>
+              </a:solidFill>
+              <a:prstDash val="solid"/>
+              <a:round/>
+              <a:headEnd type="none" w="sm" len="sm"/>
+              <a:tailEnd type="none" w="sm" len="sm"/>
+            </a:ln>
+            <a:effectLst/>
+          </p:spPr>
+          <p:txBody>
+            <a:bodyPr vert="horz" wrap="none" lIns="91440" tIns="45720" rIns="91440" bIns="45720" numCol="1" rtlCol="0" anchor="ctr" anchorCtr="0" compatLnSpc="1">
+              <a:prstTxWarp prst="textNoShape">
+                <a:avLst/>
+              </a:prstTxWarp>
+            </a:bodyPr>
+            <a:lstStyle/>
+            <a:p>
+              <a:pPr marL="0" marR="0" indent="0" algn="ctr" defTabSz="914400" rtl="0" eaLnBrk="1" fontAlgn="base" latinLnBrk="1" hangingPunct="1">
+                <a:lnSpc>
+                  <a:spcPct val="100000"/>
+                </a:lnSpc>
+                <a:spcBef>
+                  <a:spcPct val="0"/>
+                </a:spcBef>
+                <a:spcAft>
+                  <a:spcPct val="0"/>
+                </a:spcAft>
+                <a:buClrTx/>
+                <a:buSzTx/>
+                <a:buFontTx/>
+                <a:buNone/>
+                <a:tabLst/>
+              </a:pPr>
+              <a:r>
+                <a:rPr lang="en-US" altLang="ko-KR" sz="1000" dirty="0"/>
+                <a:t>ION UDP </a:t>
+              </a:r>
+              <a:r>
+                <a:rPr lang="en-US" altLang="ko-KR" sz="1000" dirty="0" err="1"/>
+                <a:t>Tx</a:t>
+              </a:r>
+              <a:endParaRPr kumimoji="1" lang="ko-KR" altLang="en-US" sz="1000" b="0" i="0" u="none" strike="noStrike" cap="none" normalizeH="0" baseline="0" dirty="0">
+                <a:ln>
+                  <a:noFill/>
+                </a:ln>
+                <a:solidFill>
+                  <a:schemeClr val="tx1"/>
+                </a:solidFill>
+                <a:effectLst/>
+                <a:latin typeface="Times New Roman" panose="02020603050405020304" pitchFamily="18" charset="0"/>
+                <a:ea typeface="굴림" panose="020B0600000101010101" pitchFamily="50" charset="-127"/>
+              </a:endParaRPr>
+            </a:p>
+          </p:txBody>
+        </p:sp>
+        <p:cxnSp>
+          <p:nvCxnSpPr>
+            <p:cNvPr id="31" name="직선 화살표 연결선 30">
+              <a:extLst>
+                <a:ext uri="{FF2B5EF4-FFF2-40B4-BE49-F238E27FC236}">
+                  <a16:creationId xmlns:a16="http://schemas.microsoft.com/office/drawing/2014/main" id="{C5003A7F-04EF-4C53-8543-C42AABE112A5}"/>
+                </a:ext>
+              </a:extLst>
+            </p:cNvPr>
+            <p:cNvCxnSpPr>
+              <a:endCxn id="29" idx="1"/>
+            </p:cNvCxnSpPr>
+            <p:nvPr/>
+          </p:nvCxnSpPr>
+          <p:spPr bwMode="auto">
+            <a:xfrm>
+              <a:off x="3476989" y="4631750"/>
+              <a:ext cx="2013587" cy="117537"/>
+            </a:xfrm>
+            <a:prstGeom prst="straightConnector1">
+              <a:avLst/>
+            </a:prstGeom>
+            <a:solidFill>
+              <a:schemeClr val="accent1"/>
+            </a:solidFill>
+            <a:ln w="3175" cap="flat" cmpd="sng" algn="ctr">
+              <a:solidFill>
+                <a:schemeClr val="accent2"/>
+              </a:solidFill>
+              <a:prstDash val="solid"/>
+              <a:round/>
+              <a:headEnd type="none" w="sm" len="sm"/>
+              <a:tailEnd type="triangle"/>
+            </a:ln>
+            <a:effectLst/>
+            <a:extLst>
+              <a:ext uri="{AF507438-7753-43E0-B8FC-AC1667EBCBE1}">
+                <a14:hiddenEffects xmlns:a14="http://schemas.microsoft.com/office/drawing/2010/main">
+                  <a:effectLst>
+                    <a:outerShdw dist="35921" dir="2700000" algn="ctr" rotWithShape="0">
+                      <a:schemeClr val="bg2"/>
+                    </a:outerShdw>
+                  </a:effectLst>
+                </a14:hiddenEffects>
+              </a:ext>
+            </a:extLst>
+          </p:spPr>
+        </p:cxnSp>
+        <p:sp>
+          <p:nvSpPr>
+            <p:cNvPr id="32" name="직사각형 31">
+              <a:extLst>
+                <a:ext uri="{FF2B5EF4-FFF2-40B4-BE49-F238E27FC236}">
+                  <a16:creationId xmlns:a16="http://schemas.microsoft.com/office/drawing/2014/main" id="{84392B9F-9D90-436B-85FD-F4D41662AE47}"/>
+                </a:ext>
+              </a:extLst>
+            </p:cNvPr>
+            <p:cNvSpPr/>
+            <p:nvPr/>
+          </p:nvSpPr>
+          <p:spPr bwMode="auto">
+            <a:xfrm>
+              <a:off x="6906845" y="1679544"/>
+              <a:ext cx="2064733" cy="457199"/>
+            </a:xfrm>
+            <a:prstGeom prst="rect">
+              <a:avLst/>
+            </a:prstGeom>
+            <a:solidFill>
+              <a:schemeClr val="accent1"/>
+            </a:solidFill>
+            <a:ln w="3175" cap="flat" cmpd="sng" algn="ctr">
+              <a:solidFill>
+                <a:schemeClr val="accent2"/>
+              </a:solidFill>
+              <a:prstDash val="solid"/>
+              <a:round/>
+              <a:headEnd type="none" w="sm" len="sm"/>
+              <a:tailEnd type="none" w="sm" len="sm"/>
+            </a:ln>
+            <a:effectLst/>
+            <a:extLst>
+              <a:ext uri="{AF507438-7753-43E0-B8FC-AC1667EBCBE1}">
+                <a14:hiddenEffects xmlns:a14="http://schemas.microsoft.com/office/drawing/2010/main">
+                  <a:effectLst>
+                    <a:outerShdw dist="35921" dir="2700000" algn="ctr" rotWithShape="0">
+                      <a:schemeClr val="bg2"/>
+                    </a:outerShdw>
+                  </a:effectLst>
+                </a14:hiddenEffects>
+              </a:ext>
+            </a:extLst>
+          </p:spPr>
+          <p:txBody>
+            <a:bodyPr vert="horz" wrap="none" lIns="91440" tIns="45720" rIns="91440" bIns="45720" numCol="1" rtlCol="0" anchor="ctr" anchorCtr="0" compatLnSpc="1">
+              <a:prstTxWarp prst="textNoShape">
+                <a:avLst/>
+              </a:prstTxWarp>
+            </a:bodyPr>
+            <a:lstStyle/>
+            <a:p>
+              <a:pPr marL="0" marR="0" indent="0" algn="ctr" defTabSz="914400" rtl="0" eaLnBrk="1" fontAlgn="base" latinLnBrk="1" hangingPunct="1">
+                <a:lnSpc>
+                  <a:spcPct val="100000"/>
+                </a:lnSpc>
+                <a:spcBef>
+                  <a:spcPct val="0"/>
+                </a:spcBef>
+                <a:spcAft>
+                  <a:spcPct val="0"/>
+                </a:spcAft>
+                <a:buClrTx/>
+                <a:buSzTx/>
+                <a:buFontTx/>
+                <a:buNone/>
+                <a:tabLst/>
+              </a:pPr>
+              <a:r>
+                <a:rPr lang="en-US" altLang="ko-KR" sz="1000" dirty="0"/>
+                <a:t>Heartbeat Task (2s)</a:t>
+              </a:r>
+              <a:endParaRPr kumimoji="1" lang="ko-KR" altLang="en-US" sz="1000" b="0" i="0" u="none" strike="noStrike" cap="none" normalizeH="0" baseline="0" dirty="0">
+                <a:ln>
+                  <a:noFill/>
+                </a:ln>
+                <a:solidFill>
+                  <a:schemeClr val="tx1"/>
+                </a:solidFill>
+                <a:effectLst/>
+              </a:endParaRPr>
+            </a:p>
+          </p:txBody>
+        </p:sp>
+        <p:sp>
+          <p:nvSpPr>
+            <p:cNvPr id="33" name="직사각형 32">
+              <a:extLst>
+                <a:ext uri="{FF2B5EF4-FFF2-40B4-BE49-F238E27FC236}">
+                  <a16:creationId xmlns:a16="http://schemas.microsoft.com/office/drawing/2014/main" id="{8CF2869A-255B-4284-8C95-53ED2637732D}"/>
+                </a:ext>
+              </a:extLst>
+            </p:cNvPr>
+            <p:cNvSpPr/>
+            <p:nvPr/>
+          </p:nvSpPr>
+          <p:spPr bwMode="auto">
+            <a:xfrm>
+              <a:off x="6906845" y="3291465"/>
+              <a:ext cx="2064733" cy="457199"/>
+            </a:xfrm>
+            <a:prstGeom prst="rect">
+              <a:avLst/>
+            </a:prstGeom>
+            <a:solidFill>
+              <a:schemeClr val="accent1"/>
+            </a:solidFill>
+            <a:ln w="3175" cap="flat" cmpd="sng" algn="ctr">
+              <a:solidFill>
+                <a:schemeClr val="accent2"/>
+              </a:solidFill>
+              <a:prstDash val="solid"/>
+              <a:round/>
+              <a:headEnd type="none" w="sm" len="sm"/>
+              <a:tailEnd type="none" w="sm" len="sm"/>
+            </a:ln>
+            <a:effectLst/>
+            <a:extLst>
+              <a:ext uri="{AF507438-7753-43E0-B8FC-AC1667EBCBE1}">
+                <a14:hiddenEffects xmlns:a14="http://schemas.microsoft.com/office/drawing/2010/main">
+                  <a:effectLst>
+                    <a:outerShdw dist="35921" dir="2700000" algn="ctr" rotWithShape="0">
+                      <a:schemeClr val="bg2"/>
+                    </a:outerShdw>
+                  </a:effectLst>
+                </a14:hiddenEffects>
+              </a:ext>
+            </a:extLst>
+          </p:spPr>
+          <p:txBody>
+            <a:bodyPr vert="horz" wrap="none" lIns="91440" tIns="45720" rIns="91440" bIns="45720" numCol="1" rtlCol="0" anchor="ctr" anchorCtr="0" compatLnSpc="1">
+              <a:prstTxWarp prst="textNoShape">
+                <a:avLst/>
+              </a:prstTxWarp>
+            </a:bodyPr>
+            <a:lstStyle/>
+            <a:p>
+              <a:pPr marL="0" marR="0" indent="0" algn="ctr" defTabSz="914400" rtl="0" eaLnBrk="1" fontAlgn="base" latinLnBrk="1" hangingPunct="1">
+                <a:lnSpc>
+                  <a:spcPct val="100000"/>
+                </a:lnSpc>
+                <a:spcBef>
+                  <a:spcPct val="0"/>
+                </a:spcBef>
+                <a:spcAft>
+                  <a:spcPct val="0"/>
+                </a:spcAft>
+                <a:buClrTx/>
+                <a:buSzTx/>
+                <a:buFontTx/>
+                <a:buNone/>
+                <a:tabLst/>
+              </a:pPr>
+              <a:r>
+                <a:rPr lang="en-US" altLang="ko-KR" sz="1000" dirty="0" err="1"/>
+                <a:t>sbc_main</a:t>
+              </a:r>
+              <a:r>
+                <a:rPr lang="en-US" altLang="ko-KR" sz="1000" dirty="0"/>
+                <a:t> Task (1s)</a:t>
+              </a:r>
+              <a:endParaRPr kumimoji="1" lang="ko-KR" altLang="en-US" sz="1000" b="0" i="0" u="none" strike="noStrike" cap="none" normalizeH="0" baseline="0" dirty="0">
+                <a:ln>
+                  <a:noFill/>
+                </a:ln>
+                <a:solidFill>
+                  <a:schemeClr val="tx1"/>
+                </a:solidFill>
+                <a:effectLst/>
+              </a:endParaRPr>
+            </a:p>
+          </p:txBody>
+        </p:sp>
+        <p:sp>
+          <p:nvSpPr>
+            <p:cNvPr id="34" name="직사각형 33">
+              <a:extLst>
+                <a:ext uri="{FF2B5EF4-FFF2-40B4-BE49-F238E27FC236}">
+                  <a16:creationId xmlns:a16="http://schemas.microsoft.com/office/drawing/2014/main" id="{C2C1D7E1-31F8-403C-AF22-E56C62393FDE}"/>
+                </a:ext>
+              </a:extLst>
+            </p:cNvPr>
+            <p:cNvSpPr/>
+            <p:nvPr/>
+          </p:nvSpPr>
+          <p:spPr bwMode="auto">
+            <a:xfrm>
+              <a:off x="5490576" y="3945743"/>
+              <a:ext cx="2452257" cy="457200"/>
+            </a:xfrm>
+            <a:prstGeom prst="rect">
+              <a:avLst/>
+            </a:prstGeom>
+            <a:solidFill>
+              <a:srgbClr val="92D050"/>
+            </a:solidFill>
+            <a:ln w="3175" cap="flat" cmpd="sng" algn="ctr">
+              <a:solidFill>
+                <a:schemeClr val="accent2"/>
+              </a:solidFill>
+              <a:prstDash val="solid"/>
+              <a:round/>
+              <a:headEnd type="none" w="sm" len="sm"/>
+              <a:tailEnd type="none" w="sm" len="sm"/>
+            </a:ln>
+            <a:effectLst/>
+          </p:spPr>
+          <p:txBody>
+            <a:bodyPr vert="horz" wrap="none" lIns="91440" tIns="45720" rIns="91440" bIns="45720" numCol="1" rtlCol="0" anchor="ctr" anchorCtr="0" compatLnSpc="1">
+              <a:prstTxWarp prst="textNoShape">
+                <a:avLst/>
+              </a:prstTxWarp>
+            </a:bodyPr>
+            <a:lstStyle/>
+            <a:p>
+              <a:pPr marL="0" marR="0" indent="0" algn="ctr" defTabSz="914400" rtl="0" eaLnBrk="1" fontAlgn="base" latinLnBrk="1" hangingPunct="1">
+                <a:lnSpc>
+                  <a:spcPct val="100000"/>
+                </a:lnSpc>
+                <a:spcBef>
+                  <a:spcPct val="0"/>
+                </a:spcBef>
+                <a:spcAft>
+                  <a:spcPct val="0"/>
+                </a:spcAft>
+                <a:buClrTx/>
+                <a:buSzTx/>
+                <a:buFontTx/>
+                <a:buNone/>
+                <a:tabLst/>
+              </a:pPr>
+              <a:r>
+                <a:rPr lang="en-US" altLang="ko-KR" sz="1000" dirty="0"/>
+                <a:t>UART </a:t>
+              </a:r>
+              <a:r>
+                <a:rPr lang="en-US" altLang="ko-KR" sz="1000" dirty="0" err="1"/>
+                <a:t>Tx</a:t>
+              </a:r>
+              <a:endParaRPr kumimoji="1" lang="ko-KR" altLang="en-US" sz="1000" b="0" i="0" u="none" strike="noStrike" cap="none" normalizeH="0" baseline="0" dirty="0">
+                <a:ln>
+                  <a:noFill/>
+                </a:ln>
+                <a:solidFill>
+                  <a:schemeClr val="tx1"/>
+                </a:solidFill>
+                <a:effectLst/>
+                <a:latin typeface="Times New Roman" panose="02020603050405020304" pitchFamily="18" charset="0"/>
+                <a:ea typeface="굴림" panose="020B0600000101010101" pitchFamily="50" charset="-127"/>
+              </a:endParaRPr>
+            </a:p>
+          </p:txBody>
+        </p:sp>
+        <p:cxnSp>
+          <p:nvCxnSpPr>
+            <p:cNvPr id="35" name="직선 화살표 연결선 34">
+              <a:extLst>
+                <a:ext uri="{FF2B5EF4-FFF2-40B4-BE49-F238E27FC236}">
+                  <a16:creationId xmlns:a16="http://schemas.microsoft.com/office/drawing/2014/main" id="{4C0DA849-841B-4872-B2EA-4859E7704D40}"/>
+                </a:ext>
+              </a:extLst>
+            </p:cNvPr>
+            <p:cNvCxnSpPr/>
+            <p:nvPr/>
+          </p:nvCxnSpPr>
+          <p:spPr bwMode="auto">
+            <a:xfrm flipV="1">
+              <a:off x="3476989" y="4174343"/>
+              <a:ext cx="2013587" cy="270681"/>
+            </a:xfrm>
+            <a:prstGeom prst="straightConnector1">
+              <a:avLst/>
+            </a:prstGeom>
+            <a:solidFill>
+              <a:schemeClr val="accent1"/>
+            </a:solidFill>
+            <a:ln w="3175" cap="flat" cmpd="sng" algn="ctr">
+              <a:solidFill>
+                <a:schemeClr val="accent2"/>
+              </a:solidFill>
+              <a:prstDash val="solid"/>
+              <a:round/>
+              <a:headEnd type="none" w="sm" len="sm"/>
+              <a:tailEnd type="triangle"/>
+            </a:ln>
+            <a:effectLst/>
+            <a:extLst>
+              <a:ext uri="{AF507438-7753-43E0-B8FC-AC1667EBCBE1}">
+                <a14:hiddenEffects xmlns:a14="http://schemas.microsoft.com/office/drawing/2010/main">
+                  <a:effectLst>
+                    <a:outerShdw dist="35921" dir="2700000" algn="ctr" rotWithShape="0">
+                      <a:schemeClr val="bg2"/>
+                    </a:outerShdw>
+                  </a:effectLst>
+                </a14:hiddenEffects>
+              </a:ext>
+            </a:extLst>
+          </p:spPr>
+        </p:cxnSp>
+        <p:sp>
+          <p:nvSpPr>
+            <p:cNvPr id="36" name="TextBox 35">
+              <a:extLst>
+                <a:ext uri="{FF2B5EF4-FFF2-40B4-BE49-F238E27FC236}">
+                  <a16:creationId xmlns:a16="http://schemas.microsoft.com/office/drawing/2014/main" id="{356CB46C-D29C-4C3B-BAFB-B87135250027}"/>
+                </a:ext>
+              </a:extLst>
+            </p:cNvPr>
+            <p:cNvSpPr txBox="1"/>
+            <p:nvPr/>
+          </p:nvSpPr>
+          <p:spPr>
+            <a:xfrm>
+              <a:off x="3877452" y="4639106"/>
+              <a:ext cx="787970" cy="360144"/>
+            </a:xfrm>
+            <a:prstGeom prst="rect">
+              <a:avLst/>
+            </a:prstGeom>
+            <a:noFill/>
+            <a:ln w="3175">
+              <a:solidFill>
+                <a:schemeClr val="tx1"/>
+              </a:solidFill>
+            </a:ln>
+          </p:spPr>
+          <p:txBody>
+            <a:bodyPr wrap="square" rtlCol="0">
+              <a:spAutoFit/>
+            </a:bodyPr>
+            <a:lstStyle/>
+            <a:p>
+              <a:r>
+                <a:rPr lang="en-US" altLang="ko-KR" sz="1000" dirty="0"/>
+                <a:t>Script 2</a:t>
+              </a:r>
+              <a:endParaRPr lang="ko-KR" altLang="en-US" sz="1000" dirty="0"/>
+            </a:p>
+          </p:txBody>
+        </p:sp>
+        <p:sp>
+          <p:nvSpPr>
+            <p:cNvPr id="37" name="TextBox 36">
+              <a:extLst>
+                <a:ext uri="{FF2B5EF4-FFF2-40B4-BE49-F238E27FC236}">
+                  <a16:creationId xmlns:a16="http://schemas.microsoft.com/office/drawing/2014/main" id="{66618098-C346-43B3-9634-7FBCBBE0827E}"/>
+                </a:ext>
+              </a:extLst>
+            </p:cNvPr>
+            <p:cNvSpPr txBox="1"/>
+            <p:nvPr/>
+          </p:nvSpPr>
+          <p:spPr>
+            <a:xfrm>
+              <a:off x="3985517" y="4041354"/>
+              <a:ext cx="787970" cy="360144"/>
+            </a:xfrm>
+            <a:prstGeom prst="rect">
+              <a:avLst/>
+            </a:prstGeom>
+            <a:noFill/>
+            <a:ln w="3175">
+              <a:solidFill>
+                <a:schemeClr val="tx1"/>
+              </a:solidFill>
+            </a:ln>
+          </p:spPr>
+          <p:txBody>
+            <a:bodyPr wrap="square" rtlCol="0">
+              <a:spAutoFit/>
+            </a:bodyPr>
+            <a:lstStyle/>
+            <a:p>
+              <a:r>
+                <a:rPr lang="en-US" altLang="ko-KR" sz="1000" dirty="0"/>
+                <a:t>SOH</a:t>
+              </a:r>
+              <a:endParaRPr lang="ko-KR" altLang="en-US" sz="1000" dirty="0"/>
+            </a:p>
+          </p:txBody>
+        </p:sp>
+      </p:grpSp>
     </p:spTree>
     <p:extLst>
       <p:ext uri="{BB962C8B-B14F-4D97-AF65-F5344CB8AC3E}">
-        <p14:creationId xmlns:p14="http://schemas.microsoft.com/office/powerpoint/2010/main" val="1737183602"/>
+        <p14:creationId xmlns:p14="http://schemas.microsoft.com/office/powerpoint/2010/main" val="3366279636"/>
       </p:ext>
     </p:extLst>
   </p:cSld>
@@ -5823,8 +8511,12 @@
           <a:lstStyle/>
           <a:p>
             <a:r>
+              <a:rPr lang="en-US" altLang="ko-KR" dirty="0" smtClean="0"/>
+              <a:t>DTNPL SBC Task </a:t>
+            </a:r>
+            <a:r>
               <a:rPr lang="ko-KR" altLang="en-US" dirty="0" smtClean="0"/>
-              <a:t>개선 목표</a:t>
+              <a:t>운용 구조</a:t>
             </a:r>
             <a:endParaRPr lang="ko-KR" altLang="en-US" dirty="0"/>
           </a:p>
@@ -5832,7 +8524,7 @@
       </p:sp>
       <p:sp>
         <p:nvSpPr>
-          <p:cNvPr id="3" name="내용 개체 틀 2"/>
+          <p:cNvPr id="5" name="내용 개체 틀 4"/>
           <p:cNvSpPr>
             <a:spLocks noGrp="1"/>
           </p:cNvSpPr>
@@ -5846,681 +8538,146 @@
           <a:lstStyle/>
           <a:p>
             <a:r>
-              <a:rPr lang="ko-KR" altLang="en-US" dirty="0"/>
-              <a:t>전송 목표 속도 </a:t>
-            </a:r>
-            <a:r>
-              <a:rPr lang="en-US" altLang="ko-KR" dirty="0"/>
-              <a:t>: </a:t>
+              <a:rPr lang="ko-KR" altLang="en-US" dirty="0" smtClean="0"/>
+              <a:t>모든 </a:t>
             </a:r>
             <a:r>
               <a:rPr lang="en-US" altLang="ko-KR" dirty="0" smtClean="0"/>
-              <a:t>2Mbps</a:t>
-            </a:r>
-            <a:br>
+              <a:t>Task</a:t>
+            </a:r>
+            <a:r>
+              <a:rPr lang="ko-KR" altLang="en-US" dirty="0" smtClean="0"/>
+              <a:t>는</a:t>
+            </a:r>
+            <a:r>
               <a:rPr lang="en-US" altLang="ko-KR" dirty="0" smtClean="0"/>
-            </a:br>
+              <a:t> preemptive task</a:t>
+            </a:r>
+            <a:r>
+              <a:rPr lang="ko-KR" altLang="en-US" dirty="0" smtClean="0"/>
+              <a:t>로 운용 하고 있음</a:t>
+            </a:r>
             <a:r>
               <a:rPr lang="en-US" altLang="ko-KR" dirty="0" smtClean="0"/>
-              <a:t>- </a:t>
-            </a:r>
-            <a:r>
-              <a:rPr lang="ko-KR" altLang="en-US" dirty="0" smtClean="0"/>
-              <a:t>수정된 </a:t>
-            </a:r>
-            <a:r>
-              <a:rPr lang="ko-KR" altLang="en-US" dirty="0"/>
-              <a:t>목표  </a:t>
-            </a:r>
-            <a:r>
-              <a:rPr lang="en-US" altLang="ko-KR" dirty="0"/>
-              <a:t>ION S/W UDP  </a:t>
-            </a:r>
-            <a:r>
-              <a:rPr lang="en-US" altLang="ko-KR" dirty="0" err="1"/>
-              <a:t>transmitte</a:t>
-            </a:r>
-            <a:r>
-              <a:rPr lang="en-US" altLang="ko-KR" dirty="0"/>
-              <a:t> speed is up to </a:t>
-            </a:r>
+              <a:t>.</a:t>
+            </a:r>
+          </a:p>
+          <a:p>
             <a:r>
               <a:rPr lang="en-US" altLang="ko-KR" dirty="0" smtClean="0"/>
-              <a:t>1.5MBps</a:t>
-            </a:r>
-            <a:br>
-              <a:rPr lang="en-US" altLang="ko-KR" dirty="0" smtClean="0"/>
-            </a:br>
-            <a:r>
-              <a:rPr lang="en-US" altLang="ko-KR" dirty="0" smtClean="0"/>
-              <a:t>                       </a:t>
-            </a:r>
-            <a:r>
-              <a:rPr lang="en-US" altLang="ko-KR" dirty="0"/>
-              <a:t>SBC F/W USRT </a:t>
-            </a:r>
-            <a:r>
-              <a:rPr lang="en-US" altLang="ko-KR" dirty="0" err="1"/>
-              <a:t>transmitte</a:t>
-            </a:r>
-            <a:r>
-              <a:rPr lang="en-US" altLang="ko-KR" dirty="0"/>
-              <a:t> speed is up to </a:t>
-            </a:r>
-            <a:r>
-              <a:rPr lang="en-US" altLang="ko-KR" dirty="0" smtClean="0"/>
-              <a:t>1.6Mbps</a:t>
-            </a:r>
-            <a:br>
-              <a:rPr lang="en-US" altLang="ko-KR" dirty="0" smtClean="0"/>
-            </a:br>
-            <a:endParaRPr lang="en-US" altLang="ko-KR" dirty="0" smtClean="0"/>
-          </a:p>
-          <a:p>
-            <a:r>
-              <a:rPr lang="en-US" altLang="ko-KR" dirty="0" smtClean="0"/>
-              <a:t>   </a:t>
-            </a:r>
-            <a:r>
-              <a:rPr lang="ko-KR" altLang="en-US" dirty="0"/>
-              <a:t>현재까지의 시험 결과는 </a:t>
-            </a:r>
-            <a:r>
-              <a:rPr lang="en-US" altLang="ko-KR" dirty="0"/>
-              <a:t>USRT </a:t>
-            </a:r>
-            <a:r>
-              <a:rPr lang="ko-KR" altLang="en-US" dirty="0"/>
-              <a:t>최대 전송 속도는 </a:t>
-            </a:r>
-            <a:r>
-              <a:rPr lang="en-US" altLang="ko-KR" dirty="0" smtClean="0"/>
-              <a:t>800K~900Kbps</a:t>
-            </a:r>
-          </a:p>
-          <a:p>
-            <a:endParaRPr lang="en-US" altLang="ko-KR" dirty="0"/>
-          </a:p>
-          <a:p>
-            <a:r>
-              <a:rPr lang="en-US" altLang="ko-KR" dirty="0"/>
-              <a:t>  </a:t>
-            </a:r>
-            <a:r>
-              <a:rPr lang="en-US" altLang="ko-KR" dirty="0" smtClean="0"/>
-              <a:t>USRT </a:t>
-            </a:r>
-            <a:r>
-              <a:rPr lang="ko-KR" altLang="en-US" dirty="0" err="1"/>
-              <a:t>전송시</a:t>
-            </a:r>
-            <a:r>
-              <a:rPr lang="ko-KR" altLang="en-US" dirty="0"/>
-              <a:t> </a:t>
-            </a:r>
-            <a:r>
-              <a:rPr lang="en-US" altLang="ko-KR" dirty="0"/>
-              <a:t>pause Time(idle )</a:t>
-            </a:r>
-            <a:r>
-              <a:rPr lang="ko-KR" altLang="en-US" dirty="0"/>
-              <a:t>이 상대적으로 커 전송속도 상승이 </a:t>
-            </a:r>
-            <a:r>
-              <a:rPr lang="ko-KR" altLang="en-US" dirty="0" smtClean="0"/>
-              <a:t>제한적</a:t>
-            </a:r>
-            <a:endParaRPr lang="en-US" altLang="ko-KR" dirty="0" smtClean="0"/>
-          </a:p>
-          <a:p>
-            <a:pPr marL="0" indent="0">
-              <a:buNone/>
-            </a:pPr>
-            <a:r>
-              <a:rPr lang="en-US" altLang="ko-KR" dirty="0" smtClean="0"/>
-              <a:t>     - CRC </a:t>
-            </a:r>
-            <a:r>
-              <a:rPr lang="en-US" altLang="ko-KR" dirty="0"/>
-              <a:t>Check </a:t>
-            </a:r>
-            <a:r>
-              <a:rPr lang="ko-KR" altLang="en-US" dirty="0"/>
-              <a:t>적용 여부에 따라 전송 속도의 변화가 있음</a:t>
-            </a:r>
-            <a:r>
-              <a:rPr lang="en-US" altLang="ko-KR" dirty="0"/>
-              <a:t>. </a:t>
-            </a:r>
-          </a:p>
-          <a:p>
-            <a:r>
-              <a:rPr lang="ko-KR" altLang="en-US" dirty="0" smtClean="0"/>
-              <a:t>계산 </a:t>
-            </a:r>
-            <a:r>
-              <a:rPr lang="ko-KR" altLang="en-US" dirty="0"/>
-              <a:t>값 </a:t>
-            </a:r>
-            <a:r>
-              <a:rPr lang="en-US" altLang="ko-KR" dirty="0" smtClean="0"/>
-              <a:t/>
-            </a:r>
-            <a:br>
-              <a:rPr lang="en-US" altLang="ko-KR" dirty="0" smtClean="0"/>
-            </a:br>
-            <a:r>
-              <a:rPr lang="en-US" altLang="ko-KR" dirty="0" smtClean="0"/>
-              <a:t>- 10ms </a:t>
-            </a:r>
-            <a:r>
-              <a:rPr lang="en-US" altLang="ko-KR" dirty="0"/>
-              <a:t>Task</a:t>
-            </a:r>
-            <a:r>
-              <a:rPr lang="ko-KR" altLang="en-US" dirty="0"/>
-              <a:t>로 운용 시 </a:t>
-            </a:r>
-            <a:r>
-              <a:rPr lang="en-US" altLang="ko-KR" dirty="0" smtClean="0"/>
-              <a:t>( </a:t>
-            </a:r>
-            <a:r>
-              <a:rPr lang="en-US" altLang="ko-KR" dirty="0" smtClean="0">
-                <a:solidFill>
-                  <a:srgbClr val="FF0000"/>
-                </a:solidFill>
-              </a:rPr>
-              <a:t>Task </a:t>
-            </a:r>
-            <a:r>
-              <a:rPr lang="ko-KR" altLang="en-US" dirty="0" smtClean="0">
-                <a:solidFill>
-                  <a:srgbClr val="FF0000"/>
-                </a:solidFill>
-              </a:rPr>
-              <a:t>실행 주기를 </a:t>
-            </a:r>
-            <a:r>
-              <a:rPr lang="en-US" altLang="ko-KR" dirty="0" smtClean="0">
-                <a:solidFill>
-                  <a:srgbClr val="FF0000"/>
-                </a:solidFill>
-              </a:rPr>
-              <a:t>5ms</a:t>
-            </a:r>
-            <a:r>
-              <a:rPr lang="ko-KR" altLang="en-US" dirty="0" smtClean="0">
-                <a:solidFill>
-                  <a:srgbClr val="FF0000"/>
-                </a:solidFill>
-              </a:rPr>
-              <a:t>로</a:t>
-            </a:r>
-            <a:r>
-              <a:rPr lang="en-US" altLang="ko-KR" dirty="0" smtClean="0">
-                <a:solidFill>
-                  <a:srgbClr val="FF0000"/>
-                </a:solidFill>
-              </a:rPr>
-              <a:t> </a:t>
-            </a:r>
-            <a:r>
-              <a:rPr lang="ko-KR" altLang="en-US" dirty="0" smtClean="0">
-                <a:solidFill>
-                  <a:srgbClr val="FF0000"/>
-                </a:solidFill>
-              </a:rPr>
-              <a:t>할</a:t>
-            </a:r>
-            <a:r>
-              <a:rPr lang="en-US" altLang="ko-KR" dirty="0" smtClean="0">
-                <a:solidFill>
-                  <a:srgbClr val="FF0000"/>
-                </a:solidFill>
-              </a:rPr>
-              <a:t> </a:t>
-            </a:r>
-            <a:r>
-              <a:rPr lang="ko-KR" altLang="en-US" dirty="0" smtClean="0">
-                <a:solidFill>
-                  <a:srgbClr val="FF0000"/>
-                </a:solidFill>
-              </a:rPr>
-              <a:t>경우 정상동작 하지 않음</a:t>
-            </a:r>
-            <a:r>
-              <a:rPr lang="en-US" altLang="ko-KR" dirty="0" smtClean="0">
-                <a:solidFill>
-                  <a:srgbClr val="FF0000"/>
-                </a:solidFill>
-              </a:rPr>
-              <a:t>.</a:t>
-            </a:r>
-            <a:r>
-              <a:rPr lang="en-US" altLang="ko-KR" dirty="0" smtClean="0"/>
-              <a:t>)</a:t>
-            </a:r>
-            <a:br>
-              <a:rPr lang="en-US" altLang="ko-KR" dirty="0" smtClean="0"/>
-            </a:br>
-            <a:r>
-              <a:rPr lang="ko-KR" altLang="en-US" sz="1400" dirty="0" smtClean="0"/>
-              <a:t>  </a:t>
-            </a:r>
-            <a:r>
-              <a:rPr lang="en-US" altLang="ko-KR" sz="1400" dirty="0"/>
-              <a:t>1024 * 2</a:t>
-            </a:r>
-            <a:r>
-              <a:rPr lang="ko-KR" altLang="en-US" sz="1400" dirty="0"/>
-              <a:t>회 </a:t>
-            </a:r>
-            <a:r>
-              <a:rPr lang="en-US" altLang="ko-KR" sz="1400" dirty="0"/>
-              <a:t>(2048) Byte </a:t>
-            </a:r>
-            <a:r>
-              <a:rPr lang="ko-KR" altLang="en-US" sz="1400" dirty="0" err="1"/>
-              <a:t>전송시</a:t>
-            </a:r>
-            <a:r>
-              <a:rPr lang="ko-KR" altLang="en-US" sz="1400" dirty="0"/>
-              <a:t>  </a:t>
-            </a:r>
-            <a:r>
-              <a:rPr lang="en-US" altLang="ko-KR" sz="1400" dirty="0"/>
-              <a:t>8.192ms </a:t>
-            </a:r>
-            <a:r>
-              <a:rPr lang="ko-KR" altLang="en-US" sz="1400" dirty="0" err="1"/>
-              <a:t>전송시간</a:t>
-            </a:r>
-            <a:r>
-              <a:rPr lang="ko-KR" altLang="en-US" sz="1400" dirty="0"/>
-              <a:t> </a:t>
-            </a:r>
-            <a:r>
-              <a:rPr lang="en-US" altLang="ko-KR" sz="1400" dirty="0"/>
-              <a:t>, Duty Cycle 82% -&gt; 2Mbps * 82% = </a:t>
-            </a:r>
-            <a:r>
-              <a:rPr lang="en-US" altLang="ko-KR" sz="1400" dirty="0" smtClean="0"/>
-              <a:t>1.64Mbps</a:t>
-            </a:r>
-            <a:br>
-              <a:rPr lang="en-US" altLang="ko-KR" sz="1400" dirty="0" smtClean="0"/>
-            </a:br>
-            <a:r>
-              <a:rPr lang="en-US" altLang="ko-KR" sz="1400" dirty="0" smtClean="0"/>
-              <a:t>  </a:t>
-            </a:r>
-            <a:r>
-              <a:rPr lang="en-US" altLang="ko-KR" sz="1400" dirty="0"/>
-              <a:t>1024 * 1</a:t>
-            </a:r>
-            <a:r>
-              <a:rPr lang="ko-KR" altLang="en-US" sz="1400" dirty="0"/>
-              <a:t>회 </a:t>
-            </a:r>
-            <a:r>
-              <a:rPr lang="en-US" altLang="ko-KR" sz="1400" dirty="0"/>
-              <a:t>(1024) Byte </a:t>
-            </a:r>
-            <a:r>
-              <a:rPr lang="ko-KR" altLang="en-US" sz="1400" dirty="0" err="1"/>
-              <a:t>전송시</a:t>
-            </a:r>
-            <a:r>
-              <a:rPr lang="ko-KR" altLang="en-US" sz="1400" dirty="0"/>
-              <a:t>  </a:t>
-            </a:r>
-            <a:r>
-              <a:rPr lang="en-US" altLang="ko-KR" sz="1400" dirty="0"/>
-              <a:t>4.096ms </a:t>
-            </a:r>
-            <a:r>
-              <a:rPr lang="ko-KR" altLang="en-US" sz="1400" dirty="0" err="1"/>
-              <a:t>전송시간</a:t>
-            </a:r>
-            <a:r>
-              <a:rPr lang="ko-KR" altLang="en-US" sz="1400" dirty="0"/>
-              <a:t> </a:t>
-            </a:r>
-            <a:r>
-              <a:rPr lang="en-US" altLang="ko-KR" sz="1400" dirty="0"/>
-              <a:t>, Duty Cycle 41% -&gt; 2Mbps * 41% = 0.82Mbps</a:t>
-            </a:r>
-          </a:p>
-          <a:p>
-            <a:r>
-              <a:rPr lang="ko-KR" altLang="en-US" dirty="0" smtClean="0"/>
-              <a:t>검토 사항 </a:t>
-            </a:r>
-            <a:r>
-              <a:rPr lang="en-US" altLang="ko-KR" dirty="0" smtClean="0"/>
-              <a:t/>
-            </a:r>
-            <a:br>
-              <a:rPr lang="en-US" altLang="ko-KR" dirty="0" smtClean="0"/>
-            </a:br>
-            <a:r>
-              <a:rPr lang="en-US" altLang="ko-KR" dirty="0" smtClean="0"/>
-              <a:t>USRT </a:t>
-            </a:r>
-            <a:r>
-              <a:rPr lang="en-US" altLang="ko-KR" dirty="0"/>
-              <a:t>Clock</a:t>
-            </a:r>
-            <a:r>
-              <a:rPr lang="ko-KR" altLang="en-US" dirty="0"/>
-              <a:t>을 </a:t>
-            </a:r>
-            <a:r>
-              <a:rPr lang="en-US" altLang="ko-KR" dirty="0"/>
-              <a:t>4MHz</a:t>
-            </a:r>
-            <a:r>
-              <a:rPr lang="ko-KR" altLang="en-US" dirty="0"/>
-              <a:t>로 설정을 할 경우 속도의 변화가 어떻게 되는지</a:t>
-            </a:r>
-            <a:r>
-              <a:rPr lang="en-US" altLang="ko-KR" dirty="0" smtClean="0"/>
-              <a:t>?</a:t>
-            </a:r>
-            <a:br>
-              <a:rPr lang="en-US" altLang="ko-KR" dirty="0" smtClean="0"/>
-            </a:br>
-            <a:r>
-              <a:rPr lang="en-US" altLang="ko-KR" dirty="0" smtClean="0"/>
-              <a:t>Estimation</a:t>
-            </a:r>
-            <a:r>
-              <a:rPr lang="ko-KR" altLang="en-US" dirty="0"/>
-              <a:t> </a:t>
+              <a:t>Task 3 </a:t>
             </a:r>
             <a:r>
               <a:rPr lang="en-US" altLang="ko-KR" dirty="0" smtClean="0">
                 <a:sym typeface="Wingdings" panose="05000000000000000000" pitchFamily="2" charset="2"/>
               </a:rPr>
-              <a:t> </a:t>
-            </a:r>
-            <a:r>
-              <a:rPr lang="en-US" altLang="ko-KR" dirty="0" smtClean="0"/>
-              <a:t/>
-            </a:r>
-            <a:br>
-              <a:rPr lang="en-US" altLang="ko-KR" dirty="0" smtClean="0"/>
-            </a:br>
-            <a:r>
-              <a:rPr lang="ko-KR" altLang="en-US" sz="1400" dirty="0" smtClean="0"/>
-              <a:t> </a:t>
-            </a:r>
-            <a:r>
-              <a:rPr lang="en-US" altLang="ko-KR" sz="1400" dirty="0"/>
-              <a:t>1024 * </a:t>
-            </a:r>
-            <a:r>
-              <a:rPr lang="en-US" altLang="ko-KR" sz="1400" dirty="0" smtClean="0"/>
-              <a:t>4</a:t>
-            </a:r>
-            <a:r>
-              <a:rPr lang="ko-KR" altLang="en-US" sz="1400" dirty="0" smtClean="0"/>
-              <a:t>회 </a:t>
-            </a:r>
-            <a:r>
-              <a:rPr lang="en-US" altLang="ko-KR" sz="1400" dirty="0" smtClean="0"/>
-              <a:t>(4096) </a:t>
-            </a:r>
-            <a:r>
-              <a:rPr lang="en-US" altLang="ko-KR" sz="1400" dirty="0"/>
-              <a:t>Byte </a:t>
-            </a:r>
-            <a:r>
-              <a:rPr lang="ko-KR" altLang="en-US" sz="1400" dirty="0" err="1"/>
-              <a:t>전송시</a:t>
-            </a:r>
-            <a:r>
-              <a:rPr lang="ko-KR" altLang="en-US" sz="1400" dirty="0"/>
-              <a:t>  </a:t>
-            </a:r>
-            <a:r>
-              <a:rPr lang="en-US" altLang="ko-KR" sz="1400" dirty="0" smtClean="0"/>
-              <a:t>8.192ms </a:t>
-            </a:r>
-            <a:r>
-              <a:rPr lang="ko-KR" altLang="en-US" sz="1400" dirty="0" err="1"/>
-              <a:t>전송시간</a:t>
-            </a:r>
-            <a:r>
-              <a:rPr lang="ko-KR" altLang="en-US" sz="1400" dirty="0"/>
-              <a:t> </a:t>
-            </a:r>
-            <a:r>
-              <a:rPr lang="en-US" altLang="ko-KR" sz="1400" dirty="0"/>
-              <a:t>, Duty Cycle </a:t>
-            </a:r>
-            <a:r>
-              <a:rPr lang="en-US" altLang="ko-KR" sz="1400" dirty="0" smtClean="0"/>
-              <a:t>82% </a:t>
-            </a:r>
-            <a:r>
-              <a:rPr lang="en-US" altLang="ko-KR" sz="1400" dirty="0"/>
-              <a:t>-&gt; </a:t>
-            </a:r>
-            <a:r>
-              <a:rPr lang="en-US" altLang="ko-KR" sz="1400" dirty="0" smtClean="0"/>
-              <a:t>4Mbps </a:t>
-            </a:r>
-            <a:r>
-              <a:rPr lang="en-US" altLang="ko-KR" sz="1400" dirty="0"/>
-              <a:t>* </a:t>
-            </a:r>
-            <a:r>
-              <a:rPr lang="en-US" altLang="ko-KR" sz="1400" dirty="0" smtClean="0"/>
-              <a:t>82% </a:t>
-            </a:r>
-            <a:r>
-              <a:rPr lang="en-US" altLang="ko-KR" sz="1400" dirty="0"/>
-              <a:t>= </a:t>
-            </a:r>
-            <a:r>
-              <a:rPr lang="en-US" altLang="ko-KR" sz="1400" dirty="0" smtClean="0"/>
-              <a:t>3.24Mbps</a:t>
-            </a:r>
-            <a:br>
-              <a:rPr lang="en-US" altLang="ko-KR" sz="1400" dirty="0" smtClean="0"/>
-            </a:br>
-            <a:r>
-              <a:rPr lang="en-US" altLang="ko-KR" sz="1400" dirty="0" smtClean="0"/>
-              <a:t> 1024 </a:t>
-            </a:r>
-            <a:r>
-              <a:rPr lang="en-US" altLang="ko-KR" sz="1400" dirty="0"/>
-              <a:t>* </a:t>
-            </a:r>
-            <a:r>
-              <a:rPr lang="en-US" altLang="ko-KR" sz="1400" dirty="0" smtClean="0"/>
-              <a:t>3</a:t>
-            </a:r>
-            <a:r>
-              <a:rPr lang="ko-KR" altLang="en-US" sz="1400" dirty="0" smtClean="0"/>
-              <a:t>회 </a:t>
-            </a:r>
-            <a:r>
-              <a:rPr lang="en-US" altLang="ko-KR" sz="1400" dirty="0" smtClean="0"/>
-              <a:t>(3072) </a:t>
-            </a:r>
-            <a:r>
-              <a:rPr lang="en-US" altLang="ko-KR" sz="1400" dirty="0"/>
-              <a:t>Byte </a:t>
-            </a:r>
-            <a:r>
-              <a:rPr lang="ko-KR" altLang="en-US" sz="1400" dirty="0" err="1"/>
-              <a:t>전송시</a:t>
-            </a:r>
-            <a:r>
-              <a:rPr lang="ko-KR" altLang="en-US" sz="1400" dirty="0"/>
-              <a:t>  </a:t>
-            </a:r>
-            <a:r>
-              <a:rPr lang="en-US" altLang="ko-KR" sz="1400" dirty="0" smtClean="0"/>
-              <a:t>6.144ms </a:t>
-            </a:r>
-            <a:r>
-              <a:rPr lang="ko-KR" altLang="en-US" sz="1400" dirty="0" err="1"/>
-              <a:t>전송시간</a:t>
-            </a:r>
-            <a:r>
-              <a:rPr lang="ko-KR" altLang="en-US" sz="1400" dirty="0"/>
-              <a:t> </a:t>
-            </a:r>
-            <a:r>
-              <a:rPr lang="en-US" altLang="ko-KR" sz="1400" dirty="0"/>
-              <a:t>, Duty Cycle </a:t>
-            </a:r>
-            <a:r>
-              <a:rPr lang="en-US" altLang="ko-KR" sz="1400" dirty="0" smtClean="0"/>
-              <a:t>61% </a:t>
-            </a:r>
-            <a:r>
-              <a:rPr lang="en-US" altLang="ko-KR" sz="1400" dirty="0"/>
-              <a:t>-&gt; 4Mbps * </a:t>
-            </a:r>
-            <a:r>
-              <a:rPr lang="en-US" altLang="ko-KR" sz="1400" dirty="0" smtClean="0"/>
-              <a:t>61% </a:t>
-            </a:r>
-            <a:r>
-              <a:rPr lang="en-US" altLang="ko-KR" sz="1400" dirty="0"/>
-              <a:t>= </a:t>
-            </a:r>
-            <a:r>
-              <a:rPr lang="en-US" altLang="ko-KR" sz="1400" dirty="0" smtClean="0"/>
-              <a:t>2.44Mbps</a:t>
-            </a:r>
-            <a:br>
-              <a:rPr lang="en-US" altLang="ko-KR" sz="1400" dirty="0" smtClean="0"/>
-            </a:br>
-            <a:r>
-              <a:rPr lang="ko-KR" altLang="en-US" sz="1400" dirty="0"/>
-              <a:t> </a:t>
-            </a:r>
-            <a:r>
-              <a:rPr lang="en-US" altLang="ko-KR" sz="1400" dirty="0"/>
-              <a:t>1024 * 2</a:t>
-            </a:r>
-            <a:r>
-              <a:rPr lang="ko-KR" altLang="en-US" sz="1400" dirty="0"/>
-              <a:t>회 </a:t>
-            </a:r>
-            <a:r>
-              <a:rPr lang="en-US" altLang="ko-KR" sz="1400" dirty="0"/>
-              <a:t>(2048) Byte </a:t>
-            </a:r>
-            <a:r>
-              <a:rPr lang="ko-KR" altLang="en-US" sz="1400" dirty="0" err="1"/>
-              <a:t>전송시</a:t>
-            </a:r>
-            <a:r>
-              <a:rPr lang="ko-KR" altLang="en-US" sz="1400" dirty="0"/>
-              <a:t>  </a:t>
-            </a:r>
-            <a:r>
-              <a:rPr lang="en-US" altLang="ko-KR" sz="1400" dirty="0"/>
-              <a:t>4.096ms </a:t>
-            </a:r>
-            <a:r>
-              <a:rPr lang="ko-KR" altLang="en-US" sz="1400" dirty="0" err="1"/>
-              <a:t>전송시간</a:t>
-            </a:r>
-            <a:r>
-              <a:rPr lang="ko-KR" altLang="en-US" sz="1400" dirty="0"/>
-              <a:t> </a:t>
-            </a:r>
-            <a:r>
-              <a:rPr lang="en-US" altLang="ko-KR" sz="1400" dirty="0"/>
-              <a:t>, Duty Cycle 41% -&gt; 4Mbps * 41% = 1.64Mbps</a:t>
-            </a:r>
-            <a:br>
-              <a:rPr lang="en-US" altLang="ko-KR" sz="1400" dirty="0"/>
-            </a:br>
-            <a:r>
-              <a:rPr lang="en-US" altLang="ko-KR" sz="1400" dirty="0" smtClean="0"/>
-              <a:t> </a:t>
-            </a:r>
-            <a:r>
-              <a:rPr lang="en-US" altLang="ko-KR" sz="1400" dirty="0"/>
-              <a:t>1024 * 1</a:t>
-            </a:r>
-            <a:r>
-              <a:rPr lang="ko-KR" altLang="en-US" sz="1400" dirty="0"/>
-              <a:t>회 </a:t>
-            </a:r>
-            <a:r>
-              <a:rPr lang="en-US" altLang="ko-KR" sz="1400" dirty="0"/>
-              <a:t>(1024) Byte </a:t>
-            </a:r>
-            <a:r>
-              <a:rPr lang="ko-KR" altLang="en-US" sz="1400" dirty="0" err="1"/>
-              <a:t>전송시</a:t>
-            </a:r>
-            <a:r>
-              <a:rPr lang="ko-KR" altLang="en-US" sz="1400" dirty="0"/>
-              <a:t>  </a:t>
-            </a:r>
-            <a:r>
-              <a:rPr lang="en-US" altLang="ko-KR" sz="1400" dirty="0" smtClean="0"/>
-              <a:t>2.048ms </a:t>
-            </a:r>
-            <a:r>
-              <a:rPr lang="ko-KR" altLang="en-US" sz="1400" dirty="0" err="1"/>
-              <a:t>전송시간</a:t>
-            </a:r>
-            <a:r>
-              <a:rPr lang="ko-KR" altLang="en-US" sz="1400" dirty="0"/>
-              <a:t> </a:t>
-            </a:r>
-            <a:r>
-              <a:rPr lang="en-US" altLang="ko-KR" sz="1400" dirty="0"/>
-              <a:t>, Duty Cycle </a:t>
-            </a:r>
-            <a:r>
-              <a:rPr lang="en-US" altLang="ko-KR" sz="1400" dirty="0" smtClean="0"/>
-              <a:t>21% </a:t>
-            </a:r>
-            <a:r>
-              <a:rPr lang="en-US" altLang="ko-KR" sz="1400" dirty="0"/>
-              <a:t>-&gt; </a:t>
-            </a:r>
-            <a:r>
-              <a:rPr lang="en-US" altLang="ko-KR" sz="1400" dirty="0" smtClean="0"/>
-              <a:t>4Mbps </a:t>
-            </a:r>
-            <a:r>
-              <a:rPr lang="en-US" altLang="ko-KR" sz="1400" dirty="0"/>
-              <a:t>* </a:t>
-            </a:r>
-            <a:r>
-              <a:rPr lang="en-US" altLang="ko-KR" sz="1400" dirty="0" smtClean="0"/>
-              <a:t>21% </a:t>
-            </a:r>
-            <a:r>
-              <a:rPr lang="en-US" altLang="ko-KR" sz="1400" dirty="0"/>
-              <a:t>= </a:t>
-            </a:r>
-            <a:r>
-              <a:rPr lang="en-US" altLang="ko-KR" sz="1400" dirty="0" smtClean="0"/>
-              <a:t>0.84Mbps</a:t>
-            </a:r>
-            <a:endParaRPr lang="ko-KR" altLang="en-US" sz="1400" dirty="0"/>
+              <a:t> USRT, </a:t>
+            </a:r>
+          </a:p>
+          <a:p>
+            <a:r>
+              <a:rPr lang="en-US" altLang="ko-KR" dirty="0" smtClean="0">
+                <a:sym typeface="Wingdings" panose="05000000000000000000" pitchFamily="2" charset="2"/>
+              </a:rPr>
+              <a:t>Task 2  UDP Rx </a:t>
+            </a:r>
+          </a:p>
+          <a:p>
+            <a:r>
+              <a:rPr lang="en-US" altLang="ko-KR" dirty="0" smtClean="0">
+                <a:sym typeface="Wingdings" panose="05000000000000000000" pitchFamily="2" charset="2"/>
+              </a:rPr>
+              <a:t>Task 1  </a:t>
+            </a:r>
+            <a:r>
+              <a:rPr lang="ko-KR" altLang="en-US" dirty="0" smtClean="0">
+                <a:sym typeface="Wingdings" panose="05000000000000000000" pitchFamily="2" charset="2"/>
+              </a:rPr>
+              <a:t>기타</a:t>
+            </a:r>
+            <a:r>
+              <a:rPr lang="en-US" altLang="ko-KR" dirty="0" smtClean="0">
+                <a:sym typeface="Wingdings" panose="05000000000000000000" pitchFamily="2" charset="2"/>
+              </a:rPr>
+              <a:t> Task ( UART / Heartbeat / </a:t>
+            </a:r>
+            <a:r>
+              <a:rPr lang="en-US" altLang="ko-KR" dirty="0" err="1" smtClean="0">
+                <a:sym typeface="Wingdings" panose="05000000000000000000" pitchFamily="2" charset="2"/>
+              </a:rPr>
+              <a:t>etc</a:t>
+            </a:r>
+            <a:r>
+              <a:rPr lang="en-US" altLang="ko-KR" dirty="0" smtClean="0">
+                <a:sym typeface="Wingdings" panose="05000000000000000000" pitchFamily="2" charset="2"/>
+              </a:rPr>
+              <a:t> )</a:t>
+            </a:r>
+            <a:endParaRPr lang="ko-KR" altLang="en-US" dirty="0"/>
           </a:p>
         </p:txBody>
       </p:sp>
+      <p:pic>
+        <p:nvPicPr>
+          <p:cNvPr id="6" name="내용 개체 틀 3"/>
+          <p:cNvPicPr>
+            <a:picLocks noChangeAspect="1"/>
+          </p:cNvPicPr>
+          <p:nvPr/>
+        </p:nvPicPr>
+        <p:blipFill>
+          <a:blip r:embed="rId2"/>
+          <a:stretch>
+            <a:fillRect/>
+          </a:stretch>
+        </p:blipFill>
+        <p:spPr bwMode="auto">
+          <a:xfrm>
+            <a:off x="233363" y="2835269"/>
+            <a:ext cx="8666162" cy="3338461"/>
+          </a:xfrm>
+          <a:prstGeom prst="rect">
+            <a:avLst/>
+          </a:prstGeom>
+          <a:noFill/>
+          <a:ln>
+            <a:noFill/>
+          </a:ln>
+          <a:effectLst/>
+          <a:extLst>
+            <a:ext uri="{909E8E84-426E-40DD-AFC4-6F175D3DCCD1}">
+              <a14:hiddenFill xmlns:a14="http://schemas.microsoft.com/office/drawing/2010/main">
+                <a:solidFill>
+                  <a:schemeClr val="accent1"/>
+                </a:solidFill>
+              </a14:hiddenFill>
+            </a:ext>
+            <a:ext uri="{91240B29-F687-4F45-9708-019B960494DF}">
+              <a14:hiddenLine xmlns:a14="http://schemas.microsoft.com/office/drawing/2010/main" w="9525">
+                <a:solidFill>
+                  <a:schemeClr val="tx1"/>
+                </a:solidFill>
+                <a:miter lim="800000"/>
+                <a:headEnd/>
+                <a:tailEnd/>
+              </a14:hiddenLine>
+            </a:ext>
+            <a:ext uri="{AF507438-7753-43E0-B8FC-AC1667EBCBE1}">
+              <a14:hiddenEffects xmlns:a14="http://schemas.microsoft.com/office/drawing/2010/main">
+                <a:effectLst>
+                  <a:outerShdw dist="35921" dir="2700000" algn="ctr" rotWithShape="0">
+                    <a:schemeClr val="bg2"/>
+                  </a:outerShdw>
+                </a:effectLst>
+              </a14:hiddenEffects>
+            </a:ext>
+          </a:extLst>
+        </p:spPr>
+      </p:pic>
     </p:spTree>
     <p:extLst>
       <p:ext uri="{BB962C8B-B14F-4D97-AF65-F5344CB8AC3E}">
-        <p14:creationId xmlns:p14="http://schemas.microsoft.com/office/powerpoint/2010/main" val="2925814864"/>
+        <p14:creationId xmlns:p14="http://schemas.microsoft.com/office/powerpoint/2010/main" val="738888441"/>
       </p:ext>
     </p:extLst>
   </p:cSld>
@@ -6564,15 +8721,7 @@
           <a:p>
             <a:r>
               <a:rPr lang="ko-KR" altLang="en-US" dirty="0" smtClean="0"/>
-              <a:t>장기</a:t>
-            </a:r>
-            <a:r>
-              <a:rPr lang="en-US" altLang="ko-KR" dirty="0" smtClean="0"/>
-              <a:t> </a:t>
-            </a:r>
-            <a:r>
-              <a:rPr lang="ko-KR" altLang="en-US" dirty="0" smtClean="0"/>
-              <a:t>개선 목표 제안</a:t>
+              <a:t>기술 검토</a:t>
             </a:r>
             <a:endParaRPr lang="ko-KR" altLang="en-US" dirty="0"/>
           </a:p>
@@ -6593,93 +8742,447 @@
           <a:bodyPr/>
           <a:lstStyle/>
           <a:p>
+            <a:r>
+              <a:rPr lang="ko-KR" altLang="en-US" dirty="0"/>
+              <a:t>전송 목표 속도 </a:t>
+            </a:r>
+            <a:r>
+              <a:rPr lang="en-US" altLang="ko-KR" dirty="0"/>
+              <a:t>: </a:t>
+            </a:r>
+            <a:r>
+              <a:rPr lang="en-US" altLang="ko-KR" dirty="0" smtClean="0"/>
+              <a:t>2Mbps</a:t>
+            </a:r>
+            <a:br>
+              <a:rPr lang="en-US" altLang="ko-KR" dirty="0" smtClean="0"/>
+            </a:br>
+            <a:r>
+              <a:rPr lang="en-US" altLang="ko-KR" dirty="0" smtClean="0"/>
+              <a:t>- </a:t>
+            </a:r>
+            <a:r>
+              <a:rPr lang="ko-KR" altLang="en-US" dirty="0" smtClean="0"/>
+              <a:t>수정된 </a:t>
+            </a:r>
+            <a:r>
+              <a:rPr lang="ko-KR" altLang="en-US" dirty="0"/>
+              <a:t>목표  </a:t>
+            </a:r>
+            <a:r>
+              <a:rPr lang="en-US" altLang="ko-KR" dirty="0"/>
+              <a:t>ION S/W UDP  </a:t>
+            </a:r>
+            <a:r>
+              <a:rPr lang="en-US" altLang="ko-KR" dirty="0" err="1"/>
+              <a:t>transmitte</a:t>
+            </a:r>
+            <a:r>
+              <a:rPr lang="en-US" altLang="ko-KR" dirty="0"/>
+              <a:t> speed is up to </a:t>
+            </a:r>
+            <a:r>
+              <a:rPr lang="en-US" altLang="ko-KR" dirty="0" smtClean="0"/>
+              <a:t>1.5MBps</a:t>
+            </a:r>
+            <a:br>
+              <a:rPr lang="en-US" altLang="ko-KR" dirty="0" smtClean="0"/>
+            </a:br>
+            <a:r>
+              <a:rPr lang="en-US" altLang="ko-KR" dirty="0" smtClean="0"/>
+              <a:t>                       </a:t>
+            </a:r>
+            <a:r>
+              <a:rPr lang="en-US" altLang="ko-KR" dirty="0"/>
+              <a:t>SBC F/W USRT </a:t>
+            </a:r>
+            <a:r>
+              <a:rPr lang="en-US" altLang="ko-KR" dirty="0" err="1"/>
+              <a:t>transmitte</a:t>
+            </a:r>
+            <a:r>
+              <a:rPr lang="en-US" altLang="ko-KR" dirty="0"/>
+              <a:t> speed is up to </a:t>
+            </a:r>
+            <a:r>
+              <a:rPr lang="en-US" altLang="ko-KR" dirty="0" smtClean="0"/>
+              <a:t>1.6Mbps</a:t>
+            </a:r>
+            <a:br>
+              <a:rPr lang="en-US" altLang="ko-KR" dirty="0" smtClean="0"/>
+            </a:br>
+            <a:endParaRPr lang="en-US" altLang="ko-KR" dirty="0" smtClean="0"/>
+          </a:p>
+          <a:p>
+            <a:r>
+              <a:rPr lang="en-US" altLang="ko-KR" dirty="0" smtClean="0"/>
+              <a:t>   </a:t>
+            </a:r>
+            <a:r>
+              <a:rPr lang="ko-KR" altLang="en-US" dirty="0"/>
+              <a:t>현재까지의 시험 결과는 </a:t>
+            </a:r>
+            <a:r>
+              <a:rPr lang="en-US" altLang="ko-KR" dirty="0"/>
+              <a:t>USRT </a:t>
+            </a:r>
+            <a:r>
+              <a:rPr lang="ko-KR" altLang="en-US" dirty="0"/>
+              <a:t>최대 전송 속도는 </a:t>
+            </a:r>
+            <a:r>
+              <a:rPr lang="en-US" altLang="ko-KR" dirty="0" smtClean="0"/>
+              <a:t>800K~900Kbps</a:t>
+            </a:r>
+          </a:p>
+          <a:p>
+            <a:endParaRPr lang="en-US" altLang="ko-KR" dirty="0"/>
+          </a:p>
+          <a:p>
+            <a:r>
+              <a:rPr lang="en-US" altLang="ko-KR" dirty="0"/>
+              <a:t>  </a:t>
+            </a:r>
+            <a:r>
+              <a:rPr lang="en-US" altLang="ko-KR" dirty="0" smtClean="0"/>
+              <a:t>USRT </a:t>
+            </a:r>
+            <a:r>
+              <a:rPr lang="ko-KR" altLang="en-US" dirty="0" smtClean="0"/>
+              <a:t>전송 시 </a:t>
+            </a:r>
+            <a:r>
+              <a:rPr lang="en-US" altLang="ko-KR" dirty="0"/>
+              <a:t>pause Time(idle )</a:t>
+            </a:r>
+            <a:r>
+              <a:rPr lang="ko-KR" altLang="en-US" dirty="0"/>
+              <a:t>이 상대적으로 커 전송속도 상승이 </a:t>
+            </a:r>
+            <a:r>
+              <a:rPr lang="ko-KR" altLang="en-US" dirty="0" smtClean="0"/>
+              <a:t>제한적</a:t>
+            </a:r>
+            <a:endParaRPr lang="en-US" altLang="ko-KR" dirty="0" smtClean="0"/>
+          </a:p>
+          <a:p>
             <a:pPr marL="0" indent="0">
               <a:buNone/>
             </a:pPr>
             <a:r>
-              <a:rPr lang="en-US" altLang="ko-KR" sz="1600" dirty="0"/>
-              <a:t>1. USRT Clock</a:t>
-            </a:r>
-            <a:r>
-              <a:rPr lang="ko-KR" altLang="en-US" sz="1600" dirty="0"/>
-              <a:t>을 </a:t>
-            </a:r>
-            <a:r>
-              <a:rPr lang="en-US" altLang="ko-KR" sz="1600" dirty="0"/>
-              <a:t>4MHz</a:t>
-            </a:r>
-            <a:r>
-              <a:rPr lang="ko-KR" altLang="en-US" sz="1600" dirty="0"/>
-              <a:t>로 변경하여 </a:t>
-            </a:r>
-            <a:r>
-              <a:rPr lang="en-US" altLang="ko-KR" sz="1600" dirty="0"/>
-              <a:t>Speed </a:t>
-            </a:r>
-            <a:r>
-              <a:rPr lang="ko-KR" altLang="en-US" sz="1600" dirty="0"/>
-              <a:t>상향</a:t>
-            </a:r>
-            <a:r>
-              <a:rPr lang="en-US" altLang="ko-KR" sz="1600" dirty="0" smtClean="0"/>
-              <a:t>.</a:t>
+              <a:rPr lang="en-US" altLang="ko-KR" dirty="0" smtClean="0"/>
+              <a:t>     - </a:t>
+            </a:r>
+            <a:r>
+              <a:rPr lang="ko-KR" altLang="en-US" dirty="0" smtClean="0"/>
+              <a:t>또한 </a:t>
+            </a:r>
+            <a:r>
+              <a:rPr lang="en-US" altLang="ko-KR" dirty="0" smtClean="0"/>
+              <a:t>CRC </a:t>
+            </a:r>
+            <a:r>
+              <a:rPr lang="en-US" altLang="ko-KR" dirty="0"/>
+              <a:t>Check </a:t>
+            </a:r>
+            <a:r>
+              <a:rPr lang="ko-KR" altLang="en-US" dirty="0"/>
+              <a:t>적용 여부에 따라 전송 속도의 변화가 있음</a:t>
+            </a:r>
+            <a:r>
+              <a:rPr lang="en-US" altLang="ko-KR" dirty="0"/>
+              <a:t>. </a:t>
+            </a:r>
+          </a:p>
+          <a:p>
+            <a:r>
+              <a:rPr lang="ko-KR" altLang="en-US" dirty="0" smtClean="0"/>
+              <a:t>계산 </a:t>
+            </a:r>
+            <a:r>
+              <a:rPr lang="ko-KR" altLang="en-US" dirty="0"/>
+              <a:t>값 </a:t>
+            </a:r>
+            <a:r>
+              <a:rPr lang="en-US" altLang="ko-KR" dirty="0" smtClean="0"/>
+              <a:t/>
             </a:r>
             <a:br>
-              <a:rPr lang="en-US" altLang="ko-KR" sz="1600" dirty="0" smtClean="0"/>
+              <a:rPr lang="en-US" altLang="ko-KR" dirty="0" smtClean="0"/>
             </a:br>
             <a:r>
+              <a:rPr lang="en-US" altLang="ko-KR" dirty="0" smtClean="0"/>
+              <a:t>- 10ms </a:t>
+            </a:r>
+            <a:r>
+              <a:rPr lang="en-US" altLang="ko-KR" dirty="0"/>
+              <a:t>Task</a:t>
+            </a:r>
+            <a:r>
+              <a:rPr lang="ko-KR" altLang="en-US" dirty="0"/>
+              <a:t>로 운용 </a:t>
+            </a:r>
+            <a:r>
+              <a:rPr lang="ko-KR" altLang="en-US" dirty="0" smtClean="0"/>
+              <a:t>시</a:t>
+            </a:r>
+            <a:r>
+              <a:rPr lang="en-US" altLang="ko-KR" dirty="0" smtClean="0"/>
+              <a:t/>
+            </a:r>
+            <a:br>
+              <a:rPr lang="en-US" altLang="ko-KR" dirty="0" smtClean="0"/>
+            </a:br>
+            <a:r>
+              <a:rPr lang="ko-KR" altLang="en-US" sz="1400" dirty="0" smtClean="0"/>
+              <a:t>  </a:t>
+            </a:r>
+            <a:r>
+              <a:rPr lang="en-US" altLang="ko-KR" sz="1400" dirty="0"/>
+              <a:t>1024 * 2</a:t>
+            </a:r>
+            <a:r>
+              <a:rPr lang="ko-KR" altLang="en-US" sz="1400" dirty="0"/>
+              <a:t>회 </a:t>
+            </a:r>
+            <a:r>
+              <a:rPr lang="en-US" altLang="ko-KR" sz="1400" dirty="0"/>
+              <a:t>(2048) Byte </a:t>
+            </a:r>
+            <a:r>
+              <a:rPr lang="ko-KR" altLang="en-US" sz="1400" dirty="0" err="1"/>
+              <a:t>전송시</a:t>
+            </a:r>
+            <a:r>
+              <a:rPr lang="ko-KR" altLang="en-US" sz="1400" dirty="0"/>
+              <a:t>  </a:t>
+            </a:r>
+            <a:r>
+              <a:rPr lang="en-US" altLang="ko-KR" sz="1400" dirty="0"/>
+              <a:t>8.192ms </a:t>
+            </a:r>
+            <a:r>
+              <a:rPr lang="ko-KR" altLang="en-US" sz="1400" dirty="0" err="1"/>
+              <a:t>전송시간</a:t>
+            </a:r>
+            <a:r>
+              <a:rPr lang="ko-KR" altLang="en-US" sz="1400" dirty="0"/>
+              <a:t> </a:t>
+            </a:r>
+            <a:r>
+              <a:rPr lang="en-US" altLang="ko-KR" sz="1400" dirty="0"/>
+              <a:t>, Duty Cycle 82% -&gt; 2Mbps * 82% = </a:t>
+            </a:r>
+            <a:r>
               <a:rPr lang="en-US" altLang="ko-KR" sz="1400" dirty="0" smtClean="0"/>
-              <a:t>      </a:t>
-            </a:r>
-            <a:r>
-              <a:rPr lang="en-US" altLang="ko-KR" sz="1400" dirty="0"/>
-              <a:t>- Pros : </a:t>
-            </a:r>
-            <a:r>
-              <a:rPr lang="ko-KR" altLang="en-US" sz="1400" dirty="0"/>
-              <a:t>쉽게 구현이 가능함</a:t>
-            </a:r>
-            <a:r>
-              <a:rPr lang="en-US" altLang="ko-KR" sz="1400" dirty="0" smtClean="0"/>
-              <a:t>.</a:t>
+              <a:t>1.64Mbps</a:t>
             </a:r>
             <a:br>
               <a:rPr lang="en-US" altLang="ko-KR" sz="1400" dirty="0" smtClean="0"/>
             </a:br>
             <a:r>
               <a:rPr lang="en-US" altLang="ko-KR" sz="1400" dirty="0" smtClean="0"/>
-              <a:t>      </a:t>
+              <a:t>  </a:t>
             </a:r>
             <a:r>
               <a:rPr lang="en-US" altLang="ko-KR" sz="1400" dirty="0"/>
-              <a:t>- Cons : </a:t>
+              <a:t>1024 * 1</a:t>
             </a:r>
             <a:r>
               <a:rPr lang="ko-KR" altLang="en-US" sz="1400" dirty="0"/>
-              <a:t>동작 검증이 필요 함</a:t>
+              <a:t>회 </a:t>
+            </a:r>
+            <a:r>
+              <a:rPr lang="en-US" altLang="ko-KR" sz="1400" dirty="0"/>
+              <a:t>(1024) Byte </a:t>
+            </a:r>
+            <a:r>
+              <a:rPr lang="ko-KR" altLang="en-US" sz="1400" dirty="0" err="1"/>
+              <a:t>전송시</a:t>
+            </a:r>
+            <a:r>
+              <a:rPr lang="ko-KR" altLang="en-US" sz="1400" dirty="0"/>
+              <a:t>  </a:t>
+            </a:r>
+            <a:r>
+              <a:rPr lang="en-US" altLang="ko-KR" sz="1400" dirty="0"/>
+              <a:t>4.096ms </a:t>
+            </a:r>
+            <a:r>
+              <a:rPr lang="ko-KR" altLang="en-US" sz="1400" dirty="0" err="1"/>
+              <a:t>전송시간</a:t>
+            </a:r>
+            <a:r>
+              <a:rPr lang="ko-KR" altLang="en-US" sz="1400" dirty="0"/>
+              <a:t> </a:t>
+            </a:r>
+            <a:r>
+              <a:rPr lang="en-US" altLang="ko-KR" sz="1400" dirty="0"/>
+              <a:t>, Duty Cycle 41% -&gt; 2Mbps * 41% = 0.82Mbps</a:t>
+            </a:r>
+          </a:p>
+          <a:p>
+            <a:r>
+              <a:rPr lang="ko-KR" altLang="en-US" dirty="0" smtClean="0"/>
+              <a:t>검토 사항 </a:t>
+            </a:r>
+            <a:r>
+              <a:rPr lang="en-US" altLang="ko-KR" dirty="0" smtClean="0"/>
+              <a:t/>
+            </a:r>
+            <a:br>
+              <a:rPr lang="en-US" altLang="ko-KR" dirty="0" smtClean="0"/>
+            </a:br>
+            <a:r>
+              <a:rPr lang="en-US" altLang="ko-KR" dirty="0" smtClean="0"/>
+              <a:t>USRT </a:t>
+            </a:r>
+            <a:r>
+              <a:rPr lang="en-US" altLang="ko-KR" dirty="0"/>
+              <a:t>Clock</a:t>
+            </a:r>
+            <a:r>
+              <a:rPr lang="ko-KR" altLang="en-US" dirty="0"/>
+              <a:t>을 </a:t>
+            </a:r>
+            <a:r>
+              <a:rPr lang="en-US" altLang="ko-KR" dirty="0"/>
+              <a:t>4MHz</a:t>
+            </a:r>
+            <a:r>
+              <a:rPr lang="ko-KR" altLang="en-US" dirty="0"/>
+              <a:t>로 설정을 할 경우 속도의 변화가 어떻게 되는지</a:t>
+            </a:r>
+            <a:r>
+              <a:rPr lang="en-US" altLang="ko-KR" dirty="0" smtClean="0"/>
+              <a:t>?</a:t>
+            </a:r>
+            <a:br>
+              <a:rPr lang="en-US" altLang="ko-KR" dirty="0" smtClean="0"/>
+            </a:br>
+            <a:r>
+              <a:rPr lang="en-US" altLang="ko-KR" dirty="0" smtClean="0"/>
+              <a:t>Estimation</a:t>
+            </a:r>
+            <a:r>
+              <a:rPr lang="ko-KR" altLang="en-US" dirty="0"/>
+              <a:t> </a:t>
+            </a:r>
+            <a:r>
+              <a:rPr lang="en-US" altLang="ko-KR" dirty="0" smtClean="0">
+                <a:sym typeface="Wingdings" panose="05000000000000000000" pitchFamily="2" charset="2"/>
+              </a:rPr>
+              <a:t> </a:t>
+            </a:r>
+            <a:r>
+              <a:rPr lang="en-US" altLang="ko-KR" dirty="0" smtClean="0"/>
+              <a:t/>
+            </a:r>
+            <a:br>
+              <a:rPr lang="en-US" altLang="ko-KR" dirty="0" smtClean="0"/>
+            </a:br>
+            <a:r>
+              <a:rPr lang="ko-KR" altLang="en-US" sz="1400" dirty="0" smtClean="0"/>
+              <a:t> </a:t>
+            </a:r>
+            <a:r>
+              <a:rPr lang="en-US" altLang="ko-KR" sz="1400" dirty="0"/>
+              <a:t>1024 * </a:t>
             </a:r>
             <a:r>
               <a:rPr lang="en-US" altLang="ko-KR" sz="1400" dirty="0" smtClean="0"/>
-              <a:t>. </a:t>
+              <a:t>4</a:t>
+            </a:r>
+            <a:r>
+              <a:rPr lang="ko-KR" altLang="en-US" sz="1400" dirty="0" smtClean="0"/>
+              <a:t>회 </a:t>
+            </a:r>
+            <a:r>
+              <a:rPr lang="en-US" altLang="ko-KR" sz="1400" dirty="0" smtClean="0"/>
+              <a:t>(4096) </a:t>
+            </a:r>
+            <a:r>
+              <a:rPr lang="en-US" altLang="ko-KR" sz="1400" dirty="0"/>
+              <a:t>Byte </a:t>
+            </a:r>
+            <a:r>
+              <a:rPr lang="ko-KR" altLang="en-US" sz="1400" dirty="0" err="1"/>
+              <a:t>전송시</a:t>
+            </a:r>
+            <a:r>
+              <a:rPr lang="ko-KR" altLang="en-US" sz="1400" dirty="0"/>
+              <a:t>  </a:t>
+            </a:r>
+            <a:r>
+              <a:rPr lang="en-US" altLang="ko-KR" sz="1400" dirty="0" smtClean="0"/>
+              <a:t>8.192ms </a:t>
+            </a:r>
+            <a:r>
+              <a:rPr lang="ko-KR" altLang="en-US" sz="1400" dirty="0" err="1"/>
+              <a:t>전송시간</a:t>
+            </a:r>
+            <a:r>
+              <a:rPr lang="ko-KR" altLang="en-US" sz="1400" dirty="0"/>
+              <a:t> </a:t>
+            </a:r>
+            <a:r>
+              <a:rPr lang="en-US" altLang="ko-KR" sz="1400" dirty="0"/>
+              <a:t>, Duty Cycle </a:t>
+            </a:r>
+            <a:r>
+              <a:rPr lang="en-US" altLang="ko-KR" sz="1400" dirty="0" smtClean="0"/>
+              <a:t>82% </a:t>
+            </a:r>
+            <a:r>
+              <a:rPr lang="en-US" altLang="ko-KR" sz="1400" dirty="0"/>
+              <a:t>-&gt; </a:t>
+            </a:r>
+            <a:r>
+              <a:rPr lang="en-US" altLang="ko-KR" sz="1400" dirty="0" smtClean="0"/>
+              <a:t>4Mbps </a:t>
+            </a:r>
+            <a:r>
+              <a:rPr lang="en-US" altLang="ko-KR" sz="1400" dirty="0"/>
+              <a:t>* </a:t>
+            </a:r>
+            <a:r>
+              <a:rPr lang="en-US" altLang="ko-KR" sz="1400" dirty="0" smtClean="0"/>
+              <a:t>82% </a:t>
+            </a:r>
+            <a:r>
+              <a:rPr lang="en-US" altLang="ko-KR" sz="1400" dirty="0"/>
+              <a:t>= </a:t>
+            </a:r>
+            <a:r>
+              <a:rPr lang="en-US" altLang="ko-KR" sz="1400" dirty="0" smtClean="0"/>
+              <a:t>3.24Mbps</a:t>
             </a:r>
             <a:br>
               <a:rPr lang="en-US" altLang="ko-KR" sz="1400" dirty="0" smtClean="0"/>
             </a:br>
             <a:r>
               <a:rPr lang="en-US" altLang="ko-KR" sz="1400" dirty="0" smtClean="0"/>
-              <a:t>                     PDHU</a:t>
-            </a:r>
-            <a:r>
-              <a:rPr lang="ko-KR" altLang="en-US" sz="1400" dirty="0"/>
-              <a:t>에 </a:t>
+              <a:t> 1024 </a:t>
             </a:r>
             <a:r>
               <a:rPr lang="en-US" altLang="ko-KR" sz="1400" dirty="0"/>
-              <a:t>4MHz </a:t>
-            </a:r>
-            <a:r>
-              <a:rPr lang="ko-KR" altLang="en-US" sz="1400" dirty="0"/>
-              <a:t>클럭주파수로 데이터 </a:t>
+              <a:t>* </a:t>
+            </a:r>
+            <a:r>
+              <a:rPr lang="en-US" altLang="ko-KR" sz="1400" dirty="0" smtClean="0"/>
+              <a:t>3</a:t>
+            </a:r>
+            <a:r>
+              <a:rPr lang="ko-KR" altLang="en-US" sz="1400" dirty="0" smtClean="0"/>
+              <a:t>회 </a:t>
+            </a:r>
+            <a:r>
+              <a:rPr lang="en-US" altLang="ko-KR" sz="1400" dirty="0" smtClean="0"/>
+              <a:t>(3072) </a:t>
+            </a:r>
+            <a:r>
+              <a:rPr lang="en-US" altLang="ko-KR" sz="1400" dirty="0"/>
+              <a:t>Byte </a:t>
             </a:r>
             <a:r>
               <a:rPr lang="ko-KR" altLang="en-US" sz="1400" dirty="0" err="1"/>
@@ -6687,450 +9190,157 @@
             </a:r>
             <a:r>
               <a:rPr lang="ko-KR" altLang="en-US" sz="1400" dirty="0"/>
-              <a:t> 처리가 가능한지 확인이 필요함</a:t>
+              <a:t>  </a:t>
+            </a:r>
+            <a:r>
+              <a:rPr lang="en-US" altLang="ko-KR" sz="1400" dirty="0" smtClean="0"/>
+              <a:t>6.144ms </a:t>
+            </a:r>
+            <a:r>
+              <a:rPr lang="ko-KR" altLang="en-US" sz="1400" dirty="0" err="1"/>
+              <a:t>전송시간</a:t>
+            </a:r>
+            <a:r>
+              <a:rPr lang="ko-KR" altLang="en-US" sz="1400" dirty="0"/>
+              <a:t> </a:t>
             </a:r>
             <a:r>
               <a:rPr lang="en-US" altLang="ko-KR" sz="1400" dirty="0"/>
-              <a:t>. </a:t>
-            </a:r>
-          </a:p>
-          <a:p>
-            <a:pPr marL="0" indent="0">
-              <a:buNone/>
-            </a:pPr>
-            <a:endParaRPr lang="en-US" altLang="ko-KR" sz="1400" dirty="0" smtClean="0"/>
-          </a:p>
-          <a:p>
-            <a:pPr marL="0" indent="0">
-              <a:buNone/>
-            </a:pPr>
-            <a:r>
-              <a:rPr lang="en-US" altLang="ko-KR" sz="1600" dirty="0" smtClean="0"/>
-              <a:t>2</a:t>
-            </a:r>
-            <a:r>
-              <a:rPr lang="en-US" altLang="ko-KR" sz="1600" dirty="0"/>
-              <a:t>. CRC Check Algorithm</a:t>
-            </a:r>
-            <a:r>
-              <a:rPr lang="ko-KR" altLang="en-US" sz="1600" dirty="0"/>
-              <a:t>을 </a:t>
-            </a:r>
-            <a:r>
-              <a:rPr lang="en-US" altLang="ko-KR" sz="1600" dirty="0"/>
-              <a:t>FPGA</a:t>
-            </a:r>
-            <a:r>
-              <a:rPr lang="ko-KR" altLang="en-US" sz="1600" dirty="0"/>
-              <a:t>에 이식 </a:t>
-            </a:r>
-            <a:r>
-              <a:rPr lang="en-US" altLang="ko-KR" sz="1600" dirty="0"/>
-              <a:t>CRC </a:t>
-            </a:r>
-            <a:r>
-              <a:rPr lang="ko-KR" altLang="en-US" sz="1600" dirty="0"/>
-              <a:t>처리시간을 </a:t>
-            </a:r>
-            <a:r>
-              <a:rPr lang="ko-KR" altLang="en-US" sz="1600" dirty="0" smtClean="0"/>
-              <a:t>단축</a:t>
-            </a:r>
-            <a:r>
-              <a:rPr lang="en-US" altLang="ko-KR" sz="1600" dirty="0" smtClean="0"/>
-              <a:t/>
-            </a:r>
-            <a:br>
-              <a:rPr lang="en-US" altLang="ko-KR" sz="1600" dirty="0" smtClean="0"/>
-            </a:br>
-            <a:r>
-              <a:rPr lang="ko-KR" altLang="en-US" sz="1400" dirty="0" smtClean="0"/>
-              <a:t>      </a:t>
+              <a:t>, Duty Cycle </a:t>
+            </a:r>
+            <a:r>
+              <a:rPr lang="en-US" altLang="ko-KR" sz="1400" dirty="0" smtClean="0"/>
+              <a:t>61% </a:t>
             </a:r>
             <a:r>
               <a:rPr lang="en-US" altLang="ko-KR" sz="1400" dirty="0"/>
-              <a:t>- Pros : </a:t>
-            </a:r>
-            <a:r>
-              <a:rPr lang="ko-KR" altLang="en-US" sz="1400" dirty="0"/>
-              <a:t>작업을 위한 시간이 짧음</a:t>
+              <a:t>-&gt; 4Mbps * </a:t>
             </a:r>
             <a:r>
               <a:rPr lang="en-US" altLang="ko-KR" sz="1400" dirty="0" smtClean="0"/>
-              <a:t>.</a:t>
+              <a:t>61% </a:t>
+            </a:r>
+            <a:r>
+              <a:rPr lang="en-US" altLang="ko-KR" sz="1400" dirty="0"/>
+              <a:t>= </a:t>
+            </a:r>
+            <a:r>
+              <a:rPr lang="en-US" altLang="ko-KR" sz="1400" dirty="0" smtClean="0"/>
+              <a:t>2.44Mbps</a:t>
             </a:r>
             <a:br>
               <a:rPr lang="en-US" altLang="ko-KR" sz="1400" dirty="0" smtClean="0"/>
             </a:br>
             <a:r>
+              <a:rPr lang="ko-KR" altLang="en-US" sz="1400" dirty="0"/>
+              <a:t> </a:t>
+            </a:r>
+            <a:r>
+              <a:rPr lang="en-US" altLang="ko-KR" sz="1400" dirty="0"/>
+              <a:t>1024 * 2</a:t>
+            </a:r>
+            <a:r>
+              <a:rPr lang="ko-KR" altLang="en-US" sz="1400" dirty="0"/>
+              <a:t>회 </a:t>
+            </a:r>
+            <a:r>
+              <a:rPr lang="en-US" altLang="ko-KR" sz="1400" dirty="0"/>
+              <a:t>(2048) Byte </a:t>
+            </a:r>
+            <a:r>
+              <a:rPr lang="ko-KR" altLang="en-US" sz="1400" dirty="0" err="1"/>
+              <a:t>전송시</a:t>
+            </a:r>
+            <a:r>
+              <a:rPr lang="ko-KR" altLang="en-US" sz="1400" dirty="0"/>
+              <a:t>  </a:t>
+            </a:r>
+            <a:r>
+              <a:rPr lang="en-US" altLang="ko-KR" sz="1400" dirty="0"/>
+              <a:t>4.096ms </a:t>
+            </a:r>
+            <a:r>
+              <a:rPr lang="ko-KR" altLang="en-US" sz="1400" dirty="0" err="1"/>
+              <a:t>전송시간</a:t>
+            </a:r>
+            <a:r>
+              <a:rPr lang="ko-KR" altLang="en-US" sz="1400" dirty="0"/>
+              <a:t> </a:t>
+            </a:r>
+            <a:r>
+              <a:rPr lang="en-US" altLang="ko-KR" sz="1400" dirty="0"/>
+              <a:t>, Duty Cycle 41% -&gt; 4Mbps * 41% = 1.64Mbps</a:t>
+            </a:r>
+            <a:br>
+              <a:rPr lang="en-US" altLang="ko-KR" sz="1400" dirty="0"/>
+            </a:br>
+            <a:r>
               <a:rPr lang="en-US" altLang="ko-KR" sz="1400" dirty="0" smtClean="0"/>
-              <a:t>      </a:t>
+              <a:t> </a:t>
             </a:r>
             <a:r>
               <a:rPr lang="en-US" altLang="ko-KR" sz="1400" dirty="0"/>
-              <a:t>- Cons : Speed </a:t>
+              <a:t>1024 * 1</a:t>
             </a:r>
             <a:r>
               <a:rPr lang="ko-KR" altLang="en-US" sz="1400" dirty="0"/>
-              <a:t>상승 효과가 크지 않음</a:t>
+              <a:t>회 </a:t>
             </a:r>
             <a:r>
               <a:rPr lang="en-US" altLang="ko-KR" sz="1400" dirty="0"/>
-              <a:t>.</a:t>
-            </a:r>
-          </a:p>
-          <a:p>
-            <a:pPr marL="0" indent="0">
-              <a:buNone/>
-            </a:pPr>
-            <a:endParaRPr lang="en-US" altLang="ko-KR" sz="1400" dirty="0" smtClean="0"/>
-          </a:p>
-          <a:p>
-            <a:pPr marL="0" indent="0">
-              <a:buNone/>
-            </a:pPr>
-            <a:r>
-              <a:rPr lang="en-US" altLang="ko-KR" sz="1600" dirty="0" smtClean="0"/>
-              <a:t>3</a:t>
-            </a:r>
-            <a:r>
-              <a:rPr lang="en-US" altLang="ko-KR" sz="1600" dirty="0"/>
-              <a:t>. USRT </a:t>
-            </a:r>
-            <a:r>
-              <a:rPr lang="en-US" altLang="ko-KR" sz="1600" dirty="0" smtClean="0"/>
-              <a:t>Peripheral</a:t>
-            </a:r>
-            <a:r>
-              <a:rPr lang="ko-KR" altLang="en-US" sz="1600" dirty="0"/>
-              <a:t>을 </a:t>
-            </a:r>
-            <a:r>
-              <a:rPr lang="en-US" altLang="ko-KR" sz="1600" dirty="0"/>
-              <a:t>DMA </a:t>
-            </a:r>
-            <a:r>
-              <a:rPr lang="ko-KR" altLang="en-US" sz="1600" dirty="0"/>
-              <a:t>구조로 변경 </a:t>
-            </a:r>
-            <a:r>
-              <a:rPr lang="en-US" altLang="ko-KR" sz="1600" dirty="0" smtClean="0"/>
-              <a:t/>
-            </a:r>
-            <a:br>
-              <a:rPr lang="en-US" altLang="ko-KR" sz="1600" dirty="0" smtClean="0"/>
-            </a:br>
-            <a:r>
-              <a:rPr lang="ko-KR" altLang="en-US" sz="1400" dirty="0" smtClean="0"/>
-              <a:t>      </a:t>
+              <a:t>(1024) Byte </a:t>
+            </a:r>
+            <a:r>
+              <a:rPr lang="ko-KR" altLang="en-US" sz="1400" dirty="0" err="1"/>
+              <a:t>전송시</a:t>
+            </a:r>
+            <a:r>
+              <a:rPr lang="ko-KR" altLang="en-US" sz="1400" dirty="0"/>
+              <a:t>  </a:t>
+            </a:r>
+            <a:r>
+              <a:rPr lang="en-US" altLang="ko-KR" sz="1400" dirty="0" smtClean="0"/>
+              <a:t>2.048ms </a:t>
+            </a:r>
+            <a:r>
+              <a:rPr lang="ko-KR" altLang="en-US" sz="1400" dirty="0" err="1"/>
+              <a:t>전송시간</a:t>
+            </a:r>
+            <a:r>
+              <a:rPr lang="ko-KR" altLang="en-US" sz="1400" dirty="0"/>
+              <a:t> </a:t>
             </a:r>
             <a:r>
               <a:rPr lang="en-US" altLang="ko-KR" sz="1400" dirty="0"/>
-              <a:t>- Pros : DMA </a:t>
-            </a:r>
-            <a:r>
-              <a:rPr lang="ko-KR" altLang="en-US" sz="1400" dirty="0"/>
-              <a:t>구조를 이용하므로 </a:t>
+              <a:t>, Duty Cycle </a:t>
+            </a:r>
+            <a:r>
+              <a:rPr lang="en-US" altLang="ko-KR" sz="1400" dirty="0" smtClean="0"/>
+              <a:t>21% </a:t>
             </a:r>
             <a:r>
               <a:rPr lang="en-US" altLang="ko-KR" sz="1400" dirty="0"/>
-              <a:t>CPU </a:t>
-            </a:r>
-            <a:r>
-              <a:rPr lang="ko-KR" altLang="en-US" sz="1400" dirty="0"/>
-              <a:t>점유율이 적어 </a:t>
+              <a:t>-&gt; </a:t>
+            </a:r>
+            <a:r>
+              <a:rPr lang="en-US" altLang="ko-KR" sz="1400" dirty="0" smtClean="0"/>
+              <a:t>4Mbps </a:t>
             </a:r>
             <a:r>
               <a:rPr lang="en-US" altLang="ko-KR" sz="1400" dirty="0"/>
-              <a:t>Task </a:t>
-            </a:r>
-            <a:r>
-              <a:rPr lang="ko-KR" altLang="en-US" sz="1400" dirty="0"/>
-              <a:t>운용에 상관없이 데이터 전송이 가능함</a:t>
+              <a:t>* </a:t>
+            </a:r>
+            <a:r>
+              <a:rPr lang="en-US" altLang="ko-KR" sz="1400" dirty="0" smtClean="0"/>
+              <a:t>21% </a:t>
             </a:r>
             <a:r>
               <a:rPr lang="en-US" altLang="ko-KR" sz="1400" dirty="0"/>
-              <a:t>. </a:t>
+              <a:t>= </a:t>
             </a:r>
             <a:r>
               <a:rPr lang="en-US" altLang="ko-KR" sz="1400" dirty="0" smtClean="0"/>
-              <a:t/>
-            </a:r>
-            <a:br>
-              <a:rPr lang="en-US" altLang="ko-KR" sz="1400" dirty="0" smtClean="0"/>
-            </a:br>
-            <a:r>
-              <a:rPr lang="en-US" altLang="ko-KR" sz="1400" dirty="0" smtClean="0"/>
-              <a:t>      </a:t>
-            </a:r>
-            <a:r>
-              <a:rPr lang="en-US" altLang="ko-KR" sz="1400" dirty="0"/>
-              <a:t>- Cons : FPGA </a:t>
-            </a:r>
-            <a:r>
-              <a:rPr lang="ko-KR" altLang="en-US" sz="1400" dirty="0"/>
-              <a:t>코드의 변경이 필요함</a:t>
-            </a:r>
-            <a:r>
-              <a:rPr lang="en-US" altLang="ko-KR" sz="1400" dirty="0"/>
-              <a:t>. </a:t>
-            </a:r>
-          </a:p>
-          <a:p>
-            <a:pPr marL="0" indent="0">
-              <a:buNone/>
-            </a:pPr>
-            <a:endParaRPr lang="en-US" altLang="ko-KR" sz="1400" dirty="0" smtClean="0"/>
-          </a:p>
-          <a:p>
-            <a:pPr marL="0" indent="0">
-              <a:buNone/>
-            </a:pPr>
-            <a:r>
-              <a:rPr lang="en-US" altLang="ko-KR" sz="1600" dirty="0" smtClean="0"/>
-              <a:t>4</a:t>
-            </a:r>
-            <a:r>
-              <a:rPr lang="en-US" altLang="ko-KR" sz="1600" dirty="0"/>
-              <a:t>. LEON3 Single Core (SMP) </a:t>
-            </a:r>
-            <a:r>
-              <a:rPr lang="ko-KR" altLang="en-US" sz="1600" dirty="0"/>
-              <a:t>를 </a:t>
-            </a:r>
-            <a:r>
-              <a:rPr lang="en-US" altLang="ko-KR" sz="1600" dirty="0"/>
-              <a:t>Dual Core</a:t>
-            </a:r>
-            <a:r>
-              <a:rPr lang="ko-KR" altLang="en-US" sz="1600" dirty="0"/>
-              <a:t>로 </a:t>
-            </a:r>
-            <a:r>
-              <a:rPr lang="en-US" altLang="ko-KR" sz="1600" dirty="0"/>
-              <a:t>FPGA </a:t>
-            </a:r>
-            <a:r>
-              <a:rPr lang="ko-KR" altLang="en-US" sz="1600" dirty="0"/>
-              <a:t>수정 </a:t>
-            </a:r>
-            <a:r>
-              <a:rPr lang="en-US" altLang="ko-KR" sz="1600" dirty="0"/>
-              <a:t>+ USRT </a:t>
-            </a:r>
-            <a:r>
-              <a:rPr lang="en-US" altLang="ko-KR" sz="1600" dirty="0" smtClean="0"/>
-              <a:t>Peripheral </a:t>
-            </a:r>
-            <a:r>
-              <a:rPr lang="en-US" altLang="ko-KR" sz="1600" dirty="0"/>
-              <a:t>DMA </a:t>
-            </a:r>
-            <a:r>
-              <a:rPr lang="en-US" altLang="ko-KR" sz="1600" dirty="0" smtClean="0"/>
-              <a:t/>
-            </a:r>
-            <a:br>
-              <a:rPr lang="en-US" altLang="ko-KR" sz="1600" dirty="0" smtClean="0"/>
-            </a:br>
-            <a:r>
-              <a:rPr lang="en-US" altLang="ko-KR" sz="1400" dirty="0" smtClean="0"/>
-              <a:t>      </a:t>
-            </a:r>
-            <a:r>
-              <a:rPr lang="en-US" altLang="ko-KR" sz="1400" dirty="0"/>
-              <a:t>CPU 1 </a:t>
-            </a:r>
-            <a:r>
-              <a:rPr lang="ko-KR" altLang="en-US" sz="1400" dirty="0"/>
-              <a:t>은 </a:t>
-            </a:r>
-            <a:r>
-              <a:rPr lang="en-US" altLang="ko-KR" sz="1400" dirty="0"/>
-              <a:t>ION S/W </a:t>
-            </a:r>
-            <a:r>
-              <a:rPr lang="ko-KR" altLang="en-US" sz="1400" dirty="0"/>
-              <a:t>구동 전용으로 할 당</a:t>
-            </a:r>
-            <a:r>
-              <a:rPr lang="en-US" altLang="ko-KR" sz="1400" dirty="0"/>
-              <a:t>. </a:t>
-            </a:r>
-            <a:r>
-              <a:rPr lang="en-US" altLang="ko-KR" sz="1400" dirty="0" smtClean="0"/>
-              <a:t/>
-            </a:r>
-            <a:br>
-              <a:rPr lang="en-US" altLang="ko-KR" sz="1400" dirty="0" smtClean="0"/>
-            </a:br>
-            <a:r>
-              <a:rPr lang="en-US" altLang="ko-KR" sz="1400" dirty="0" smtClean="0"/>
-              <a:t>      </a:t>
-            </a:r>
-            <a:r>
-              <a:rPr lang="en-US" altLang="ko-KR" sz="1400" dirty="0"/>
-              <a:t>CPU 2 </a:t>
-            </a:r>
-            <a:r>
-              <a:rPr lang="ko-KR" altLang="en-US" sz="1400" dirty="0"/>
-              <a:t>는 </a:t>
-            </a:r>
-            <a:r>
-              <a:rPr lang="en-US" altLang="ko-KR" sz="1400" dirty="0"/>
-              <a:t>SBC F/W </a:t>
-            </a:r>
-            <a:r>
-              <a:rPr lang="ko-KR" altLang="en-US" sz="1400" dirty="0"/>
-              <a:t>운용을 위한 </a:t>
-            </a:r>
-            <a:r>
-              <a:rPr lang="en-US" altLang="ko-KR" sz="1400" dirty="0"/>
-              <a:t>Process </a:t>
-            </a:r>
-            <a:r>
-              <a:rPr lang="ko-KR" altLang="en-US" sz="1400" dirty="0"/>
-              <a:t>할당 해 전용으로 사용하게 함</a:t>
-            </a:r>
-            <a:r>
-              <a:rPr lang="en-US" altLang="ko-KR" sz="1400" dirty="0"/>
-              <a:t>. </a:t>
-            </a:r>
-            <a:r>
-              <a:rPr lang="en-US" altLang="ko-KR" sz="1400" dirty="0" smtClean="0"/>
-              <a:t/>
-            </a:r>
-            <a:br>
-              <a:rPr lang="en-US" altLang="ko-KR" sz="1400" dirty="0" smtClean="0"/>
-            </a:br>
-            <a:r>
-              <a:rPr lang="en-US" altLang="ko-KR" sz="1400" dirty="0" smtClean="0"/>
-              <a:t>      </a:t>
-            </a:r>
-            <a:r>
-              <a:rPr lang="en-US" altLang="ko-KR" sz="1400" dirty="0"/>
-              <a:t>- Pros :  ION SW </a:t>
-            </a:r>
-            <a:r>
-              <a:rPr lang="ko-KR" altLang="en-US" sz="1400" dirty="0"/>
-              <a:t>운용과 </a:t>
-            </a:r>
-            <a:r>
-              <a:rPr lang="en-US" altLang="ko-KR" sz="1400" dirty="0"/>
-              <a:t>SBC F/W </a:t>
-            </a:r>
-            <a:r>
-              <a:rPr lang="ko-KR" altLang="en-US" sz="1400" dirty="0"/>
-              <a:t>운용이 분리되어 있어 </a:t>
-            </a:r>
-            <a:r>
-              <a:rPr lang="en-US" altLang="ko-KR" sz="1400" dirty="0"/>
-              <a:t>CPU Usage</a:t>
-            </a:r>
-            <a:r>
-              <a:rPr lang="ko-KR" altLang="en-US" sz="1400" dirty="0"/>
-              <a:t>에 여유가 생김</a:t>
-            </a:r>
-            <a:r>
-              <a:rPr lang="en-US" altLang="ko-KR" sz="1400" dirty="0"/>
-              <a:t>. </a:t>
-            </a:r>
-            <a:r>
-              <a:rPr lang="en-US" altLang="ko-KR" sz="1400" dirty="0" smtClean="0"/>
-              <a:t/>
-            </a:r>
-            <a:br>
-              <a:rPr lang="en-US" altLang="ko-KR" sz="1400" dirty="0" smtClean="0"/>
-            </a:br>
-            <a:r>
-              <a:rPr lang="en-US" altLang="ko-KR" sz="1400" dirty="0" smtClean="0"/>
-              <a:t>                    </a:t>
-            </a:r>
-            <a:r>
-              <a:rPr lang="ko-KR" altLang="en-US" sz="1400" dirty="0"/>
-              <a:t>또한 </a:t>
-            </a:r>
-            <a:r>
-              <a:rPr lang="en-US" altLang="ko-KR" sz="1400" dirty="0"/>
-              <a:t>USRT </a:t>
-            </a:r>
-            <a:r>
-              <a:rPr lang="ko-KR" altLang="en-US" sz="1400" dirty="0"/>
-              <a:t>전송에 </a:t>
-            </a:r>
-            <a:r>
-              <a:rPr lang="en-US" altLang="ko-KR" sz="1400" dirty="0"/>
-              <a:t>DMA</a:t>
-            </a:r>
-            <a:r>
-              <a:rPr lang="ko-KR" altLang="en-US" sz="1400" dirty="0"/>
-              <a:t>를 이용하므로 전송을 위한 별도의 </a:t>
-            </a:r>
-            <a:r>
-              <a:rPr lang="en-US" altLang="ko-KR" sz="1400" dirty="0"/>
-              <a:t>CPU Power</a:t>
-            </a:r>
-            <a:r>
-              <a:rPr lang="ko-KR" altLang="en-US" sz="1400" dirty="0"/>
-              <a:t>가 필요 없음</a:t>
-            </a:r>
-            <a:r>
-              <a:rPr lang="en-US" altLang="ko-KR" sz="1400" dirty="0"/>
-              <a:t>. </a:t>
-            </a:r>
-            <a:r>
-              <a:rPr lang="en-US" altLang="ko-KR" sz="1400" dirty="0" smtClean="0"/>
-              <a:t/>
-            </a:r>
-            <a:br>
-              <a:rPr lang="en-US" altLang="ko-KR" sz="1400" dirty="0" smtClean="0"/>
-            </a:br>
-            <a:r>
-              <a:rPr lang="en-US" altLang="ko-KR" sz="1400" dirty="0" smtClean="0"/>
-              <a:t>      </a:t>
-            </a:r>
-            <a:r>
-              <a:rPr lang="en-US" altLang="ko-KR" sz="1400" dirty="0"/>
-              <a:t>- Cons :  ION &lt;-&gt; SBC</a:t>
-            </a:r>
-            <a:r>
-              <a:rPr lang="ko-KR" altLang="en-US" sz="1400" dirty="0"/>
-              <a:t>간 </a:t>
-            </a:r>
-            <a:r>
-              <a:rPr lang="en-US" altLang="ko-KR" sz="1400" dirty="0"/>
-              <a:t>UDP </a:t>
-            </a:r>
-            <a:r>
-              <a:rPr lang="ko-KR" altLang="en-US" sz="1400" dirty="0"/>
-              <a:t>전송 속도에 </a:t>
-            </a:r>
-            <a:r>
-              <a:rPr lang="ko-KR" altLang="en-US" sz="1400" dirty="0" smtClean="0"/>
-              <a:t>종속적 임</a:t>
-            </a:r>
-            <a:r>
-              <a:rPr lang="en-US" altLang="ko-KR" sz="1400" dirty="0" smtClean="0"/>
-              <a:t>. </a:t>
-            </a:r>
-            <a:br>
-              <a:rPr lang="en-US" altLang="ko-KR" sz="1400" dirty="0" smtClean="0"/>
-            </a:br>
-            <a:r>
-              <a:rPr lang="en-US" altLang="ko-KR" sz="1400" dirty="0" smtClean="0"/>
-              <a:t>                     </a:t>
-            </a:r>
-            <a:r>
-              <a:rPr lang="en-US" altLang="ko-KR" sz="1400" dirty="0"/>
-              <a:t>FPGA </a:t>
-            </a:r>
-            <a:r>
-              <a:rPr lang="ko-KR" altLang="en-US" sz="1400" dirty="0"/>
-              <a:t>구조의 전면적인 변화가 필요하여 별도의 개발기간 산정이 필요함</a:t>
-            </a:r>
-            <a:r>
-              <a:rPr lang="en-US" altLang="ko-KR" sz="1400" dirty="0"/>
-              <a:t>. </a:t>
+              <a:t>0.84Mbps</a:t>
             </a:r>
             <a:endParaRPr lang="ko-KR" altLang="en-US" sz="1400" dirty="0"/>
           </a:p>
@@ -7139,7 +9349,7 @@
     </p:spTree>
     <p:extLst>
       <p:ext uri="{BB962C8B-B14F-4D97-AF65-F5344CB8AC3E}">
-        <p14:creationId xmlns:p14="http://schemas.microsoft.com/office/powerpoint/2010/main" val="830710110"/>
+        <p14:creationId xmlns:p14="http://schemas.microsoft.com/office/powerpoint/2010/main" val="2925814864"/>
       </p:ext>
     </p:extLst>
   </p:cSld>

--- a/1. Project/DTNPL/Weekly Report/DTN_SBC-USRT-속도 변경의 건.pptx
+++ b/1. Project/DTNPL/Weekly Report/DTN_SBC-USRT-속도 변경의 건.pptx
@@ -5190,15 +5190,7 @@
           <a:p>
             <a:r>
               <a:rPr lang="en-US" altLang="ko-KR" dirty="0" smtClean="0"/>
-              <a:t>USRT</a:t>
-            </a:r>
-            <a:r>
-              <a:rPr lang="en-US" altLang="ko-KR" dirty="0" smtClean="0"/>
-              <a:t> </a:t>
-            </a:r>
-            <a:r>
-              <a:rPr lang="en-US" altLang="ko-KR" dirty="0" smtClean="0"/>
-              <a:t>Speed </a:t>
+              <a:t>USRT Speed </a:t>
             </a:r>
             <a:r>
               <a:rPr lang="ko-KR" altLang="en-US" dirty="0"/>
@@ -5645,13 +5637,7 @@
               <a:rPr lang="en-US" altLang="ko-KR" dirty="0" smtClean="0">
                 <a:latin typeface="맑은 고딕" panose="020B0503020000020004" pitchFamily="50" charset="-127"/>
               </a:rPr>
-              <a:t>ION </a:t>
-            </a:r>
-            <a:r>
-              <a:rPr lang="en-US" altLang="ko-KR" dirty="0" smtClean="0">
-                <a:latin typeface="맑은 고딕" panose="020B0503020000020004" pitchFamily="50" charset="-127"/>
-              </a:rPr>
-              <a:t>S/W</a:t>
+              <a:t>ION S/W</a:t>
             </a:r>
             <a:r>
               <a:rPr lang="ko-KR" altLang="en-US" dirty="0" smtClean="0">
@@ -8770,47 +8756,41 @@
               <a:t>목표  </a:t>
             </a:r>
             <a:r>
-              <a:rPr lang="en-US" altLang="ko-KR" dirty="0"/>
-              <a:t>ION S/W UDP  </a:t>
-            </a:r>
-            <a:r>
-              <a:rPr lang="en-US" altLang="ko-KR" dirty="0" err="1"/>
-              <a:t>transmitte</a:t>
-            </a:r>
-            <a:r>
-              <a:rPr lang="en-US" altLang="ko-KR" dirty="0"/>
-              <a:t> speed is up to </a:t>
-            </a:r>
-            <a:r>
               <a:rPr lang="en-US" altLang="ko-KR" dirty="0" smtClean="0"/>
-              <a:t>1.5MBps</a:t>
+              <a:t/>
             </a:r>
             <a:br>
               <a:rPr lang="en-US" altLang="ko-KR" dirty="0" smtClean="0"/>
             </a:br>
             <a:r>
               <a:rPr lang="en-US" altLang="ko-KR" dirty="0" smtClean="0"/>
-              <a:t>                       </a:t>
+              <a:t>ION S/W  : The MAX transmission speed via UDP </a:t>
             </a:r>
             <a:r>
               <a:rPr lang="en-US" altLang="ko-KR" dirty="0"/>
-              <a:t>SBC F/W USRT </a:t>
-            </a:r>
-            <a:r>
-              <a:rPr lang="en-US" altLang="ko-KR" dirty="0" err="1"/>
-              <a:t>transmitte</a:t>
-            </a:r>
-            <a:r>
-              <a:rPr lang="en-US" altLang="ko-KR" dirty="0"/>
-              <a:t> speed is up to </a:t>
+              <a:t>is up to </a:t>
             </a:r>
             <a:r>
               <a:rPr lang="en-US" altLang="ko-KR" dirty="0" smtClean="0"/>
-              <a:t>1.6Mbps</a:t>
+              <a:t>1.5MBps</a:t>
             </a:r>
             <a:br>
               <a:rPr lang="en-US" altLang="ko-KR" dirty="0" smtClean="0"/>
             </a:br>
+            <a:r>
+              <a:rPr lang="en-US" altLang="ko-KR" dirty="0" smtClean="0"/>
+              <a:t>SBC F/W : The MAX. USRT transmission </a:t>
+            </a:r>
+            <a:r>
+              <a:rPr lang="en-US" altLang="ko-KR" dirty="0"/>
+              <a:t>speed is up to </a:t>
+            </a:r>
+            <a:r>
+              <a:rPr lang="en-US" altLang="ko-KR" dirty="0" smtClean="0"/>
+              <a:t>1.6Mbps</a:t>
+            </a:r>
+          </a:p>
+          <a:p>
             <a:endParaRPr lang="en-US" altLang="ko-KR" dirty="0" smtClean="0"/>
           </a:p>
           <a:p>
@@ -8819,15 +8799,15 @@
               <a:t>   </a:t>
             </a:r>
             <a:r>
-              <a:rPr lang="ko-KR" altLang="en-US" dirty="0"/>
+              <a:rPr lang="ko-KR" altLang="en-US" dirty="0" smtClean="0"/>
               <a:t>현재까지의 시험 결과는 </a:t>
             </a:r>
             <a:r>
-              <a:rPr lang="en-US" altLang="ko-KR" dirty="0"/>
+              <a:rPr lang="en-US" altLang="ko-KR" dirty="0" smtClean="0"/>
               <a:t>USRT </a:t>
             </a:r>
             <a:r>
-              <a:rPr lang="ko-KR" altLang="en-US" dirty="0"/>
+              <a:rPr lang="ko-KR" altLang="en-US" dirty="0" smtClean="0"/>
               <a:t>최대 전송 속도는 </a:t>
             </a:r>
             <a:r>
@@ -8836,11 +8816,8 @@
             </a:r>
           </a:p>
           <a:p>
-            <a:endParaRPr lang="en-US" altLang="ko-KR" dirty="0"/>
-          </a:p>
-          <a:p>
-            <a:r>
-              <a:rPr lang="en-US" altLang="ko-KR" dirty="0"/>
+            <a:r>
+              <a:rPr lang="en-US" altLang="ko-KR" dirty="0" smtClean="0"/>
               <a:t>  </a:t>
             </a:r>
             <a:r>
@@ -8902,6 +8879,22 @@
             <a:r>
               <a:rPr lang="ko-KR" altLang="en-US" dirty="0"/>
               <a:t>값 </a:t>
+            </a:r>
+            <a:r>
+              <a:rPr lang="en-US" altLang="ko-KR" dirty="0" smtClean="0"/>
+              <a:t>(</a:t>
+            </a:r>
+            <a:r>
+              <a:rPr lang="en-US" altLang="ko-KR" dirty="0" smtClean="0"/>
+              <a:t>USRT 2MHz Clock </a:t>
+            </a:r>
+            <a:r>
+              <a:rPr lang="ko-KR" altLang="en-US" dirty="0" smtClean="0"/>
+              <a:t>기준 산정</a:t>
+            </a:r>
+            <a:r>
+              <a:rPr lang="en-US" altLang="ko-KR" dirty="0" smtClean="0"/>
+              <a:t>)</a:t>
             </a:r>
             <a:r>
               <a:rPr lang="en-US" altLang="ko-KR" dirty="0" smtClean="0"/>
